--- a/huiZhongLesson/答辩文件/天津软件1班_C++游戏_柴彧_打字游戏/打字游戏.pptx
+++ b/huiZhongLesson/答辩文件/天津软件1班_C++游戏_柴彧_打字游戏/打字游戏.pptx
@@ -115,7 +115,7 @@
   </p:defaultTextStyle>
   <p:extLst>
     <p:ext uri="{EFAFB233-063F-42B5-8137-9DF3F51BA10A}">
-      <p15:sldGuideLst xmlns:p15="http://schemas.microsoft.com/office/powerpoint/2012/main">
+      <p15:sldGuideLst xmlns:p15="http://schemas.microsoft.com/office/powerpoint/2012/main" xmlns="">
         <p15:guide id="1" orient="horz" pos="2160">
           <p15:clr>
             <a:srgbClr val="A4A3A4"/>
@@ -264,7 +264,7 @@
             <a:fld id="{5D2D7C02-6413-4FA0-B51A-4B4E687647AA}" type="datetimeFigureOut">
               <a:rPr lang="zh-CN" altLang="en-US" smtClean="0"/>
               <a:pPr/>
-              <a:t>2018/6/13 Wednesday</a:t>
+              <a:t>2018/6/13</a:t>
             </a:fld>
             <a:endParaRPr lang="zh-CN" altLang="en-US"/>
           </a:p>
@@ -316,7 +316,7 @@
     </p:spTree>
     <p:extLst>
       <p:ext uri="{BB962C8B-B14F-4D97-AF65-F5344CB8AC3E}">
-        <p14:creationId xmlns:p14="http://schemas.microsoft.com/office/powerpoint/2010/main" val="3520789796"/>
+        <p14:creationId xmlns:p14="http://schemas.microsoft.com/office/powerpoint/2010/main" xmlns="" val="3520789796"/>
       </p:ext>
     </p:extLst>
   </p:cSld>
@@ -436,7 +436,7 @@
             <a:fld id="{5D2D7C02-6413-4FA0-B51A-4B4E687647AA}" type="datetimeFigureOut">
               <a:rPr lang="zh-CN" altLang="en-US" smtClean="0"/>
               <a:pPr/>
-              <a:t>2018/6/13 Wednesday</a:t>
+              <a:t>2018/6/13</a:t>
             </a:fld>
             <a:endParaRPr lang="zh-CN" altLang="en-US"/>
           </a:p>
@@ -488,7 +488,7 @@
     </p:spTree>
     <p:extLst>
       <p:ext uri="{BB962C8B-B14F-4D97-AF65-F5344CB8AC3E}">
-        <p14:creationId xmlns:p14="http://schemas.microsoft.com/office/powerpoint/2010/main" val="2247429032"/>
+        <p14:creationId xmlns:p14="http://schemas.microsoft.com/office/powerpoint/2010/main" xmlns="" val="2247429032"/>
       </p:ext>
     </p:extLst>
   </p:cSld>
@@ -618,7 +618,7 @@
             <a:fld id="{5D2D7C02-6413-4FA0-B51A-4B4E687647AA}" type="datetimeFigureOut">
               <a:rPr lang="zh-CN" altLang="en-US" smtClean="0"/>
               <a:pPr/>
-              <a:t>2018/6/13 Wednesday</a:t>
+              <a:t>2018/6/13</a:t>
             </a:fld>
             <a:endParaRPr lang="zh-CN" altLang="en-US"/>
           </a:p>
@@ -670,7 +670,7 @@
     </p:spTree>
     <p:extLst>
       <p:ext uri="{BB962C8B-B14F-4D97-AF65-F5344CB8AC3E}">
-        <p14:creationId xmlns:p14="http://schemas.microsoft.com/office/powerpoint/2010/main" val="3639564044"/>
+        <p14:creationId xmlns:p14="http://schemas.microsoft.com/office/powerpoint/2010/main" xmlns="" val="3639564044"/>
       </p:ext>
     </p:extLst>
   </p:cSld>
@@ -790,7 +790,7 @@
             <a:fld id="{5D2D7C02-6413-4FA0-B51A-4B4E687647AA}" type="datetimeFigureOut">
               <a:rPr lang="zh-CN" altLang="en-US" smtClean="0"/>
               <a:pPr/>
-              <a:t>2018/6/13 Wednesday</a:t>
+              <a:t>2018/6/13</a:t>
             </a:fld>
             <a:endParaRPr lang="zh-CN" altLang="en-US"/>
           </a:p>
@@ -842,7 +842,7 @@
     </p:spTree>
     <p:extLst>
       <p:ext uri="{BB962C8B-B14F-4D97-AF65-F5344CB8AC3E}">
-        <p14:creationId xmlns:p14="http://schemas.microsoft.com/office/powerpoint/2010/main" val="1425107319"/>
+        <p14:creationId xmlns:p14="http://schemas.microsoft.com/office/powerpoint/2010/main" xmlns="" val="1425107319"/>
       </p:ext>
     </p:extLst>
   </p:cSld>
@@ -1038,7 +1038,7 @@
             <a:fld id="{5D2D7C02-6413-4FA0-B51A-4B4E687647AA}" type="datetimeFigureOut">
               <a:rPr lang="zh-CN" altLang="en-US" smtClean="0"/>
               <a:pPr/>
-              <a:t>2018/6/13 Wednesday</a:t>
+              <a:t>2018/6/13</a:t>
             </a:fld>
             <a:endParaRPr lang="zh-CN" altLang="en-US"/>
           </a:p>
@@ -1090,7 +1090,7 @@
     </p:spTree>
     <p:extLst>
       <p:ext uri="{BB962C8B-B14F-4D97-AF65-F5344CB8AC3E}">
-        <p14:creationId xmlns:p14="http://schemas.microsoft.com/office/powerpoint/2010/main" val="19894908"/>
+        <p14:creationId xmlns:p14="http://schemas.microsoft.com/office/powerpoint/2010/main" xmlns="" val="19894908"/>
       </p:ext>
     </p:extLst>
   </p:cSld>
@@ -1272,7 +1272,7 @@
             <a:fld id="{5D2D7C02-6413-4FA0-B51A-4B4E687647AA}" type="datetimeFigureOut">
               <a:rPr lang="zh-CN" altLang="en-US" smtClean="0"/>
               <a:pPr/>
-              <a:t>2018/6/13 Wednesday</a:t>
+              <a:t>2018/6/13</a:t>
             </a:fld>
             <a:endParaRPr lang="zh-CN" altLang="en-US"/>
           </a:p>
@@ -1324,7 +1324,7 @@
     </p:spTree>
     <p:extLst>
       <p:ext uri="{BB962C8B-B14F-4D97-AF65-F5344CB8AC3E}">
-        <p14:creationId xmlns:p14="http://schemas.microsoft.com/office/powerpoint/2010/main" val="198632400"/>
+        <p14:creationId xmlns:p14="http://schemas.microsoft.com/office/powerpoint/2010/main" xmlns="" val="198632400"/>
       </p:ext>
     </p:extLst>
   </p:cSld>
@@ -1641,7 +1641,7 @@
             <a:fld id="{5D2D7C02-6413-4FA0-B51A-4B4E687647AA}" type="datetimeFigureOut">
               <a:rPr lang="zh-CN" altLang="en-US" smtClean="0"/>
               <a:pPr/>
-              <a:t>2018/6/13 Wednesday</a:t>
+              <a:t>2018/6/13</a:t>
             </a:fld>
             <a:endParaRPr lang="zh-CN" altLang="en-US"/>
           </a:p>
@@ -1693,7 +1693,7 @@
     </p:spTree>
     <p:extLst>
       <p:ext uri="{BB962C8B-B14F-4D97-AF65-F5344CB8AC3E}">
-        <p14:creationId xmlns:p14="http://schemas.microsoft.com/office/powerpoint/2010/main" val="748232851"/>
+        <p14:creationId xmlns:p14="http://schemas.microsoft.com/office/powerpoint/2010/main" xmlns="" val="748232851"/>
       </p:ext>
     </p:extLst>
   </p:cSld>
@@ -1761,7 +1761,7 @@
             <a:fld id="{5D2D7C02-6413-4FA0-B51A-4B4E687647AA}" type="datetimeFigureOut">
               <a:rPr lang="zh-CN" altLang="en-US" smtClean="0"/>
               <a:pPr/>
-              <a:t>2018/6/13 Wednesday</a:t>
+              <a:t>2018/6/13</a:t>
             </a:fld>
             <a:endParaRPr lang="zh-CN" altLang="en-US"/>
           </a:p>
@@ -1813,7 +1813,7 @@
     </p:spTree>
     <p:extLst>
       <p:ext uri="{BB962C8B-B14F-4D97-AF65-F5344CB8AC3E}">
-        <p14:creationId xmlns:p14="http://schemas.microsoft.com/office/powerpoint/2010/main" val="1762628761"/>
+        <p14:creationId xmlns:p14="http://schemas.microsoft.com/office/powerpoint/2010/main" xmlns="" val="1762628761"/>
       </p:ext>
     </p:extLst>
   </p:cSld>
@@ -1858,7 +1858,7 @@
             <a:fld id="{5D2D7C02-6413-4FA0-B51A-4B4E687647AA}" type="datetimeFigureOut">
               <a:rPr lang="zh-CN" altLang="en-US" smtClean="0"/>
               <a:pPr/>
-              <a:t>2018/6/13 Wednesday</a:t>
+              <a:t>2018/6/13</a:t>
             </a:fld>
             <a:endParaRPr lang="zh-CN" altLang="en-US"/>
           </a:p>
@@ -1910,7 +1910,7 @@
     </p:spTree>
     <p:extLst>
       <p:ext uri="{BB962C8B-B14F-4D97-AF65-F5344CB8AC3E}">
-        <p14:creationId xmlns:p14="http://schemas.microsoft.com/office/powerpoint/2010/main" val="2577149495"/>
+        <p14:creationId xmlns:p14="http://schemas.microsoft.com/office/powerpoint/2010/main" xmlns="" val="2577149495"/>
       </p:ext>
     </p:extLst>
   </p:cSld>
@@ -2137,7 +2137,7 @@
             <a:fld id="{5D2D7C02-6413-4FA0-B51A-4B4E687647AA}" type="datetimeFigureOut">
               <a:rPr lang="zh-CN" altLang="en-US" smtClean="0"/>
               <a:pPr/>
-              <a:t>2018/6/13 Wednesday</a:t>
+              <a:t>2018/6/13</a:t>
             </a:fld>
             <a:endParaRPr lang="zh-CN" altLang="en-US"/>
           </a:p>
@@ -2189,7 +2189,7 @@
     </p:spTree>
     <p:extLst>
       <p:ext uri="{BB962C8B-B14F-4D97-AF65-F5344CB8AC3E}">
-        <p14:creationId xmlns:p14="http://schemas.microsoft.com/office/powerpoint/2010/main" val="2968106356"/>
+        <p14:creationId xmlns:p14="http://schemas.microsoft.com/office/powerpoint/2010/main" xmlns="" val="2968106356"/>
       </p:ext>
     </p:extLst>
   </p:cSld>
@@ -2392,7 +2392,7 @@
             <a:fld id="{5D2D7C02-6413-4FA0-B51A-4B4E687647AA}" type="datetimeFigureOut">
               <a:rPr lang="zh-CN" altLang="en-US" smtClean="0"/>
               <a:pPr/>
-              <a:t>2018/6/13 Wednesday</a:t>
+              <a:t>2018/6/13</a:t>
             </a:fld>
             <a:endParaRPr lang="zh-CN" altLang="en-US"/>
           </a:p>
@@ -2444,7 +2444,7 @@
     </p:spTree>
     <p:extLst>
       <p:ext uri="{BB962C8B-B14F-4D97-AF65-F5344CB8AC3E}">
-        <p14:creationId xmlns:p14="http://schemas.microsoft.com/office/powerpoint/2010/main" val="1613032852"/>
+        <p14:creationId xmlns:p14="http://schemas.microsoft.com/office/powerpoint/2010/main" xmlns="" val="1613032852"/>
       </p:ext>
     </p:extLst>
   </p:cSld>
@@ -2607,7 +2607,7 @@
             <a:fld id="{5D2D7C02-6413-4FA0-B51A-4B4E687647AA}" type="datetimeFigureOut">
               <a:rPr lang="zh-CN" altLang="en-US" smtClean="0"/>
               <a:pPr/>
-              <a:t>2018/6/13 Wednesday</a:t>
+              <a:t>2018/6/13</a:t>
             </a:fld>
             <a:endParaRPr lang="zh-CN" altLang="en-US"/>
           </a:p>
@@ -2695,7 +2695,7 @@
     </p:spTree>
     <p:extLst>
       <p:ext uri="{BB962C8B-B14F-4D97-AF65-F5344CB8AC3E}">
-        <p14:creationId xmlns:p14="http://schemas.microsoft.com/office/powerpoint/2010/main" val="3760445306"/>
+        <p14:creationId xmlns:p14="http://schemas.microsoft.com/office/powerpoint/2010/main" xmlns="" val="3760445306"/>
       </p:ext>
     </p:extLst>
   </p:cSld>
@@ -3188,7 +3188,7 @@
     </p:spTree>
     <p:extLst>
       <p:ext uri="{BB962C8B-B14F-4D97-AF65-F5344CB8AC3E}">
-        <p14:creationId xmlns:p14="http://schemas.microsoft.com/office/powerpoint/2010/main" val="2763567643"/>
+        <p14:creationId xmlns:p14="http://schemas.microsoft.com/office/powerpoint/2010/main" xmlns="" val="2763567643"/>
       </p:ext>
     </p:extLst>
   </p:cSld>
@@ -3236,7 +3236,7 @@
     </p:spTree>
     <p:extLst>
       <p:ext uri="{BB962C8B-B14F-4D97-AF65-F5344CB8AC3E}">
-        <p14:creationId xmlns:p14="http://schemas.microsoft.com/office/powerpoint/2010/main" val="1873029179"/>
+        <p14:creationId xmlns:p14="http://schemas.microsoft.com/office/powerpoint/2010/main" xmlns="" val="1873029179"/>
       </p:ext>
     </p:extLst>
   </p:cSld>
@@ -3276,17 +3276,19 @@
       </p:grpSpPr>
       <p:pic>
         <p:nvPicPr>
-          <p:cNvPr id="5" name="图片 4"/>
+          <p:cNvPr id="5" name="图片 4">
+            <a:hlinkClick r:id="rId2" action="ppaction://hlinkfile"/>
+          </p:cNvPr>
           <p:cNvPicPr>
             <a:picLocks noChangeAspect="1"/>
           </p:cNvPicPr>
           <p:nvPr/>
         </p:nvPicPr>
         <p:blipFill>
-          <a:blip r:embed="rId2" cstate="print">
+          <a:blip r:embed="rId3" cstate="print">
             <a:extLst>
               <a:ext uri="{28A0092B-C50C-407E-A947-70E740481C1C}">
-                <a14:useLocalDpi xmlns:a14="http://schemas.microsoft.com/office/drawing/2010/main" val="0"/>
+                <a14:useLocalDpi xmlns:a14="http://schemas.microsoft.com/office/drawing/2010/main" xmlns="" val="0"/>
               </a:ext>
             </a:extLst>
           </a:blip>
@@ -3313,7 +3315,7 @@
           <p:nvPr/>
         </p:nvPicPr>
         <p:blipFill>
-          <a:blip r:embed="rId3" cstate="print"/>
+          <a:blip r:embed="rId4" cstate="print"/>
           <a:srcRect/>
           <a:stretch>
             <a:fillRect/>
@@ -3369,7 +3371,7 @@
           <p:nvPr/>
         </p:nvPicPr>
         <p:blipFill>
-          <a:blip r:embed="rId4" cstate="print"/>
+          <a:blip r:embed="rId5" cstate="print"/>
           <a:srcRect/>
           <a:stretch>
             <a:fillRect/>
@@ -3395,7 +3397,7 @@
           <p:nvPr/>
         </p:nvPicPr>
         <p:blipFill>
-          <a:blip r:embed="rId5" cstate="print"/>
+          <a:blip r:embed="rId6" cstate="print"/>
           <a:srcRect/>
           <a:stretch>
             <a:fillRect/>
@@ -3775,7 +3777,7 @@
     </p:spTree>
     <p:extLst>
       <p:ext uri="{BB962C8B-B14F-4D97-AF65-F5344CB8AC3E}">
-        <p14:creationId xmlns:p14="http://schemas.microsoft.com/office/powerpoint/2010/main" val="2417441425"/>
+        <p14:creationId xmlns:p14="http://schemas.microsoft.com/office/powerpoint/2010/main" xmlns="" val="2417441425"/>
       </p:ext>
     </p:extLst>
   </p:cSld>
@@ -4996,7 +4998,7 @@
           <a:blip r:embed="rId2" cstate="print">
             <a:extLst>
               <a:ext uri="{28A0092B-C50C-407E-A947-70E740481C1C}">
-                <a14:useLocalDpi xmlns:a14="http://schemas.microsoft.com/office/drawing/2010/main" val="0"/>
+                <a14:useLocalDpi xmlns:a14="http://schemas.microsoft.com/office/drawing/2010/main" xmlns="" val="0"/>
               </a:ext>
             </a:extLst>
           </a:blip>
@@ -6228,7 +6230,7 @@
     </p:spTree>
     <p:extLst>
       <p:ext uri="{BB962C8B-B14F-4D97-AF65-F5344CB8AC3E}">
-        <p14:creationId xmlns:p14="http://schemas.microsoft.com/office/powerpoint/2010/main" val="3394418747"/>
+        <p14:creationId xmlns:p14="http://schemas.microsoft.com/office/powerpoint/2010/main" xmlns="" val="3394418747"/>
       </p:ext>
     </p:extLst>
   </p:cSld>
@@ -8443,7 +8445,7 @@
           <a:blip r:embed="rId2" cstate="print">
             <a:extLst>
               <a:ext uri="{28A0092B-C50C-407E-A947-70E740481C1C}">
-                <a14:useLocalDpi xmlns:a14="http://schemas.microsoft.com/office/drawing/2010/main" val="0"/>
+                <a14:useLocalDpi xmlns:a14="http://schemas.microsoft.com/office/drawing/2010/main" xmlns="" val="0"/>
               </a:ext>
             </a:extLst>
           </a:blip>
@@ -8703,7 +8705,7 @@
     </p:spTree>
     <p:extLst>
       <p:ext uri="{BB962C8B-B14F-4D97-AF65-F5344CB8AC3E}">
-        <p14:creationId xmlns:p14="http://schemas.microsoft.com/office/powerpoint/2010/main" val="1300464209"/>
+        <p14:creationId xmlns:p14="http://schemas.microsoft.com/office/powerpoint/2010/main" xmlns="" val="1300464209"/>
       </p:ext>
     </p:extLst>
   </p:cSld>
@@ -9214,7 +9216,7 @@
           <a:blip r:embed="rId2" cstate="print">
             <a:extLst>
               <a:ext uri="{28A0092B-C50C-407E-A947-70E740481C1C}">
-                <a14:useLocalDpi xmlns:a14="http://schemas.microsoft.com/office/drawing/2010/main" val="0"/>
+                <a14:useLocalDpi xmlns:a14="http://schemas.microsoft.com/office/drawing/2010/main" xmlns="" val="0"/>
               </a:ext>
             </a:extLst>
           </a:blip>
@@ -9265,7 +9267,7 @@
     </p:spTree>
     <p:extLst>
       <p:ext uri="{BB962C8B-B14F-4D97-AF65-F5344CB8AC3E}">
-        <p14:creationId xmlns:p14="http://schemas.microsoft.com/office/powerpoint/2010/main" val="3867096939"/>
+        <p14:creationId xmlns:p14="http://schemas.microsoft.com/office/powerpoint/2010/main" xmlns="" val="3867096939"/>
       </p:ext>
     </p:extLst>
   </p:cSld>
@@ -9322,7 +9324,7 @@
           <a:blip r:embed="rId2" cstate="print">
             <a:extLst>
               <a:ext uri="{28A0092B-C50C-407E-A947-70E740481C1C}">
-                <a14:useLocalDpi xmlns:a14="http://schemas.microsoft.com/office/drawing/2010/main" val="0"/>
+                <a14:useLocalDpi xmlns:a14="http://schemas.microsoft.com/office/drawing/2010/main" xmlns="" val="0"/>
               </a:ext>
             </a:extLst>
           </a:blip>
@@ -9373,7 +9375,7 @@
     </p:spTree>
     <p:extLst>
       <p:ext uri="{BB962C8B-B14F-4D97-AF65-F5344CB8AC3E}">
-        <p14:creationId xmlns:p14="http://schemas.microsoft.com/office/powerpoint/2010/main" val="3607553883"/>
+        <p14:creationId xmlns:p14="http://schemas.microsoft.com/office/powerpoint/2010/main" xmlns="" val="3607553883"/>
       </p:ext>
     </p:extLst>
   </p:cSld>
@@ -9430,7 +9432,7 @@
           <a:blip r:embed="rId2" cstate="print">
             <a:extLst>
               <a:ext uri="{28A0092B-C50C-407E-A947-70E740481C1C}">
-                <a14:useLocalDpi xmlns:a14="http://schemas.microsoft.com/office/drawing/2010/main" val="0"/>
+                <a14:useLocalDpi xmlns:a14="http://schemas.microsoft.com/office/drawing/2010/main" xmlns="" val="0"/>
               </a:ext>
             </a:extLst>
           </a:blip>
@@ -9481,7 +9483,7 @@
     </p:spTree>
     <p:extLst>
       <p:ext uri="{BB962C8B-B14F-4D97-AF65-F5344CB8AC3E}">
-        <p14:creationId xmlns:p14="http://schemas.microsoft.com/office/powerpoint/2010/main" val="3104299286"/>
+        <p14:creationId xmlns:p14="http://schemas.microsoft.com/office/powerpoint/2010/main" xmlns="" val="3104299286"/>
       </p:ext>
     </p:extLst>
   </p:cSld>
@@ -9538,7 +9540,7 @@
           <a:blip r:embed="rId2" cstate="print">
             <a:extLst>
               <a:ext uri="{28A0092B-C50C-407E-A947-70E740481C1C}">
-                <a14:useLocalDpi xmlns:a14="http://schemas.microsoft.com/office/drawing/2010/main" val="0"/>
+                <a14:useLocalDpi xmlns:a14="http://schemas.microsoft.com/office/drawing/2010/main" xmlns="" val="0"/>
               </a:ext>
             </a:extLst>
           </a:blip>
@@ -9589,7 +9591,7 @@
     </p:spTree>
     <p:extLst>
       <p:ext uri="{BB962C8B-B14F-4D97-AF65-F5344CB8AC3E}">
-        <p14:creationId xmlns:p14="http://schemas.microsoft.com/office/powerpoint/2010/main" val="582948142"/>
+        <p14:creationId xmlns:p14="http://schemas.microsoft.com/office/powerpoint/2010/main" xmlns="" val="582948142"/>
       </p:ext>
     </p:extLst>
   </p:cSld>
@@ -9646,7 +9648,7 @@
           <a:blip r:embed="rId2" cstate="print">
             <a:extLst>
               <a:ext uri="{28A0092B-C50C-407E-A947-70E740481C1C}">
-                <a14:useLocalDpi xmlns:a14="http://schemas.microsoft.com/office/drawing/2010/main" val="0"/>
+                <a14:useLocalDpi xmlns:a14="http://schemas.microsoft.com/office/drawing/2010/main" xmlns="" val="0"/>
               </a:ext>
             </a:extLst>
           </a:blip>
@@ -9697,7 +9699,7 @@
     </p:spTree>
     <p:extLst>
       <p:ext uri="{BB962C8B-B14F-4D97-AF65-F5344CB8AC3E}">
-        <p14:creationId xmlns:p14="http://schemas.microsoft.com/office/powerpoint/2010/main" val="3765624363"/>
+        <p14:creationId xmlns:p14="http://schemas.microsoft.com/office/powerpoint/2010/main" xmlns="" val="3765624363"/>
       </p:ext>
     </p:extLst>
   </p:cSld>
@@ -9969,7 +9971,7 @@
   <a:extraClrSchemeLst/>
   <a:extLst>
     <a:ext uri="{05A4C25C-085E-4340-85A3-A5531E510DB2}">
-      <thm15:themeFamily xmlns:thm15="http://schemas.microsoft.com/office/thememl/2012/main" name="Office Theme" id="{62F939B6-93AF-4DB8-9C6B-D6C7DFDC589F}" vid="{4A3C46E8-61CC-4603-A589-7422A47A8E4A}"/>
+      <thm15:themeFamily xmlns:thm15="http://schemas.microsoft.com/office/thememl/2012/main" xmlns="" name="Office Theme" id="{62F939B6-93AF-4DB8-9C6B-D6C7DFDC589F}" vid="{4A3C46E8-61CC-4603-A589-7422A47A8E4A}"/>
     </a:ext>
   </a:extLst>
 </a:theme>

--- a/huiZhongLesson/答辩文件/天津软件1班_C++游戏_柴彧_打字游戏/打字游戏.pptx
+++ b/huiZhongLesson/答辩文件/天津软件1班_C++游戏_柴彧_打字游戏/打字游戏.pptx
@@ -115,7 +115,7 @@
   </p:defaultTextStyle>
   <p:extLst>
     <p:ext uri="{EFAFB233-063F-42B5-8137-9DF3F51BA10A}">
-      <p15:sldGuideLst xmlns:p15="http://schemas.microsoft.com/office/powerpoint/2012/main" xmlns="">
+      <p15:sldGuideLst xmlns:p15="http://schemas.microsoft.com/office/powerpoint/2012/main">
         <p15:guide id="1" orient="horz" pos="2160">
           <p15:clr>
             <a:srgbClr val="A4A3A4"/>
@@ -264,7 +264,7 @@
             <a:fld id="{5D2D7C02-6413-4FA0-B51A-4B4E687647AA}" type="datetimeFigureOut">
               <a:rPr lang="zh-CN" altLang="en-US" smtClean="0"/>
               <a:pPr/>
-              <a:t>2018/6/13</a:t>
+              <a:t>2018/6/19 Tuesday</a:t>
             </a:fld>
             <a:endParaRPr lang="zh-CN" altLang="en-US"/>
           </a:p>
@@ -316,7 +316,7 @@
     </p:spTree>
     <p:extLst>
       <p:ext uri="{BB962C8B-B14F-4D97-AF65-F5344CB8AC3E}">
-        <p14:creationId xmlns:p14="http://schemas.microsoft.com/office/powerpoint/2010/main" xmlns="" val="3520789796"/>
+        <p14:creationId xmlns:p14="http://schemas.microsoft.com/office/powerpoint/2010/main" val="3520789796"/>
       </p:ext>
     </p:extLst>
   </p:cSld>
@@ -436,7 +436,7 @@
             <a:fld id="{5D2D7C02-6413-4FA0-B51A-4B4E687647AA}" type="datetimeFigureOut">
               <a:rPr lang="zh-CN" altLang="en-US" smtClean="0"/>
               <a:pPr/>
-              <a:t>2018/6/13</a:t>
+              <a:t>2018/6/19 Tuesday</a:t>
             </a:fld>
             <a:endParaRPr lang="zh-CN" altLang="en-US"/>
           </a:p>
@@ -488,7 +488,7 @@
     </p:spTree>
     <p:extLst>
       <p:ext uri="{BB962C8B-B14F-4D97-AF65-F5344CB8AC3E}">
-        <p14:creationId xmlns:p14="http://schemas.microsoft.com/office/powerpoint/2010/main" xmlns="" val="2247429032"/>
+        <p14:creationId xmlns:p14="http://schemas.microsoft.com/office/powerpoint/2010/main" val="2247429032"/>
       </p:ext>
     </p:extLst>
   </p:cSld>
@@ -618,7 +618,7 @@
             <a:fld id="{5D2D7C02-6413-4FA0-B51A-4B4E687647AA}" type="datetimeFigureOut">
               <a:rPr lang="zh-CN" altLang="en-US" smtClean="0"/>
               <a:pPr/>
-              <a:t>2018/6/13</a:t>
+              <a:t>2018/6/19 Tuesday</a:t>
             </a:fld>
             <a:endParaRPr lang="zh-CN" altLang="en-US"/>
           </a:p>
@@ -670,7 +670,7 @@
     </p:spTree>
     <p:extLst>
       <p:ext uri="{BB962C8B-B14F-4D97-AF65-F5344CB8AC3E}">
-        <p14:creationId xmlns:p14="http://schemas.microsoft.com/office/powerpoint/2010/main" xmlns="" val="3639564044"/>
+        <p14:creationId xmlns:p14="http://schemas.microsoft.com/office/powerpoint/2010/main" val="3639564044"/>
       </p:ext>
     </p:extLst>
   </p:cSld>
@@ -790,7 +790,7 @@
             <a:fld id="{5D2D7C02-6413-4FA0-B51A-4B4E687647AA}" type="datetimeFigureOut">
               <a:rPr lang="zh-CN" altLang="en-US" smtClean="0"/>
               <a:pPr/>
-              <a:t>2018/6/13</a:t>
+              <a:t>2018/6/19 Tuesday</a:t>
             </a:fld>
             <a:endParaRPr lang="zh-CN" altLang="en-US"/>
           </a:p>
@@ -842,7 +842,7 @@
     </p:spTree>
     <p:extLst>
       <p:ext uri="{BB962C8B-B14F-4D97-AF65-F5344CB8AC3E}">
-        <p14:creationId xmlns:p14="http://schemas.microsoft.com/office/powerpoint/2010/main" xmlns="" val="1425107319"/>
+        <p14:creationId xmlns:p14="http://schemas.microsoft.com/office/powerpoint/2010/main" val="1425107319"/>
       </p:ext>
     </p:extLst>
   </p:cSld>
@@ -1038,7 +1038,7 @@
             <a:fld id="{5D2D7C02-6413-4FA0-B51A-4B4E687647AA}" type="datetimeFigureOut">
               <a:rPr lang="zh-CN" altLang="en-US" smtClean="0"/>
               <a:pPr/>
-              <a:t>2018/6/13</a:t>
+              <a:t>2018/6/19 Tuesday</a:t>
             </a:fld>
             <a:endParaRPr lang="zh-CN" altLang="en-US"/>
           </a:p>
@@ -1090,7 +1090,7 @@
     </p:spTree>
     <p:extLst>
       <p:ext uri="{BB962C8B-B14F-4D97-AF65-F5344CB8AC3E}">
-        <p14:creationId xmlns:p14="http://schemas.microsoft.com/office/powerpoint/2010/main" xmlns="" val="19894908"/>
+        <p14:creationId xmlns:p14="http://schemas.microsoft.com/office/powerpoint/2010/main" val="19894908"/>
       </p:ext>
     </p:extLst>
   </p:cSld>
@@ -1272,7 +1272,7 @@
             <a:fld id="{5D2D7C02-6413-4FA0-B51A-4B4E687647AA}" type="datetimeFigureOut">
               <a:rPr lang="zh-CN" altLang="en-US" smtClean="0"/>
               <a:pPr/>
-              <a:t>2018/6/13</a:t>
+              <a:t>2018/6/19 Tuesday</a:t>
             </a:fld>
             <a:endParaRPr lang="zh-CN" altLang="en-US"/>
           </a:p>
@@ -1324,7 +1324,7 @@
     </p:spTree>
     <p:extLst>
       <p:ext uri="{BB962C8B-B14F-4D97-AF65-F5344CB8AC3E}">
-        <p14:creationId xmlns:p14="http://schemas.microsoft.com/office/powerpoint/2010/main" xmlns="" val="198632400"/>
+        <p14:creationId xmlns:p14="http://schemas.microsoft.com/office/powerpoint/2010/main" val="198632400"/>
       </p:ext>
     </p:extLst>
   </p:cSld>
@@ -1641,7 +1641,7 @@
             <a:fld id="{5D2D7C02-6413-4FA0-B51A-4B4E687647AA}" type="datetimeFigureOut">
               <a:rPr lang="zh-CN" altLang="en-US" smtClean="0"/>
               <a:pPr/>
-              <a:t>2018/6/13</a:t>
+              <a:t>2018/6/19 Tuesday</a:t>
             </a:fld>
             <a:endParaRPr lang="zh-CN" altLang="en-US"/>
           </a:p>
@@ -1693,7 +1693,7 @@
     </p:spTree>
     <p:extLst>
       <p:ext uri="{BB962C8B-B14F-4D97-AF65-F5344CB8AC3E}">
-        <p14:creationId xmlns:p14="http://schemas.microsoft.com/office/powerpoint/2010/main" xmlns="" val="748232851"/>
+        <p14:creationId xmlns:p14="http://schemas.microsoft.com/office/powerpoint/2010/main" val="748232851"/>
       </p:ext>
     </p:extLst>
   </p:cSld>
@@ -1761,7 +1761,7 @@
             <a:fld id="{5D2D7C02-6413-4FA0-B51A-4B4E687647AA}" type="datetimeFigureOut">
               <a:rPr lang="zh-CN" altLang="en-US" smtClean="0"/>
               <a:pPr/>
-              <a:t>2018/6/13</a:t>
+              <a:t>2018/6/19 Tuesday</a:t>
             </a:fld>
             <a:endParaRPr lang="zh-CN" altLang="en-US"/>
           </a:p>
@@ -1813,7 +1813,7 @@
     </p:spTree>
     <p:extLst>
       <p:ext uri="{BB962C8B-B14F-4D97-AF65-F5344CB8AC3E}">
-        <p14:creationId xmlns:p14="http://schemas.microsoft.com/office/powerpoint/2010/main" xmlns="" val="1762628761"/>
+        <p14:creationId xmlns:p14="http://schemas.microsoft.com/office/powerpoint/2010/main" val="1762628761"/>
       </p:ext>
     </p:extLst>
   </p:cSld>
@@ -1858,7 +1858,7 @@
             <a:fld id="{5D2D7C02-6413-4FA0-B51A-4B4E687647AA}" type="datetimeFigureOut">
               <a:rPr lang="zh-CN" altLang="en-US" smtClean="0"/>
               <a:pPr/>
-              <a:t>2018/6/13</a:t>
+              <a:t>2018/6/19 Tuesday</a:t>
             </a:fld>
             <a:endParaRPr lang="zh-CN" altLang="en-US"/>
           </a:p>
@@ -1910,7 +1910,7 @@
     </p:spTree>
     <p:extLst>
       <p:ext uri="{BB962C8B-B14F-4D97-AF65-F5344CB8AC3E}">
-        <p14:creationId xmlns:p14="http://schemas.microsoft.com/office/powerpoint/2010/main" xmlns="" val="2577149495"/>
+        <p14:creationId xmlns:p14="http://schemas.microsoft.com/office/powerpoint/2010/main" val="2577149495"/>
       </p:ext>
     </p:extLst>
   </p:cSld>
@@ -2137,7 +2137,7 @@
             <a:fld id="{5D2D7C02-6413-4FA0-B51A-4B4E687647AA}" type="datetimeFigureOut">
               <a:rPr lang="zh-CN" altLang="en-US" smtClean="0"/>
               <a:pPr/>
-              <a:t>2018/6/13</a:t>
+              <a:t>2018/6/19 Tuesday</a:t>
             </a:fld>
             <a:endParaRPr lang="zh-CN" altLang="en-US"/>
           </a:p>
@@ -2189,7 +2189,7 @@
     </p:spTree>
     <p:extLst>
       <p:ext uri="{BB962C8B-B14F-4D97-AF65-F5344CB8AC3E}">
-        <p14:creationId xmlns:p14="http://schemas.microsoft.com/office/powerpoint/2010/main" xmlns="" val="2968106356"/>
+        <p14:creationId xmlns:p14="http://schemas.microsoft.com/office/powerpoint/2010/main" val="2968106356"/>
       </p:ext>
     </p:extLst>
   </p:cSld>
@@ -2392,7 +2392,7 @@
             <a:fld id="{5D2D7C02-6413-4FA0-B51A-4B4E687647AA}" type="datetimeFigureOut">
               <a:rPr lang="zh-CN" altLang="en-US" smtClean="0"/>
               <a:pPr/>
-              <a:t>2018/6/13</a:t>
+              <a:t>2018/6/19 Tuesday</a:t>
             </a:fld>
             <a:endParaRPr lang="zh-CN" altLang="en-US"/>
           </a:p>
@@ -2444,7 +2444,7 @@
     </p:spTree>
     <p:extLst>
       <p:ext uri="{BB962C8B-B14F-4D97-AF65-F5344CB8AC3E}">
-        <p14:creationId xmlns:p14="http://schemas.microsoft.com/office/powerpoint/2010/main" xmlns="" val="1613032852"/>
+        <p14:creationId xmlns:p14="http://schemas.microsoft.com/office/powerpoint/2010/main" val="1613032852"/>
       </p:ext>
     </p:extLst>
   </p:cSld>
@@ -2607,7 +2607,7 @@
             <a:fld id="{5D2D7C02-6413-4FA0-B51A-4B4E687647AA}" type="datetimeFigureOut">
               <a:rPr lang="zh-CN" altLang="en-US" smtClean="0"/>
               <a:pPr/>
-              <a:t>2018/6/13</a:t>
+              <a:t>2018/6/19 Tuesday</a:t>
             </a:fld>
             <a:endParaRPr lang="zh-CN" altLang="en-US"/>
           </a:p>
@@ -2695,7 +2695,7 @@
     </p:spTree>
     <p:extLst>
       <p:ext uri="{BB962C8B-B14F-4D97-AF65-F5344CB8AC3E}">
-        <p14:creationId xmlns:p14="http://schemas.microsoft.com/office/powerpoint/2010/main" xmlns="" val="3760445306"/>
+        <p14:creationId xmlns:p14="http://schemas.microsoft.com/office/powerpoint/2010/main" val="3760445306"/>
       </p:ext>
     </p:extLst>
   </p:cSld>
@@ -3188,7 +3188,7 @@
     </p:spTree>
     <p:extLst>
       <p:ext uri="{BB962C8B-B14F-4D97-AF65-F5344CB8AC3E}">
-        <p14:creationId xmlns:p14="http://schemas.microsoft.com/office/powerpoint/2010/main" xmlns="" val="2763567643"/>
+        <p14:creationId xmlns:p14="http://schemas.microsoft.com/office/powerpoint/2010/main" val="2763567643"/>
       </p:ext>
     </p:extLst>
   </p:cSld>
@@ -3236,13 +3236,20 @@
     </p:spTree>
     <p:extLst>
       <p:ext uri="{BB962C8B-B14F-4D97-AF65-F5344CB8AC3E}">
-        <p14:creationId xmlns:p14="http://schemas.microsoft.com/office/powerpoint/2010/main" xmlns="" val="1873029179"/>
+        <p14:creationId xmlns:p14="http://schemas.microsoft.com/office/powerpoint/2010/main" val="1873029179"/>
       </p:ext>
     </p:extLst>
   </p:cSld>
   <p:clrMapOvr>
     <a:masterClrMapping/>
   </p:clrMapOvr>
+  <p:timing>
+    <p:tnLst>
+      <p:par>
+        <p:cTn id="1" dur="indefinite" restart="never" nodeType="tmRoot"/>
+      </p:par>
+    </p:tnLst>
+  </p:timing>
 </p:sld>
 </file>
 
@@ -3288,7 +3295,7 @@
           <a:blip r:embed="rId3" cstate="print">
             <a:extLst>
               <a:ext uri="{28A0092B-C50C-407E-A947-70E740481C1C}">
-                <a14:useLocalDpi xmlns:a14="http://schemas.microsoft.com/office/drawing/2010/main" xmlns="" val="0"/>
+                <a14:useLocalDpi xmlns:a14="http://schemas.microsoft.com/office/drawing/2010/main" val="0"/>
               </a:ext>
             </a:extLst>
           </a:blip>
@@ -3777,7 +3784,7 @@
     </p:spTree>
     <p:extLst>
       <p:ext uri="{BB962C8B-B14F-4D97-AF65-F5344CB8AC3E}">
-        <p14:creationId xmlns:p14="http://schemas.microsoft.com/office/powerpoint/2010/main" xmlns="" val="2417441425"/>
+        <p14:creationId xmlns:p14="http://schemas.microsoft.com/office/powerpoint/2010/main" val="2417441425"/>
       </p:ext>
     </p:extLst>
   </p:cSld>
@@ -4998,7 +5005,7 @@
           <a:blip r:embed="rId2" cstate="print">
             <a:extLst>
               <a:ext uri="{28A0092B-C50C-407E-A947-70E740481C1C}">
-                <a14:useLocalDpi xmlns:a14="http://schemas.microsoft.com/office/drawing/2010/main" xmlns="" val="0"/>
+                <a14:useLocalDpi xmlns:a14="http://schemas.microsoft.com/office/drawing/2010/main" val="0"/>
               </a:ext>
             </a:extLst>
           </a:blip>
@@ -6230,7 +6237,7 @@
     </p:spTree>
     <p:extLst>
       <p:ext uri="{BB962C8B-B14F-4D97-AF65-F5344CB8AC3E}">
-        <p14:creationId xmlns:p14="http://schemas.microsoft.com/office/powerpoint/2010/main" xmlns="" val="3394418747"/>
+        <p14:creationId xmlns:p14="http://schemas.microsoft.com/office/powerpoint/2010/main" val="3394418747"/>
       </p:ext>
     </p:extLst>
   </p:cSld>
@@ -8445,7 +8452,7 @@
           <a:blip r:embed="rId2" cstate="print">
             <a:extLst>
               <a:ext uri="{28A0092B-C50C-407E-A947-70E740481C1C}">
-                <a14:useLocalDpi xmlns:a14="http://schemas.microsoft.com/office/drawing/2010/main" xmlns="" val="0"/>
+                <a14:useLocalDpi xmlns:a14="http://schemas.microsoft.com/office/drawing/2010/main" val="0"/>
               </a:ext>
             </a:extLst>
           </a:blip>
@@ -8705,7 +8712,7 @@
     </p:spTree>
     <p:extLst>
       <p:ext uri="{BB962C8B-B14F-4D97-AF65-F5344CB8AC3E}">
-        <p14:creationId xmlns:p14="http://schemas.microsoft.com/office/powerpoint/2010/main" xmlns="" val="1300464209"/>
+        <p14:creationId xmlns:p14="http://schemas.microsoft.com/office/powerpoint/2010/main" val="1300464209"/>
       </p:ext>
     </p:extLst>
   </p:cSld>
@@ -9216,7 +9223,7 @@
           <a:blip r:embed="rId2" cstate="print">
             <a:extLst>
               <a:ext uri="{28A0092B-C50C-407E-A947-70E740481C1C}">
-                <a14:useLocalDpi xmlns:a14="http://schemas.microsoft.com/office/drawing/2010/main" xmlns="" val="0"/>
+                <a14:useLocalDpi xmlns:a14="http://schemas.microsoft.com/office/drawing/2010/main" val="0"/>
               </a:ext>
             </a:extLst>
           </a:blip>
@@ -9264,10 +9271,40 @@
           </a:p>
         </p:txBody>
       </p:sp>
+      <p:pic>
+        <p:nvPicPr>
+          <p:cNvPr id="3" name="图片 2"/>
+          <p:cNvPicPr>
+            <a:picLocks noChangeAspect="1"/>
+          </p:cNvPicPr>
+          <p:nvPr/>
+        </p:nvPicPr>
+        <p:blipFill>
+          <a:blip r:embed="rId3">
+            <a:extLst>
+              <a:ext uri="{28A0092B-C50C-407E-A947-70E740481C1C}">
+                <a14:useLocalDpi xmlns:a14="http://schemas.microsoft.com/office/drawing/2010/main" val="0"/>
+              </a:ext>
+            </a:extLst>
+          </a:blip>
+          <a:stretch>
+            <a:fillRect/>
+          </a:stretch>
+        </p:blipFill>
+        <p:spPr>
+          <a:xfrm>
+            <a:off x="2147888" y="2384869"/>
+            <a:ext cx="7759900" cy="2528507"/>
+          </a:xfrm>
+          <a:prstGeom prst="rect">
+            <a:avLst/>
+          </a:prstGeom>
+        </p:spPr>
+      </p:pic>
     </p:spTree>
     <p:extLst>
       <p:ext uri="{BB962C8B-B14F-4D97-AF65-F5344CB8AC3E}">
-        <p14:creationId xmlns:p14="http://schemas.microsoft.com/office/powerpoint/2010/main" xmlns="" val="3867096939"/>
+        <p14:creationId xmlns:p14="http://schemas.microsoft.com/office/powerpoint/2010/main" val="3867096939"/>
       </p:ext>
     </p:extLst>
   </p:cSld>
@@ -9324,7 +9361,7 @@
           <a:blip r:embed="rId2" cstate="print">
             <a:extLst>
               <a:ext uri="{28A0092B-C50C-407E-A947-70E740481C1C}">
-                <a14:useLocalDpi xmlns:a14="http://schemas.microsoft.com/office/drawing/2010/main" xmlns="" val="0"/>
+                <a14:useLocalDpi xmlns:a14="http://schemas.microsoft.com/office/drawing/2010/main" val="0"/>
               </a:ext>
             </a:extLst>
           </a:blip>
@@ -9372,10 +9409,644 @@
           </a:p>
         </p:txBody>
       </p:sp>
+      <p:pic>
+        <p:nvPicPr>
+          <p:cNvPr id="4" name="图片 3"/>
+          <p:cNvPicPr>
+            <a:picLocks noChangeAspect="1"/>
+          </p:cNvPicPr>
+          <p:nvPr/>
+        </p:nvPicPr>
+        <p:blipFill>
+          <a:blip r:embed="rId3">
+            <a:extLst>
+              <a:ext uri="{28A0092B-C50C-407E-A947-70E740481C1C}">
+                <a14:useLocalDpi xmlns:a14="http://schemas.microsoft.com/office/drawing/2010/main" val="0"/>
+              </a:ext>
+            </a:extLst>
+          </a:blip>
+          <a:stretch>
+            <a:fillRect/>
+          </a:stretch>
+        </p:blipFill>
+        <p:spPr>
+          <a:xfrm>
+            <a:off x="1864222" y="1781937"/>
+            <a:ext cx="6637226" cy="4326049"/>
+          </a:xfrm>
+          <a:prstGeom prst="rect">
+            <a:avLst/>
+          </a:prstGeom>
+        </p:spPr>
+      </p:pic>
+      <p:cxnSp>
+        <p:nvCxnSpPr>
+          <p:cNvPr id="10" name="直接箭头连接符 9"/>
+          <p:cNvCxnSpPr/>
+          <p:nvPr/>
+        </p:nvCxnSpPr>
+        <p:spPr>
+          <a:xfrm>
+            <a:off x="1070919" y="1993557"/>
+            <a:ext cx="2100649" cy="436605"/>
+          </a:xfrm>
+          <a:prstGeom prst="straightConnector1">
+            <a:avLst/>
+          </a:prstGeom>
+          <a:ln w="76200">
+            <a:tailEnd type="triangle"/>
+          </a:ln>
+        </p:spPr>
+        <p:style>
+          <a:lnRef idx="1">
+            <a:schemeClr val="accent1"/>
+          </a:lnRef>
+          <a:fillRef idx="0">
+            <a:schemeClr val="accent1"/>
+          </a:fillRef>
+          <a:effectRef idx="0">
+            <a:schemeClr val="accent1"/>
+          </a:effectRef>
+          <a:fontRef idx="minor">
+            <a:schemeClr val="tx1"/>
+          </a:fontRef>
+        </p:style>
+      </p:cxnSp>
+      <p:cxnSp>
+        <p:nvCxnSpPr>
+          <p:cNvPr id="12" name="直接箭头连接符 11"/>
+          <p:cNvCxnSpPr/>
+          <p:nvPr/>
+        </p:nvCxnSpPr>
+        <p:spPr>
+          <a:xfrm flipH="1" flipV="1">
+            <a:off x="6003637" y="2798618"/>
+            <a:ext cx="3029527" cy="508000"/>
+          </a:xfrm>
+          <a:prstGeom prst="straightConnector1">
+            <a:avLst/>
+          </a:prstGeom>
+          <a:ln w="76200">
+            <a:tailEnd type="triangle"/>
+          </a:ln>
+        </p:spPr>
+        <p:style>
+          <a:lnRef idx="1">
+            <a:schemeClr val="accent1"/>
+          </a:lnRef>
+          <a:fillRef idx="0">
+            <a:schemeClr val="accent1"/>
+          </a:fillRef>
+          <a:effectRef idx="0">
+            <a:schemeClr val="accent1"/>
+          </a:effectRef>
+          <a:fontRef idx="minor">
+            <a:schemeClr val="tx1"/>
+          </a:fontRef>
+        </p:style>
+      </p:cxnSp>
+      <p:sp>
+        <p:nvSpPr>
+          <p:cNvPr id="21" name="圆角矩形 20"/>
+          <p:cNvSpPr/>
+          <p:nvPr/>
+        </p:nvSpPr>
+        <p:spPr>
+          <a:xfrm>
+            <a:off x="468254" y="3569697"/>
+            <a:ext cx="2572320" cy="1398754"/>
+          </a:xfrm>
+          <a:prstGeom prst="roundRect">
+            <a:avLst/>
+          </a:prstGeom>
+        </p:spPr>
+        <p:style>
+          <a:lnRef idx="2">
+            <a:schemeClr val="accent1">
+              <a:shade val="50000"/>
+            </a:schemeClr>
+          </a:lnRef>
+          <a:fillRef idx="1">
+            <a:schemeClr val="accent1"/>
+          </a:fillRef>
+          <a:effectRef idx="0">
+            <a:schemeClr val="accent1"/>
+          </a:effectRef>
+          <a:fontRef idx="minor">
+            <a:schemeClr val="lt1"/>
+          </a:fontRef>
+        </p:style>
+        <p:txBody>
+          <a:bodyPr rtlCol="0" anchor="ctr"/>
+          <a:lstStyle/>
+          <a:p>
+            <a:r>
+              <a:rPr lang="zh-CN" altLang="en-US" sz="1400" b="1" dirty="0" smtClean="0">
+                <a:solidFill>
+                  <a:schemeClr val="tx1"/>
+                </a:solidFill>
+              </a:rPr>
+              <a:t>原因：掉落线程与打字线程调用的同一个打印方法，所以在有的时候会出现线程冲突</a:t>
+            </a:r>
+            <a:endParaRPr lang="zh-CN" altLang="en-US" sz="1400" b="1" dirty="0">
+              <a:solidFill>
+                <a:schemeClr val="tx1"/>
+              </a:solidFill>
+            </a:endParaRPr>
+          </a:p>
+        </p:txBody>
+      </p:sp>
+      <p:sp>
+        <p:nvSpPr>
+          <p:cNvPr id="22" name="圆角矩形 21"/>
+          <p:cNvSpPr/>
+          <p:nvPr/>
+        </p:nvSpPr>
+        <p:spPr>
+          <a:xfrm>
+            <a:off x="468255" y="1781937"/>
+            <a:ext cx="2572319" cy="1524681"/>
+          </a:xfrm>
+          <a:prstGeom prst="roundRect">
+            <a:avLst/>
+          </a:prstGeom>
+        </p:spPr>
+        <p:style>
+          <a:lnRef idx="2">
+            <a:schemeClr val="accent1">
+              <a:shade val="50000"/>
+            </a:schemeClr>
+          </a:lnRef>
+          <a:fillRef idx="1">
+            <a:schemeClr val="accent1"/>
+          </a:fillRef>
+          <a:effectRef idx="0">
+            <a:schemeClr val="accent1"/>
+          </a:effectRef>
+          <a:fontRef idx="minor">
+            <a:schemeClr val="lt1"/>
+          </a:fontRef>
+        </p:style>
+        <p:txBody>
+          <a:bodyPr rtlCol="0" anchor="ctr"/>
+          <a:lstStyle/>
+          <a:p>
+            <a:r>
+              <a:rPr lang="zh-CN" altLang="en-US" sz="1400" b="1" dirty="0" smtClean="0">
+                <a:solidFill>
+                  <a:schemeClr val="tx1"/>
+                </a:solidFill>
+              </a:rPr>
+              <a:t>在执行单词下落刷新的同时</a:t>
+            </a:r>
+            <a:endParaRPr lang="en-US" altLang="zh-CN" sz="1400" b="1" dirty="0" smtClean="0">
+              <a:solidFill>
+                <a:schemeClr val="tx1"/>
+              </a:solidFill>
+            </a:endParaRPr>
+          </a:p>
+          <a:p>
+            <a:r>
+              <a:rPr lang="zh-CN" altLang="en-US" sz="1400" b="1" dirty="0" smtClean="0">
+                <a:solidFill>
+                  <a:schemeClr val="tx1"/>
+                </a:solidFill>
+              </a:rPr>
+              <a:t>打字有可能出现将字母打印到下落框中</a:t>
+            </a:r>
+            <a:endParaRPr lang="zh-CN" altLang="en-US" sz="1400" b="1" dirty="0">
+              <a:solidFill>
+                <a:schemeClr val="tx1"/>
+              </a:solidFill>
+            </a:endParaRPr>
+          </a:p>
+        </p:txBody>
+      </p:sp>
+      <p:sp>
+        <p:nvSpPr>
+          <p:cNvPr id="24" name="椭圆 23"/>
+          <p:cNvSpPr/>
+          <p:nvPr/>
+        </p:nvSpPr>
+        <p:spPr>
+          <a:xfrm>
+            <a:off x="5345375" y="2430162"/>
+            <a:ext cx="1331650" cy="727969"/>
+          </a:xfrm>
+          <a:prstGeom prst="ellipse">
+            <a:avLst/>
+          </a:prstGeom>
+          <a:solidFill>
+            <a:schemeClr val="accent2"/>
+          </a:solidFill>
+          <a:ln>
+            <a:solidFill>
+              <a:schemeClr val="accent2">
+                <a:lumMod val="60000"/>
+                <a:lumOff val="40000"/>
+              </a:schemeClr>
+            </a:solidFill>
+          </a:ln>
+        </p:spPr>
+        <p:style>
+          <a:lnRef idx="2">
+            <a:schemeClr val="accent1">
+              <a:shade val="50000"/>
+            </a:schemeClr>
+          </a:lnRef>
+          <a:fillRef idx="1">
+            <a:schemeClr val="accent1"/>
+          </a:fillRef>
+          <a:effectRef idx="0">
+            <a:schemeClr val="accent1"/>
+          </a:effectRef>
+          <a:fontRef idx="minor">
+            <a:schemeClr val="lt1"/>
+          </a:fontRef>
+        </p:style>
+        <p:txBody>
+          <a:bodyPr rtlCol="0" anchor="ctr"/>
+          <a:lstStyle/>
+          <a:p>
+            <a:pPr algn="ctr"/>
+            <a:r>
+              <a:rPr lang="zh-CN" altLang="en-US" sz="1400" dirty="0" smtClean="0">
+                <a:ln>
+                  <a:solidFill>
+                    <a:schemeClr val="accent5">
+                      <a:lumMod val="60000"/>
+                      <a:lumOff val="40000"/>
+                    </a:schemeClr>
+                  </a:solidFill>
+                </a:ln>
+                <a:solidFill>
+                  <a:schemeClr val="accent4">
+                    <a:lumMod val="40000"/>
+                    <a:lumOff val="60000"/>
+                  </a:schemeClr>
+                </a:solidFill>
+              </a:rPr>
+              <a:t>下落打印</a:t>
+            </a:r>
+            <a:endParaRPr lang="zh-CN" altLang="en-US" sz="1400" dirty="0">
+              <a:ln>
+                <a:solidFill>
+                  <a:schemeClr val="accent5">
+                    <a:lumMod val="60000"/>
+                    <a:lumOff val="40000"/>
+                  </a:schemeClr>
+                </a:solidFill>
+              </a:ln>
+              <a:solidFill>
+                <a:schemeClr val="accent4">
+                  <a:lumMod val="40000"/>
+                  <a:lumOff val="60000"/>
+                </a:schemeClr>
+              </a:solidFill>
+            </a:endParaRPr>
+          </a:p>
+        </p:txBody>
+      </p:sp>
+      <p:sp>
+        <p:nvSpPr>
+          <p:cNvPr id="25" name="椭圆 24"/>
+          <p:cNvSpPr/>
+          <p:nvPr/>
+        </p:nvSpPr>
+        <p:spPr>
+          <a:xfrm>
+            <a:off x="5345375" y="3738455"/>
+            <a:ext cx="1331650" cy="727969"/>
+          </a:xfrm>
+          <a:prstGeom prst="ellipse">
+            <a:avLst/>
+          </a:prstGeom>
+          <a:solidFill>
+            <a:schemeClr val="accent2"/>
+          </a:solidFill>
+          <a:ln>
+            <a:solidFill>
+              <a:schemeClr val="accent2">
+                <a:lumMod val="60000"/>
+                <a:lumOff val="40000"/>
+              </a:schemeClr>
+            </a:solidFill>
+          </a:ln>
+        </p:spPr>
+        <p:style>
+          <a:lnRef idx="2">
+            <a:schemeClr val="accent1">
+              <a:shade val="50000"/>
+            </a:schemeClr>
+          </a:lnRef>
+          <a:fillRef idx="1">
+            <a:schemeClr val="accent1"/>
+          </a:fillRef>
+          <a:effectRef idx="0">
+            <a:schemeClr val="accent1"/>
+          </a:effectRef>
+          <a:fontRef idx="minor">
+            <a:schemeClr val="lt1"/>
+          </a:fontRef>
+        </p:style>
+        <p:txBody>
+          <a:bodyPr rtlCol="0" anchor="ctr"/>
+          <a:lstStyle/>
+          <a:p>
+            <a:pPr algn="ctr"/>
+            <a:r>
+              <a:rPr lang="zh-CN" altLang="en-US" sz="1400" dirty="0" smtClean="0">
+                <a:ln>
+                  <a:solidFill>
+                    <a:schemeClr val="accent5">
+                      <a:lumMod val="60000"/>
+                      <a:lumOff val="40000"/>
+                    </a:schemeClr>
+                  </a:solidFill>
+                </a:ln>
+                <a:solidFill>
+                  <a:schemeClr val="accent4">
+                    <a:lumMod val="40000"/>
+                    <a:lumOff val="60000"/>
+                  </a:schemeClr>
+                </a:solidFill>
+              </a:rPr>
+              <a:t>字母打印</a:t>
+            </a:r>
+            <a:endParaRPr lang="zh-CN" altLang="en-US" sz="1400" dirty="0">
+              <a:ln>
+                <a:solidFill>
+                  <a:schemeClr val="accent5">
+                    <a:lumMod val="60000"/>
+                    <a:lumOff val="40000"/>
+                  </a:schemeClr>
+                </a:solidFill>
+              </a:ln>
+              <a:solidFill>
+                <a:schemeClr val="accent4">
+                  <a:lumMod val="40000"/>
+                  <a:lumOff val="60000"/>
+                </a:schemeClr>
+              </a:solidFill>
+            </a:endParaRPr>
+          </a:p>
+        </p:txBody>
+      </p:sp>
+      <p:sp>
+        <p:nvSpPr>
+          <p:cNvPr id="26" name="椭圆 25"/>
+          <p:cNvSpPr/>
+          <p:nvPr/>
+        </p:nvSpPr>
+        <p:spPr>
+          <a:xfrm>
+            <a:off x="7785864" y="3158131"/>
+            <a:ext cx="1331650" cy="727969"/>
+          </a:xfrm>
+          <a:prstGeom prst="ellipse">
+            <a:avLst/>
+          </a:prstGeom>
+          <a:solidFill>
+            <a:schemeClr val="accent2"/>
+          </a:solidFill>
+          <a:ln>
+            <a:solidFill>
+              <a:schemeClr val="accent2">
+                <a:lumMod val="60000"/>
+                <a:lumOff val="40000"/>
+              </a:schemeClr>
+            </a:solidFill>
+          </a:ln>
+        </p:spPr>
+        <p:style>
+          <a:lnRef idx="2">
+            <a:schemeClr val="accent1">
+              <a:shade val="50000"/>
+            </a:schemeClr>
+          </a:lnRef>
+          <a:fillRef idx="1">
+            <a:schemeClr val="accent1"/>
+          </a:fillRef>
+          <a:effectRef idx="0">
+            <a:schemeClr val="accent1"/>
+          </a:effectRef>
+          <a:fontRef idx="minor">
+            <a:schemeClr val="lt1"/>
+          </a:fontRef>
+        </p:style>
+        <p:txBody>
+          <a:bodyPr rtlCol="0" anchor="ctr"/>
+          <a:lstStyle/>
+          <a:p>
+            <a:pPr algn="ctr"/>
+            <a:r>
+              <a:rPr lang="zh-CN" altLang="en-US" sz="1400" dirty="0" smtClean="0">
+                <a:ln>
+                  <a:solidFill>
+                    <a:schemeClr val="accent5">
+                      <a:lumMod val="60000"/>
+                      <a:lumOff val="40000"/>
+                    </a:schemeClr>
+                  </a:solidFill>
+                </a:ln>
+                <a:solidFill>
+                  <a:schemeClr val="accent4">
+                    <a:lumMod val="40000"/>
+                    <a:lumOff val="60000"/>
+                  </a:schemeClr>
+                </a:solidFill>
+              </a:rPr>
+              <a:t>移动光标打印字母</a:t>
+            </a:r>
+            <a:endParaRPr lang="zh-CN" altLang="en-US" sz="1400" dirty="0">
+              <a:ln>
+                <a:solidFill>
+                  <a:schemeClr val="accent5">
+                    <a:lumMod val="60000"/>
+                    <a:lumOff val="40000"/>
+                  </a:schemeClr>
+                </a:solidFill>
+              </a:ln>
+              <a:solidFill>
+                <a:schemeClr val="accent4">
+                  <a:lumMod val="40000"/>
+                  <a:lumOff val="60000"/>
+                </a:schemeClr>
+              </a:solidFill>
+            </a:endParaRPr>
+          </a:p>
+        </p:txBody>
+      </p:sp>
+      <p:cxnSp>
+        <p:nvCxnSpPr>
+          <p:cNvPr id="28" name="直接箭头连接符 27"/>
+          <p:cNvCxnSpPr>
+            <a:stCxn id="24" idx="6"/>
+            <a:endCxn id="26" idx="1"/>
+          </p:cNvCxnSpPr>
+          <p:nvPr/>
+        </p:nvCxnSpPr>
+        <p:spPr>
+          <a:xfrm>
+            <a:off x="6677025" y="2794147"/>
+            <a:ext cx="1303855" cy="470593"/>
+          </a:xfrm>
+          <a:prstGeom prst="straightConnector1">
+            <a:avLst/>
+          </a:prstGeom>
+          <a:ln>
+            <a:solidFill>
+              <a:schemeClr val="accent2"/>
+            </a:solidFill>
+            <a:tailEnd type="triangle"/>
+          </a:ln>
+        </p:spPr>
+        <p:style>
+          <a:lnRef idx="1">
+            <a:schemeClr val="accent1"/>
+          </a:lnRef>
+          <a:fillRef idx="0">
+            <a:schemeClr val="accent1"/>
+          </a:fillRef>
+          <a:effectRef idx="0">
+            <a:schemeClr val="accent1"/>
+          </a:effectRef>
+          <a:fontRef idx="minor">
+            <a:schemeClr val="tx1"/>
+          </a:fontRef>
+        </p:style>
+      </p:cxnSp>
+      <p:cxnSp>
+        <p:nvCxnSpPr>
+          <p:cNvPr id="30" name="直接箭头连接符 29"/>
+          <p:cNvCxnSpPr>
+            <a:stCxn id="25" idx="6"/>
+            <a:endCxn id="26" idx="3"/>
+          </p:cNvCxnSpPr>
+          <p:nvPr/>
+        </p:nvCxnSpPr>
+        <p:spPr>
+          <a:xfrm flipV="1">
+            <a:off x="6677025" y="3779491"/>
+            <a:ext cx="1303855" cy="322949"/>
+          </a:xfrm>
+          <a:prstGeom prst="straightConnector1">
+            <a:avLst/>
+          </a:prstGeom>
+          <a:ln>
+            <a:solidFill>
+              <a:schemeClr val="accent2"/>
+            </a:solidFill>
+            <a:tailEnd type="triangle"/>
+          </a:ln>
+        </p:spPr>
+        <p:style>
+          <a:lnRef idx="1">
+            <a:schemeClr val="accent1"/>
+          </a:lnRef>
+          <a:fillRef idx="0">
+            <a:schemeClr val="accent1"/>
+          </a:fillRef>
+          <a:effectRef idx="0">
+            <a:schemeClr val="accent1"/>
+          </a:effectRef>
+          <a:fontRef idx="minor">
+            <a:schemeClr val="tx1"/>
+          </a:fontRef>
+        </p:style>
+      </p:cxnSp>
+      <p:sp>
+        <p:nvSpPr>
+          <p:cNvPr id="41" name="文本框 40"/>
+          <p:cNvSpPr txBox="1"/>
+          <p:nvPr/>
+        </p:nvSpPr>
+        <p:spPr>
+          <a:xfrm>
+            <a:off x="2050742" y="5255581"/>
+            <a:ext cx="5735122" cy="646331"/>
+          </a:xfrm>
+          <a:prstGeom prst="rect">
+            <a:avLst/>
+          </a:prstGeom>
+          <a:noFill/>
+        </p:spPr>
+        <p:txBody>
+          <a:bodyPr wrap="square" rtlCol="0">
+            <a:spAutoFit/>
+          </a:bodyPr>
+          <a:lstStyle/>
+          <a:p>
+            <a:r>
+              <a:rPr lang="zh-CN" altLang="en-US" dirty="0" smtClean="0">
+                <a:solidFill>
+                  <a:schemeClr val="accent5">
+                    <a:lumMod val="60000"/>
+                    <a:lumOff val="40000"/>
+                  </a:schemeClr>
+                </a:solidFill>
+              </a:rPr>
+              <a:t>这种两</a:t>
+            </a:r>
+            <a:r>
+              <a:rPr lang="zh-CN" altLang="en-US" dirty="0">
+                <a:solidFill>
+                  <a:schemeClr val="accent5">
+                    <a:lumMod val="60000"/>
+                    <a:lumOff val="40000"/>
+                  </a:schemeClr>
+                </a:solidFill>
+              </a:rPr>
+              <a:t>个</a:t>
+            </a:r>
+            <a:r>
+              <a:rPr lang="zh-CN" altLang="en-US" dirty="0" smtClean="0">
+                <a:solidFill>
+                  <a:schemeClr val="accent5">
+                    <a:lumMod val="60000"/>
+                    <a:lumOff val="40000"/>
+                  </a:schemeClr>
+                </a:solidFill>
+              </a:rPr>
+              <a:t>程序或线程同时</a:t>
+            </a:r>
+            <a:r>
+              <a:rPr lang="zh-CN" altLang="en-US" dirty="0">
+                <a:solidFill>
+                  <a:schemeClr val="accent5">
+                    <a:lumMod val="60000"/>
+                    <a:lumOff val="40000"/>
+                  </a:schemeClr>
+                </a:solidFill>
+              </a:rPr>
+              <a:t>从同一个文件中读或者对同一文件进行</a:t>
+            </a:r>
+            <a:r>
+              <a:rPr lang="zh-CN" altLang="en-US" dirty="0" smtClean="0">
+                <a:solidFill>
+                  <a:schemeClr val="accent5">
+                    <a:lumMod val="60000"/>
+                    <a:lumOff val="40000"/>
+                  </a:schemeClr>
+                </a:solidFill>
+              </a:rPr>
+              <a:t>写的情况叫做临界区域。</a:t>
+            </a:r>
+            <a:endParaRPr lang="zh-CN" altLang="en-US" dirty="0">
+              <a:solidFill>
+                <a:schemeClr val="accent5">
+                  <a:lumMod val="60000"/>
+                  <a:lumOff val="40000"/>
+                </a:schemeClr>
+              </a:solidFill>
+            </a:endParaRPr>
+          </a:p>
+        </p:txBody>
+      </p:sp>
     </p:spTree>
     <p:extLst>
       <p:ext uri="{BB962C8B-B14F-4D97-AF65-F5344CB8AC3E}">
-        <p14:creationId xmlns:p14="http://schemas.microsoft.com/office/powerpoint/2010/main" xmlns="" val="3607553883"/>
+        <p14:creationId xmlns:p14="http://schemas.microsoft.com/office/powerpoint/2010/main" val="3607553883"/>
       </p:ext>
     </p:extLst>
   </p:cSld>
@@ -9385,9 +10056,1197 @@
   <p:timing>
     <p:tnLst>
       <p:par>
-        <p:cTn id="1" dur="indefinite" restart="never" nodeType="tmRoot"/>
+        <p:cTn id="1" dur="indefinite" restart="never" nodeType="tmRoot">
+          <p:childTnLst>
+            <p:seq concurrent="1" nextAc="seek">
+              <p:cTn id="2" dur="indefinite" nodeType="mainSeq">
+                <p:childTnLst>
+                  <p:par>
+                    <p:cTn id="3" fill="hold">
+                      <p:stCondLst>
+                        <p:cond delay="indefinite"/>
+                      </p:stCondLst>
+                      <p:childTnLst>
+                        <p:par>
+                          <p:cTn id="4" fill="hold">
+                            <p:stCondLst>
+                              <p:cond delay="0"/>
+                            </p:stCondLst>
+                            <p:childTnLst>
+                              <p:par>
+                                <p:cTn id="5" presetID="1" presetClass="entr" presetSubtype="0" fill="hold" nodeType="clickEffect">
+                                  <p:stCondLst>
+                                    <p:cond delay="0"/>
+                                  </p:stCondLst>
+                                  <p:childTnLst>
+                                    <p:set>
+                                      <p:cBhvr>
+                                        <p:cTn id="6" dur="1" fill="hold">
+                                          <p:stCondLst>
+                                            <p:cond delay="0"/>
+                                          </p:stCondLst>
+                                        </p:cTn>
+                                        <p:tgtEl>
+                                          <p:spTgt spid="4"/>
+                                        </p:tgtEl>
+                                        <p:attrNameLst>
+                                          <p:attrName>style.visibility</p:attrName>
+                                        </p:attrNameLst>
+                                      </p:cBhvr>
+                                      <p:to>
+                                        <p:strVal val="visible"/>
+                                      </p:to>
+                                    </p:set>
+                                  </p:childTnLst>
+                                </p:cTn>
+                              </p:par>
+                            </p:childTnLst>
+                          </p:cTn>
+                        </p:par>
+                      </p:childTnLst>
+                    </p:cTn>
+                  </p:par>
+                  <p:par>
+                    <p:cTn id="7" fill="hold">
+                      <p:stCondLst>
+                        <p:cond delay="indefinite"/>
+                      </p:stCondLst>
+                      <p:childTnLst>
+                        <p:par>
+                          <p:cTn id="8" fill="hold">
+                            <p:stCondLst>
+                              <p:cond delay="0"/>
+                            </p:stCondLst>
+                            <p:childTnLst>
+                              <p:par>
+                                <p:cTn id="9" presetID="2" presetClass="entr" presetSubtype="8" fill="hold" nodeType="clickEffect">
+                                  <p:stCondLst>
+                                    <p:cond delay="0"/>
+                                  </p:stCondLst>
+                                  <p:childTnLst>
+                                    <p:set>
+                                      <p:cBhvr>
+                                        <p:cTn id="10" dur="1" fill="hold">
+                                          <p:stCondLst>
+                                            <p:cond delay="0"/>
+                                          </p:stCondLst>
+                                        </p:cTn>
+                                        <p:tgtEl>
+                                          <p:spTgt spid="10"/>
+                                        </p:tgtEl>
+                                        <p:attrNameLst>
+                                          <p:attrName>style.visibility</p:attrName>
+                                        </p:attrNameLst>
+                                      </p:cBhvr>
+                                      <p:to>
+                                        <p:strVal val="visible"/>
+                                      </p:to>
+                                    </p:set>
+                                    <p:anim calcmode="lin" valueType="num">
+                                      <p:cBhvr additive="base">
+                                        <p:cTn id="11" dur="500" fill="hold"/>
+                                        <p:tgtEl>
+                                          <p:spTgt spid="10"/>
+                                        </p:tgtEl>
+                                        <p:attrNameLst>
+                                          <p:attrName>ppt_x</p:attrName>
+                                        </p:attrNameLst>
+                                      </p:cBhvr>
+                                      <p:tavLst>
+                                        <p:tav tm="0">
+                                          <p:val>
+                                            <p:strVal val="0-#ppt_w/2"/>
+                                          </p:val>
+                                        </p:tav>
+                                        <p:tav tm="100000">
+                                          <p:val>
+                                            <p:strVal val="#ppt_x"/>
+                                          </p:val>
+                                        </p:tav>
+                                      </p:tavLst>
+                                    </p:anim>
+                                    <p:anim calcmode="lin" valueType="num">
+                                      <p:cBhvr additive="base">
+                                        <p:cTn id="12" dur="500" fill="hold"/>
+                                        <p:tgtEl>
+                                          <p:spTgt spid="10"/>
+                                        </p:tgtEl>
+                                        <p:attrNameLst>
+                                          <p:attrName>ppt_y</p:attrName>
+                                        </p:attrNameLst>
+                                      </p:cBhvr>
+                                      <p:tavLst>
+                                        <p:tav tm="0">
+                                          <p:val>
+                                            <p:strVal val="#ppt_y"/>
+                                          </p:val>
+                                        </p:tav>
+                                        <p:tav tm="100000">
+                                          <p:val>
+                                            <p:strVal val="#ppt_y"/>
+                                          </p:val>
+                                        </p:tav>
+                                      </p:tavLst>
+                                    </p:anim>
+                                  </p:childTnLst>
+                                </p:cTn>
+                              </p:par>
+                            </p:childTnLst>
+                          </p:cTn>
+                        </p:par>
+                      </p:childTnLst>
+                    </p:cTn>
+                  </p:par>
+                  <p:par>
+                    <p:cTn id="13" fill="hold">
+                      <p:stCondLst>
+                        <p:cond delay="indefinite"/>
+                      </p:stCondLst>
+                      <p:childTnLst>
+                        <p:par>
+                          <p:cTn id="14" fill="hold">
+                            <p:stCondLst>
+                              <p:cond delay="0"/>
+                            </p:stCondLst>
+                            <p:childTnLst>
+                              <p:par>
+                                <p:cTn id="15" presetID="2" presetClass="entr" presetSubtype="2" fill="hold" nodeType="clickEffect">
+                                  <p:stCondLst>
+                                    <p:cond delay="0"/>
+                                  </p:stCondLst>
+                                  <p:childTnLst>
+                                    <p:set>
+                                      <p:cBhvr>
+                                        <p:cTn id="16" dur="1" fill="hold">
+                                          <p:stCondLst>
+                                            <p:cond delay="0"/>
+                                          </p:stCondLst>
+                                        </p:cTn>
+                                        <p:tgtEl>
+                                          <p:spTgt spid="12"/>
+                                        </p:tgtEl>
+                                        <p:attrNameLst>
+                                          <p:attrName>style.visibility</p:attrName>
+                                        </p:attrNameLst>
+                                      </p:cBhvr>
+                                      <p:to>
+                                        <p:strVal val="visible"/>
+                                      </p:to>
+                                    </p:set>
+                                    <p:anim calcmode="lin" valueType="num">
+                                      <p:cBhvr additive="base">
+                                        <p:cTn id="17" dur="500" fill="hold"/>
+                                        <p:tgtEl>
+                                          <p:spTgt spid="12"/>
+                                        </p:tgtEl>
+                                        <p:attrNameLst>
+                                          <p:attrName>ppt_x</p:attrName>
+                                        </p:attrNameLst>
+                                      </p:cBhvr>
+                                      <p:tavLst>
+                                        <p:tav tm="0">
+                                          <p:val>
+                                            <p:strVal val="1+#ppt_w/2"/>
+                                          </p:val>
+                                        </p:tav>
+                                        <p:tav tm="100000">
+                                          <p:val>
+                                            <p:strVal val="#ppt_x"/>
+                                          </p:val>
+                                        </p:tav>
+                                      </p:tavLst>
+                                    </p:anim>
+                                    <p:anim calcmode="lin" valueType="num">
+                                      <p:cBhvr additive="base">
+                                        <p:cTn id="18" dur="500" fill="hold"/>
+                                        <p:tgtEl>
+                                          <p:spTgt spid="12"/>
+                                        </p:tgtEl>
+                                        <p:attrNameLst>
+                                          <p:attrName>ppt_y</p:attrName>
+                                        </p:attrNameLst>
+                                      </p:cBhvr>
+                                      <p:tavLst>
+                                        <p:tav tm="0">
+                                          <p:val>
+                                            <p:strVal val="#ppt_y"/>
+                                          </p:val>
+                                        </p:tav>
+                                        <p:tav tm="100000">
+                                          <p:val>
+                                            <p:strVal val="#ppt_y"/>
+                                          </p:val>
+                                        </p:tav>
+                                      </p:tavLst>
+                                    </p:anim>
+                                  </p:childTnLst>
+                                </p:cTn>
+                              </p:par>
+                            </p:childTnLst>
+                          </p:cTn>
+                        </p:par>
+                      </p:childTnLst>
+                    </p:cTn>
+                  </p:par>
+                  <p:par>
+                    <p:cTn id="19" fill="hold">
+                      <p:stCondLst>
+                        <p:cond delay="indefinite"/>
+                      </p:stCondLst>
+                      <p:childTnLst>
+                        <p:par>
+                          <p:cTn id="20" fill="hold">
+                            <p:stCondLst>
+                              <p:cond delay="0"/>
+                            </p:stCondLst>
+                            <p:childTnLst>
+                              <p:par>
+                                <p:cTn id="21" presetID="63" presetClass="path" presetSubtype="0" accel="26000" decel="74000" fill="hold" nodeType="clickEffect">
+                                  <p:stCondLst>
+                                    <p:cond delay="0"/>
+                                  </p:stCondLst>
+                                  <p:childTnLst>
+                                    <p:animMotion origin="layout" path="M 5.55112E-17 -1.48148E-6 L 0.13568 -0.00046 " pathEditMode="relative" rAng="0" ptsTypes="AA">
+                                      <p:cBhvr>
+                                        <p:cTn id="22" dur="500" fill="hold"/>
+                                        <p:tgtEl>
+                                          <p:spTgt spid="4"/>
+                                        </p:tgtEl>
+                                        <p:attrNameLst>
+                                          <p:attrName>ppt_x</p:attrName>
+                                          <p:attrName>ppt_y</p:attrName>
+                                        </p:attrNameLst>
+                                      </p:cBhvr>
+                                      <p:rCtr x="6784" y="-23"/>
+                                    </p:animMotion>
+                                  </p:childTnLst>
+                                </p:cTn>
+                              </p:par>
+                              <p:par>
+                                <p:cTn id="23" presetID="63" presetClass="path" presetSubtype="0" accel="50000" decel="50000" fill="hold" nodeType="withEffect">
+                                  <p:stCondLst>
+                                    <p:cond delay="0"/>
+                                  </p:stCondLst>
+                                  <p:childTnLst>
+                                    <p:animMotion origin="layout" path="M 1.66667E-6 -3.7037E-6 L 0.13984 0.00255 " pathEditMode="relative" rAng="0" ptsTypes="AA">
+                                      <p:cBhvr>
+                                        <p:cTn id="24" dur="500" fill="hold"/>
+                                        <p:tgtEl>
+                                          <p:spTgt spid="10"/>
+                                        </p:tgtEl>
+                                        <p:attrNameLst>
+                                          <p:attrName>ppt_x</p:attrName>
+                                          <p:attrName>ppt_y</p:attrName>
+                                        </p:attrNameLst>
+                                      </p:cBhvr>
+                                      <p:rCtr x="6992" y="116"/>
+                                    </p:animMotion>
+                                  </p:childTnLst>
+                                </p:cTn>
+                              </p:par>
+                              <p:par>
+                                <p:cTn id="25" presetID="63" presetClass="path" presetSubtype="0" accel="50000" decel="50000" fill="hold" nodeType="withEffect">
+                                  <p:stCondLst>
+                                    <p:cond delay="0"/>
+                                  </p:stCondLst>
+                                  <p:childTnLst>
+                                    <p:animMotion origin="layout" path="M 3.33333E-6 1.11111E-6 L 0.13776 0.00139 " pathEditMode="relative" rAng="0" ptsTypes="AA">
+                                      <p:cBhvr>
+                                        <p:cTn id="26" dur="500" fill="hold"/>
+                                        <p:tgtEl>
+                                          <p:spTgt spid="12"/>
+                                        </p:tgtEl>
+                                        <p:attrNameLst>
+                                          <p:attrName>ppt_x</p:attrName>
+                                          <p:attrName>ppt_y</p:attrName>
+                                        </p:attrNameLst>
+                                      </p:cBhvr>
+                                      <p:rCtr x="6888" y="69"/>
+                                    </p:animMotion>
+                                  </p:childTnLst>
+                                </p:cTn>
+                              </p:par>
+                            </p:childTnLst>
+                          </p:cTn>
+                        </p:par>
+                        <p:par>
+                          <p:cTn id="27" fill="hold">
+                            <p:stCondLst>
+                              <p:cond delay="500"/>
+                            </p:stCondLst>
+                            <p:childTnLst>
+                              <p:par>
+                                <p:cTn id="28" presetID="2" presetClass="entr" presetSubtype="4" fill="hold" grpId="0" nodeType="afterEffect">
+                                  <p:stCondLst>
+                                    <p:cond delay="0"/>
+                                  </p:stCondLst>
+                                  <p:childTnLst>
+                                    <p:set>
+                                      <p:cBhvr>
+                                        <p:cTn id="29" dur="1" fill="hold">
+                                          <p:stCondLst>
+                                            <p:cond delay="0"/>
+                                          </p:stCondLst>
+                                        </p:cTn>
+                                        <p:tgtEl>
+                                          <p:spTgt spid="22"/>
+                                        </p:tgtEl>
+                                        <p:attrNameLst>
+                                          <p:attrName>style.visibility</p:attrName>
+                                        </p:attrNameLst>
+                                      </p:cBhvr>
+                                      <p:to>
+                                        <p:strVal val="visible"/>
+                                      </p:to>
+                                    </p:set>
+                                    <p:anim calcmode="lin" valueType="num">
+                                      <p:cBhvr additive="base">
+                                        <p:cTn id="30" dur="500" fill="hold"/>
+                                        <p:tgtEl>
+                                          <p:spTgt spid="22"/>
+                                        </p:tgtEl>
+                                        <p:attrNameLst>
+                                          <p:attrName>ppt_x</p:attrName>
+                                        </p:attrNameLst>
+                                      </p:cBhvr>
+                                      <p:tavLst>
+                                        <p:tav tm="0">
+                                          <p:val>
+                                            <p:strVal val="#ppt_x"/>
+                                          </p:val>
+                                        </p:tav>
+                                        <p:tav tm="100000">
+                                          <p:val>
+                                            <p:strVal val="#ppt_x"/>
+                                          </p:val>
+                                        </p:tav>
+                                      </p:tavLst>
+                                    </p:anim>
+                                    <p:anim calcmode="lin" valueType="num">
+                                      <p:cBhvr additive="base">
+                                        <p:cTn id="31" dur="500" fill="hold"/>
+                                        <p:tgtEl>
+                                          <p:spTgt spid="22"/>
+                                        </p:tgtEl>
+                                        <p:attrNameLst>
+                                          <p:attrName>ppt_y</p:attrName>
+                                        </p:attrNameLst>
+                                      </p:cBhvr>
+                                      <p:tavLst>
+                                        <p:tav tm="0">
+                                          <p:val>
+                                            <p:strVal val="1+#ppt_h/2"/>
+                                          </p:val>
+                                        </p:tav>
+                                        <p:tav tm="100000">
+                                          <p:val>
+                                            <p:strVal val="#ppt_y"/>
+                                          </p:val>
+                                        </p:tav>
+                                      </p:tavLst>
+                                    </p:anim>
+                                  </p:childTnLst>
+                                </p:cTn>
+                              </p:par>
+                            </p:childTnLst>
+                          </p:cTn>
+                        </p:par>
+                      </p:childTnLst>
+                    </p:cTn>
+                  </p:par>
+                  <p:par>
+                    <p:cTn id="32" fill="hold">
+                      <p:stCondLst>
+                        <p:cond delay="indefinite"/>
+                      </p:stCondLst>
+                      <p:childTnLst>
+                        <p:par>
+                          <p:cTn id="33" fill="hold">
+                            <p:stCondLst>
+                              <p:cond delay="0"/>
+                            </p:stCondLst>
+                            <p:childTnLst>
+                              <p:par>
+                                <p:cTn id="34" presetID="2" presetClass="entr" presetSubtype="4" fill="hold" grpId="0" nodeType="clickEffect">
+                                  <p:stCondLst>
+                                    <p:cond delay="0"/>
+                                  </p:stCondLst>
+                                  <p:childTnLst>
+                                    <p:set>
+                                      <p:cBhvr>
+                                        <p:cTn id="35" dur="1" fill="hold">
+                                          <p:stCondLst>
+                                            <p:cond delay="0"/>
+                                          </p:stCondLst>
+                                        </p:cTn>
+                                        <p:tgtEl>
+                                          <p:spTgt spid="21"/>
+                                        </p:tgtEl>
+                                        <p:attrNameLst>
+                                          <p:attrName>style.visibility</p:attrName>
+                                        </p:attrNameLst>
+                                      </p:cBhvr>
+                                      <p:to>
+                                        <p:strVal val="visible"/>
+                                      </p:to>
+                                    </p:set>
+                                    <p:anim calcmode="lin" valueType="num">
+                                      <p:cBhvr additive="base">
+                                        <p:cTn id="36" dur="500" fill="hold"/>
+                                        <p:tgtEl>
+                                          <p:spTgt spid="21"/>
+                                        </p:tgtEl>
+                                        <p:attrNameLst>
+                                          <p:attrName>ppt_x</p:attrName>
+                                        </p:attrNameLst>
+                                      </p:cBhvr>
+                                      <p:tavLst>
+                                        <p:tav tm="0">
+                                          <p:val>
+                                            <p:strVal val="#ppt_x"/>
+                                          </p:val>
+                                        </p:tav>
+                                        <p:tav tm="100000">
+                                          <p:val>
+                                            <p:strVal val="#ppt_x"/>
+                                          </p:val>
+                                        </p:tav>
+                                      </p:tavLst>
+                                    </p:anim>
+                                    <p:anim calcmode="lin" valueType="num">
+                                      <p:cBhvr additive="base">
+                                        <p:cTn id="37" dur="500" fill="hold"/>
+                                        <p:tgtEl>
+                                          <p:spTgt spid="21"/>
+                                        </p:tgtEl>
+                                        <p:attrNameLst>
+                                          <p:attrName>ppt_y</p:attrName>
+                                        </p:attrNameLst>
+                                      </p:cBhvr>
+                                      <p:tavLst>
+                                        <p:tav tm="0">
+                                          <p:val>
+                                            <p:strVal val="1+#ppt_h/2"/>
+                                          </p:val>
+                                        </p:tav>
+                                        <p:tav tm="100000">
+                                          <p:val>
+                                            <p:strVal val="#ppt_y"/>
+                                          </p:val>
+                                        </p:tav>
+                                      </p:tavLst>
+                                    </p:anim>
+                                  </p:childTnLst>
+                                </p:cTn>
+                              </p:par>
+                            </p:childTnLst>
+                          </p:cTn>
+                        </p:par>
+                      </p:childTnLst>
+                    </p:cTn>
+                  </p:par>
+                  <p:par>
+                    <p:cTn id="38" fill="hold">
+                      <p:stCondLst>
+                        <p:cond delay="indefinite"/>
+                      </p:stCondLst>
+                      <p:childTnLst>
+                        <p:par>
+                          <p:cTn id="39" fill="hold">
+                            <p:stCondLst>
+                              <p:cond delay="0"/>
+                            </p:stCondLst>
+                            <p:childTnLst>
+                              <p:par>
+                                <p:cTn id="40" presetID="2" presetClass="exit" presetSubtype="8" fill="hold" nodeType="clickEffect">
+                                  <p:stCondLst>
+                                    <p:cond delay="0"/>
+                                  </p:stCondLst>
+                                  <p:childTnLst>
+                                    <p:anim calcmode="lin" valueType="num">
+                                      <p:cBhvr additive="base">
+                                        <p:cTn id="41" dur="500"/>
+                                        <p:tgtEl>
+                                          <p:spTgt spid="10"/>
+                                        </p:tgtEl>
+                                        <p:attrNameLst>
+                                          <p:attrName>ppt_x</p:attrName>
+                                        </p:attrNameLst>
+                                      </p:cBhvr>
+                                      <p:tavLst>
+                                        <p:tav tm="0">
+                                          <p:val>
+                                            <p:strVal val="ppt_x"/>
+                                          </p:val>
+                                        </p:tav>
+                                        <p:tav tm="100000">
+                                          <p:val>
+                                            <p:strVal val="0-ppt_w/2"/>
+                                          </p:val>
+                                        </p:tav>
+                                      </p:tavLst>
+                                    </p:anim>
+                                    <p:anim calcmode="lin" valueType="num">
+                                      <p:cBhvr additive="base">
+                                        <p:cTn id="42" dur="500"/>
+                                        <p:tgtEl>
+                                          <p:spTgt spid="10"/>
+                                        </p:tgtEl>
+                                        <p:attrNameLst>
+                                          <p:attrName>ppt_y</p:attrName>
+                                        </p:attrNameLst>
+                                      </p:cBhvr>
+                                      <p:tavLst>
+                                        <p:tav tm="0">
+                                          <p:val>
+                                            <p:strVal val="ppt_y"/>
+                                          </p:val>
+                                        </p:tav>
+                                        <p:tav tm="100000">
+                                          <p:val>
+                                            <p:strVal val="ppt_y"/>
+                                          </p:val>
+                                        </p:tav>
+                                      </p:tavLst>
+                                    </p:anim>
+                                    <p:set>
+                                      <p:cBhvr>
+                                        <p:cTn id="43" dur="1" fill="hold">
+                                          <p:stCondLst>
+                                            <p:cond delay="499"/>
+                                          </p:stCondLst>
+                                        </p:cTn>
+                                        <p:tgtEl>
+                                          <p:spTgt spid="10"/>
+                                        </p:tgtEl>
+                                        <p:attrNameLst>
+                                          <p:attrName>style.visibility</p:attrName>
+                                        </p:attrNameLst>
+                                      </p:cBhvr>
+                                      <p:to>
+                                        <p:strVal val="hidden"/>
+                                      </p:to>
+                                    </p:set>
+                                  </p:childTnLst>
+                                </p:cTn>
+                              </p:par>
+                              <p:par>
+                                <p:cTn id="44" presetID="2" presetClass="exit" presetSubtype="2" fill="hold" nodeType="withEffect">
+                                  <p:stCondLst>
+                                    <p:cond delay="0"/>
+                                  </p:stCondLst>
+                                  <p:childTnLst>
+                                    <p:anim calcmode="lin" valueType="num">
+                                      <p:cBhvr additive="base">
+                                        <p:cTn id="45" dur="500"/>
+                                        <p:tgtEl>
+                                          <p:spTgt spid="12"/>
+                                        </p:tgtEl>
+                                        <p:attrNameLst>
+                                          <p:attrName>ppt_x</p:attrName>
+                                        </p:attrNameLst>
+                                      </p:cBhvr>
+                                      <p:tavLst>
+                                        <p:tav tm="0">
+                                          <p:val>
+                                            <p:strVal val="ppt_x"/>
+                                          </p:val>
+                                        </p:tav>
+                                        <p:tav tm="100000">
+                                          <p:val>
+                                            <p:strVal val="1+ppt_w/2"/>
+                                          </p:val>
+                                        </p:tav>
+                                      </p:tavLst>
+                                    </p:anim>
+                                    <p:anim calcmode="lin" valueType="num">
+                                      <p:cBhvr additive="base">
+                                        <p:cTn id="46" dur="500"/>
+                                        <p:tgtEl>
+                                          <p:spTgt spid="12"/>
+                                        </p:tgtEl>
+                                        <p:attrNameLst>
+                                          <p:attrName>ppt_y</p:attrName>
+                                        </p:attrNameLst>
+                                      </p:cBhvr>
+                                      <p:tavLst>
+                                        <p:tav tm="0">
+                                          <p:val>
+                                            <p:strVal val="ppt_y"/>
+                                          </p:val>
+                                        </p:tav>
+                                        <p:tav tm="100000">
+                                          <p:val>
+                                            <p:strVal val="ppt_y"/>
+                                          </p:val>
+                                        </p:tav>
+                                      </p:tavLst>
+                                    </p:anim>
+                                    <p:set>
+                                      <p:cBhvr>
+                                        <p:cTn id="47" dur="1" fill="hold">
+                                          <p:stCondLst>
+                                            <p:cond delay="499"/>
+                                          </p:stCondLst>
+                                        </p:cTn>
+                                        <p:tgtEl>
+                                          <p:spTgt spid="12"/>
+                                        </p:tgtEl>
+                                        <p:attrNameLst>
+                                          <p:attrName>style.visibility</p:attrName>
+                                        </p:attrNameLst>
+                                      </p:cBhvr>
+                                      <p:to>
+                                        <p:strVal val="hidden"/>
+                                      </p:to>
+                                    </p:set>
+                                  </p:childTnLst>
+                                </p:cTn>
+                              </p:par>
+                              <p:par>
+                                <p:cTn id="48" presetID="2" presetClass="exit" presetSubtype="4" fill="hold" nodeType="withEffect">
+                                  <p:stCondLst>
+                                    <p:cond delay="0"/>
+                                  </p:stCondLst>
+                                  <p:childTnLst>
+                                    <p:anim calcmode="lin" valueType="num">
+                                      <p:cBhvr additive="base">
+                                        <p:cTn id="49" dur="500"/>
+                                        <p:tgtEl>
+                                          <p:spTgt spid="4"/>
+                                        </p:tgtEl>
+                                        <p:attrNameLst>
+                                          <p:attrName>ppt_x</p:attrName>
+                                        </p:attrNameLst>
+                                      </p:cBhvr>
+                                      <p:tavLst>
+                                        <p:tav tm="0">
+                                          <p:val>
+                                            <p:strVal val="ppt_x"/>
+                                          </p:val>
+                                        </p:tav>
+                                        <p:tav tm="100000">
+                                          <p:val>
+                                            <p:strVal val="ppt_x"/>
+                                          </p:val>
+                                        </p:tav>
+                                      </p:tavLst>
+                                    </p:anim>
+                                    <p:anim calcmode="lin" valueType="num">
+                                      <p:cBhvr additive="base">
+                                        <p:cTn id="50" dur="500"/>
+                                        <p:tgtEl>
+                                          <p:spTgt spid="4"/>
+                                        </p:tgtEl>
+                                        <p:attrNameLst>
+                                          <p:attrName>ppt_y</p:attrName>
+                                        </p:attrNameLst>
+                                      </p:cBhvr>
+                                      <p:tavLst>
+                                        <p:tav tm="0">
+                                          <p:val>
+                                            <p:strVal val="ppt_y"/>
+                                          </p:val>
+                                        </p:tav>
+                                        <p:tav tm="100000">
+                                          <p:val>
+                                            <p:strVal val="1+ppt_h/2"/>
+                                          </p:val>
+                                        </p:tav>
+                                      </p:tavLst>
+                                    </p:anim>
+                                    <p:set>
+                                      <p:cBhvr>
+                                        <p:cTn id="51" dur="1" fill="hold">
+                                          <p:stCondLst>
+                                            <p:cond delay="499"/>
+                                          </p:stCondLst>
+                                        </p:cTn>
+                                        <p:tgtEl>
+                                          <p:spTgt spid="4"/>
+                                        </p:tgtEl>
+                                        <p:attrNameLst>
+                                          <p:attrName>style.visibility</p:attrName>
+                                        </p:attrNameLst>
+                                      </p:cBhvr>
+                                      <p:to>
+                                        <p:strVal val="hidden"/>
+                                      </p:to>
+                                    </p:set>
+                                  </p:childTnLst>
+                                </p:cTn>
+                              </p:par>
+                            </p:childTnLst>
+                          </p:cTn>
+                        </p:par>
+                      </p:childTnLst>
+                    </p:cTn>
+                  </p:par>
+                  <p:par>
+                    <p:cTn id="52" fill="hold">
+                      <p:stCondLst>
+                        <p:cond delay="indefinite"/>
+                      </p:stCondLst>
+                      <p:childTnLst>
+                        <p:par>
+                          <p:cTn id="53" fill="hold">
+                            <p:stCondLst>
+                              <p:cond delay="0"/>
+                            </p:stCondLst>
+                            <p:childTnLst>
+                              <p:par>
+                                <p:cTn id="54" presetID="2" presetClass="entr" presetSubtype="2" fill="hold" grpId="0" nodeType="clickEffect">
+                                  <p:stCondLst>
+                                    <p:cond delay="0"/>
+                                  </p:stCondLst>
+                                  <p:childTnLst>
+                                    <p:set>
+                                      <p:cBhvr>
+                                        <p:cTn id="55" dur="1" fill="hold">
+                                          <p:stCondLst>
+                                            <p:cond delay="0"/>
+                                          </p:stCondLst>
+                                        </p:cTn>
+                                        <p:tgtEl>
+                                          <p:spTgt spid="24"/>
+                                        </p:tgtEl>
+                                        <p:attrNameLst>
+                                          <p:attrName>style.visibility</p:attrName>
+                                        </p:attrNameLst>
+                                      </p:cBhvr>
+                                      <p:to>
+                                        <p:strVal val="visible"/>
+                                      </p:to>
+                                    </p:set>
+                                    <p:anim calcmode="lin" valueType="num">
+                                      <p:cBhvr additive="base">
+                                        <p:cTn id="56" dur="500" fill="hold"/>
+                                        <p:tgtEl>
+                                          <p:spTgt spid="24"/>
+                                        </p:tgtEl>
+                                        <p:attrNameLst>
+                                          <p:attrName>ppt_x</p:attrName>
+                                        </p:attrNameLst>
+                                      </p:cBhvr>
+                                      <p:tavLst>
+                                        <p:tav tm="0">
+                                          <p:val>
+                                            <p:strVal val="1+#ppt_w/2"/>
+                                          </p:val>
+                                        </p:tav>
+                                        <p:tav tm="100000">
+                                          <p:val>
+                                            <p:strVal val="#ppt_x"/>
+                                          </p:val>
+                                        </p:tav>
+                                      </p:tavLst>
+                                    </p:anim>
+                                    <p:anim calcmode="lin" valueType="num">
+                                      <p:cBhvr additive="base">
+                                        <p:cTn id="57" dur="500" fill="hold"/>
+                                        <p:tgtEl>
+                                          <p:spTgt spid="24"/>
+                                        </p:tgtEl>
+                                        <p:attrNameLst>
+                                          <p:attrName>ppt_y</p:attrName>
+                                        </p:attrNameLst>
+                                      </p:cBhvr>
+                                      <p:tavLst>
+                                        <p:tav tm="0">
+                                          <p:val>
+                                            <p:strVal val="#ppt_y"/>
+                                          </p:val>
+                                        </p:tav>
+                                        <p:tav tm="100000">
+                                          <p:val>
+                                            <p:strVal val="#ppt_y"/>
+                                          </p:val>
+                                        </p:tav>
+                                      </p:tavLst>
+                                    </p:anim>
+                                  </p:childTnLst>
+                                </p:cTn>
+                              </p:par>
+                              <p:par>
+                                <p:cTn id="58" presetID="2" presetClass="entr" presetSubtype="2" fill="hold" grpId="0" nodeType="withEffect">
+                                  <p:stCondLst>
+                                    <p:cond delay="0"/>
+                                  </p:stCondLst>
+                                  <p:childTnLst>
+                                    <p:set>
+                                      <p:cBhvr>
+                                        <p:cTn id="59" dur="1" fill="hold">
+                                          <p:stCondLst>
+                                            <p:cond delay="0"/>
+                                          </p:stCondLst>
+                                        </p:cTn>
+                                        <p:tgtEl>
+                                          <p:spTgt spid="25"/>
+                                        </p:tgtEl>
+                                        <p:attrNameLst>
+                                          <p:attrName>style.visibility</p:attrName>
+                                        </p:attrNameLst>
+                                      </p:cBhvr>
+                                      <p:to>
+                                        <p:strVal val="visible"/>
+                                      </p:to>
+                                    </p:set>
+                                    <p:anim calcmode="lin" valueType="num">
+                                      <p:cBhvr additive="base">
+                                        <p:cTn id="60" dur="500" fill="hold"/>
+                                        <p:tgtEl>
+                                          <p:spTgt spid="25"/>
+                                        </p:tgtEl>
+                                        <p:attrNameLst>
+                                          <p:attrName>ppt_x</p:attrName>
+                                        </p:attrNameLst>
+                                      </p:cBhvr>
+                                      <p:tavLst>
+                                        <p:tav tm="0">
+                                          <p:val>
+                                            <p:strVal val="1+#ppt_w/2"/>
+                                          </p:val>
+                                        </p:tav>
+                                        <p:tav tm="100000">
+                                          <p:val>
+                                            <p:strVal val="#ppt_x"/>
+                                          </p:val>
+                                        </p:tav>
+                                      </p:tavLst>
+                                    </p:anim>
+                                    <p:anim calcmode="lin" valueType="num">
+                                      <p:cBhvr additive="base">
+                                        <p:cTn id="61" dur="500" fill="hold"/>
+                                        <p:tgtEl>
+                                          <p:spTgt spid="25"/>
+                                        </p:tgtEl>
+                                        <p:attrNameLst>
+                                          <p:attrName>ppt_y</p:attrName>
+                                        </p:attrNameLst>
+                                      </p:cBhvr>
+                                      <p:tavLst>
+                                        <p:tav tm="0">
+                                          <p:val>
+                                            <p:strVal val="#ppt_y"/>
+                                          </p:val>
+                                        </p:tav>
+                                        <p:tav tm="100000">
+                                          <p:val>
+                                            <p:strVal val="#ppt_y"/>
+                                          </p:val>
+                                        </p:tav>
+                                      </p:tavLst>
+                                    </p:anim>
+                                  </p:childTnLst>
+                                </p:cTn>
+                              </p:par>
+                              <p:par>
+                                <p:cTn id="62" presetID="2" presetClass="entr" presetSubtype="2" fill="hold" grpId="0" nodeType="withEffect">
+                                  <p:stCondLst>
+                                    <p:cond delay="0"/>
+                                  </p:stCondLst>
+                                  <p:childTnLst>
+                                    <p:set>
+                                      <p:cBhvr>
+                                        <p:cTn id="63" dur="1" fill="hold">
+                                          <p:stCondLst>
+                                            <p:cond delay="0"/>
+                                          </p:stCondLst>
+                                        </p:cTn>
+                                        <p:tgtEl>
+                                          <p:spTgt spid="26"/>
+                                        </p:tgtEl>
+                                        <p:attrNameLst>
+                                          <p:attrName>style.visibility</p:attrName>
+                                        </p:attrNameLst>
+                                      </p:cBhvr>
+                                      <p:to>
+                                        <p:strVal val="visible"/>
+                                      </p:to>
+                                    </p:set>
+                                    <p:anim calcmode="lin" valueType="num">
+                                      <p:cBhvr additive="base">
+                                        <p:cTn id="64" dur="500" fill="hold"/>
+                                        <p:tgtEl>
+                                          <p:spTgt spid="26"/>
+                                        </p:tgtEl>
+                                        <p:attrNameLst>
+                                          <p:attrName>ppt_x</p:attrName>
+                                        </p:attrNameLst>
+                                      </p:cBhvr>
+                                      <p:tavLst>
+                                        <p:tav tm="0">
+                                          <p:val>
+                                            <p:strVal val="1+#ppt_w/2"/>
+                                          </p:val>
+                                        </p:tav>
+                                        <p:tav tm="100000">
+                                          <p:val>
+                                            <p:strVal val="#ppt_x"/>
+                                          </p:val>
+                                        </p:tav>
+                                      </p:tavLst>
+                                    </p:anim>
+                                    <p:anim calcmode="lin" valueType="num">
+                                      <p:cBhvr additive="base">
+                                        <p:cTn id="65" dur="500" fill="hold"/>
+                                        <p:tgtEl>
+                                          <p:spTgt spid="26"/>
+                                        </p:tgtEl>
+                                        <p:attrNameLst>
+                                          <p:attrName>ppt_y</p:attrName>
+                                        </p:attrNameLst>
+                                      </p:cBhvr>
+                                      <p:tavLst>
+                                        <p:tav tm="0">
+                                          <p:val>
+                                            <p:strVal val="#ppt_y"/>
+                                          </p:val>
+                                        </p:tav>
+                                        <p:tav tm="100000">
+                                          <p:val>
+                                            <p:strVal val="#ppt_y"/>
+                                          </p:val>
+                                        </p:tav>
+                                      </p:tavLst>
+                                    </p:anim>
+                                  </p:childTnLst>
+                                </p:cTn>
+                              </p:par>
+                              <p:par>
+                                <p:cTn id="66" presetID="2" presetClass="entr" presetSubtype="2" fill="hold" nodeType="withEffect">
+                                  <p:stCondLst>
+                                    <p:cond delay="0"/>
+                                  </p:stCondLst>
+                                  <p:childTnLst>
+                                    <p:set>
+                                      <p:cBhvr>
+                                        <p:cTn id="67" dur="1" fill="hold">
+                                          <p:stCondLst>
+                                            <p:cond delay="0"/>
+                                          </p:stCondLst>
+                                        </p:cTn>
+                                        <p:tgtEl>
+                                          <p:spTgt spid="28"/>
+                                        </p:tgtEl>
+                                        <p:attrNameLst>
+                                          <p:attrName>style.visibility</p:attrName>
+                                        </p:attrNameLst>
+                                      </p:cBhvr>
+                                      <p:to>
+                                        <p:strVal val="visible"/>
+                                      </p:to>
+                                    </p:set>
+                                    <p:anim calcmode="lin" valueType="num">
+                                      <p:cBhvr additive="base">
+                                        <p:cTn id="68" dur="500" fill="hold"/>
+                                        <p:tgtEl>
+                                          <p:spTgt spid="28"/>
+                                        </p:tgtEl>
+                                        <p:attrNameLst>
+                                          <p:attrName>ppt_x</p:attrName>
+                                        </p:attrNameLst>
+                                      </p:cBhvr>
+                                      <p:tavLst>
+                                        <p:tav tm="0">
+                                          <p:val>
+                                            <p:strVal val="1+#ppt_w/2"/>
+                                          </p:val>
+                                        </p:tav>
+                                        <p:tav tm="100000">
+                                          <p:val>
+                                            <p:strVal val="#ppt_x"/>
+                                          </p:val>
+                                        </p:tav>
+                                      </p:tavLst>
+                                    </p:anim>
+                                    <p:anim calcmode="lin" valueType="num">
+                                      <p:cBhvr additive="base">
+                                        <p:cTn id="69" dur="500" fill="hold"/>
+                                        <p:tgtEl>
+                                          <p:spTgt spid="28"/>
+                                        </p:tgtEl>
+                                        <p:attrNameLst>
+                                          <p:attrName>ppt_y</p:attrName>
+                                        </p:attrNameLst>
+                                      </p:cBhvr>
+                                      <p:tavLst>
+                                        <p:tav tm="0">
+                                          <p:val>
+                                            <p:strVal val="#ppt_y"/>
+                                          </p:val>
+                                        </p:tav>
+                                        <p:tav tm="100000">
+                                          <p:val>
+                                            <p:strVal val="#ppt_y"/>
+                                          </p:val>
+                                        </p:tav>
+                                      </p:tavLst>
+                                    </p:anim>
+                                  </p:childTnLst>
+                                </p:cTn>
+                              </p:par>
+                              <p:par>
+                                <p:cTn id="70" presetID="2" presetClass="entr" presetSubtype="2" fill="hold" nodeType="withEffect">
+                                  <p:stCondLst>
+                                    <p:cond delay="0"/>
+                                  </p:stCondLst>
+                                  <p:childTnLst>
+                                    <p:set>
+                                      <p:cBhvr>
+                                        <p:cTn id="71" dur="1" fill="hold">
+                                          <p:stCondLst>
+                                            <p:cond delay="0"/>
+                                          </p:stCondLst>
+                                        </p:cTn>
+                                        <p:tgtEl>
+                                          <p:spTgt spid="30"/>
+                                        </p:tgtEl>
+                                        <p:attrNameLst>
+                                          <p:attrName>style.visibility</p:attrName>
+                                        </p:attrNameLst>
+                                      </p:cBhvr>
+                                      <p:to>
+                                        <p:strVal val="visible"/>
+                                      </p:to>
+                                    </p:set>
+                                    <p:anim calcmode="lin" valueType="num">
+                                      <p:cBhvr additive="base">
+                                        <p:cTn id="72" dur="500" fill="hold"/>
+                                        <p:tgtEl>
+                                          <p:spTgt spid="30"/>
+                                        </p:tgtEl>
+                                        <p:attrNameLst>
+                                          <p:attrName>ppt_x</p:attrName>
+                                        </p:attrNameLst>
+                                      </p:cBhvr>
+                                      <p:tavLst>
+                                        <p:tav tm="0">
+                                          <p:val>
+                                            <p:strVal val="1+#ppt_w/2"/>
+                                          </p:val>
+                                        </p:tav>
+                                        <p:tav tm="100000">
+                                          <p:val>
+                                            <p:strVal val="#ppt_x"/>
+                                          </p:val>
+                                        </p:tav>
+                                      </p:tavLst>
+                                    </p:anim>
+                                    <p:anim calcmode="lin" valueType="num">
+                                      <p:cBhvr additive="base">
+                                        <p:cTn id="73" dur="500" fill="hold"/>
+                                        <p:tgtEl>
+                                          <p:spTgt spid="30"/>
+                                        </p:tgtEl>
+                                        <p:attrNameLst>
+                                          <p:attrName>ppt_y</p:attrName>
+                                        </p:attrNameLst>
+                                      </p:cBhvr>
+                                      <p:tavLst>
+                                        <p:tav tm="0">
+                                          <p:val>
+                                            <p:strVal val="#ppt_y"/>
+                                          </p:val>
+                                        </p:tav>
+                                        <p:tav tm="100000">
+                                          <p:val>
+                                            <p:strVal val="#ppt_y"/>
+                                          </p:val>
+                                        </p:tav>
+                                      </p:tavLst>
+                                    </p:anim>
+                                  </p:childTnLst>
+                                </p:cTn>
+                              </p:par>
+                            </p:childTnLst>
+                          </p:cTn>
+                        </p:par>
+                      </p:childTnLst>
+                    </p:cTn>
+                  </p:par>
+                  <p:par>
+                    <p:cTn id="74" fill="hold">
+                      <p:stCondLst>
+                        <p:cond delay="indefinite"/>
+                      </p:stCondLst>
+                      <p:childTnLst>
+                        <p:par>
+                          <p:cTn id="75" fill="hold">
+                            <p:stCondLst>
+                              <p:cond delay="0"/>
+                            </p:stCondLst>
+                            <p:childTnLst>
+                              <p:par>
+                                <p:cTn id="76" presetID="10" presetClass="entr" presetSubtype="0" fill="hold" grpId="0" nodeType="clickEffect">
+                                  <p:stCondLst>
+                                    <p:cond delay="0"/>
+                                  </p:stCondLst>
+                                  <p:childTnLst>
+                                    <p:set>
+                                      <p:cBhvr>
+                                        <p:cTn id="77" dur="1" fill="hold">
+                                          <p:stCondLst>
+                                            <p:cond delay="0"/>
+                                          </p:stCondLst>
+                                        </p:cTn>
+                                        <p:tgtEl>
+                                          <p:spTgt spid="41"/>
+                                        </p:tgtEl>
+                                        <p:attrNameLst>
+                                          <p:attrName>style.visibility</p:attrName>
+                                        </p:attrNameLst>
+                                      </p:cBhvr>
+                                      <p:to>
+                                        <p:strVal val="visible"/>
+                                      </p:to>
+                                    </p:set>
+                                    <p:animEffect transition="in" filter="fade">
+                                      <p:cBhvr>
+                                        <p:cTn id="78" dur="500"/>
+                                        <p:tgtEl>
+                                          <p:spTgt spid="41"/>
+                                        </p:tgtEl>
+                                      </p:cBhvr>
+                                    </p:animEffect>
+                                  </p:childTnLst>
+                                </p:cTn>
+                              </p:par>
+                            </p:childTnLst>
+                          </p:cTn>
+                        </p:par>
+                      </p:childTnLst>
+                    </p:cTn>
+                  </p:par>
+                </p:childTnLst>
+              </p:cTn>
+              <p:prevCondLst>
+                <p:cond evt="onPrev" delay="0">
+                  <p:tgtEl>
+                    <p:sldTgt/>
+                  </p:tgtEl>
+                </p:cond>
+              </p:prevCondLst>
+              <p:nextCondLst>
+                <p:cond evt="onNext" delay="0">
+                  <p:tgtEl>
+                    <p:sldTgt/>
+                  </p:tgtEl>
+                </p:cond>
+              </p:nextCondLst>
+            </p:seq>
+          </p:childTnLst>
+        </p:cTn>
       </p:par>
     </p:tnLst>
+    <p:bldLst>
+      <p:bldP spid="21" grpId="0" animBg="1"/>
+      <p:bldP spid="22" grpId="0" animBg="1"/>
+      <p:bldP spid="24" grpId="0" animBg="1"/>
+      <p:bldP spid="25" grpId="0" animBg="1"/>
+      <p:bldP spid="26" grpId="0" animBg="1"/>
+      <p:bldP spid="41" grpId="0"/>
+    </p:bldLst>
   </p:timing>
 </p:sld>
 </file>
@@ -9432,7 +11291,7 @@
           <a:blip r:embed="rId2" cstate="print">
             <a:extLst>
               <a:ext uri="{28A0092B-C50C-407E-A947-70E740481C1C}">
-                <a14:useLocalDpi xmlns:a14="http://schemas.microsoft.com/office/drawing/2010/main" xmlns="" val="0"/>
+                <a14:useLocalDpi xmlns:a14="http://schemas.microsoft.com/office/drawing/2010/main" val="0"/>
               </a:ext>
             </a:extLst>
           </a:blip>
@@ -9480,10 +11339,505 @@
           </a:p>
         </p:txBody>
       </p:sp>
+      <p:sp>
+        <p:nvSpPr>
+          <p:cNvPr id="2" name="文本框 1"/>
+          <p:cNvSpPr txBox="1"/>
+          <p:nvPr/>
+        </p:nvSpPr>
+        <p:spPr>
+          <a:xfrm>
+            <a:off x="2486025" y="1775534"/>
+            <a:ext cx="1278107" cy="369332"/>
+          </a:xfrm>
+          <a:prstGeom prst="rect">
+            <a:avLst/>
+          </a:prstGeom>
+          <a:noFill/>
+        </p:spPr>
+        <p:txBody>
+          <a:bodyPr wrap="square" rtlCol="0">
+            <a:spAutoFit/>
+          </a:bodyPr>
+          <a:lstStyle/>
+          <a:p>
+            <a:r>
+              <a:rPr lang="zh-CN" altLang="en-US" b="1" dirty="0" smtClean="0"/>
+              <a:t>临界区域：</a:t>
+            </a:r>
+            <a:endParaRPr lang="en-US" altLang="zh-CN" b="1" dirty="0" smtClean="0"/>
+          </a:p>
+        </p:txBody>
+      </p:sp>
+      <p:sp>
+        <p:nvSpPr>
+          <p:cNvPr id="3" name="文本框 2"/>
+          <p:cNvSpPr txBox="1"/>
+          <p:nvPr/>
+        </p:nvSpPr>
+        <p:spPr>
+          <a:xfrm>
+            <a:off x="2486025" y="2328227"/>
+            <a:ext cx="7741051" cy="369332"/>
+          </a:xfrm>
+          <a:prstGeom prst="rect">
+            <a:avLst/>
+          </a:prstGeom>
+          <a:noFill/>
+        </p:spPr>
+        <p:txBody>
+          <a:bodyPr wrap="square" rtlCol="0">
+            <a:spAutoFit/>
+          </a:bodyPr>
+          <a:lstStyle/>
+          <a:p>
+            <a:r>
+              <a:rPr lang="zh-CN" altLang="en-US" dirty="0"/>
+              <a:t>有四个函数用于临界区域。要使用这些函数</a:t>
+            </a:r>
+            <a:r>
+              <a:rPr lang="zh-CN" altLang="en-US" dirty="0" smtClean="0"/>
+              <a:t>，必须</a:t>
+            </a:r>
+            <a:r>
+              <a:rPr lang="zh-CN" altLang="en-US" dirty="0"/>
+              <a:t>定义一个临界区域</a:t>
+            </a:r>
+            <a:r>
+              <a:rPr lang="zh-CN" altLang="en-US" dirty="0" smtClean="0"/>
+              <a:t>对象。</a:t>
+            </a:r>
+            <a:endParaRPr lang="zh-CN" altLang="en-US" dirty="0"/>
+          </a:p>
+        </p:txBody>
+      </p:sp>
+      <p:sp>
+        <p:nvSpPr>
+          <p:cNvPr id="6" name="文本框 5"/>
+          <p:cNvSpPr txBox="1"/>
+          <p:nvPr/>
+        </p:nvSpPr>
+        <p:spPr>
+          <a:xfrm>
+            <a:off x="2486025" y="2733530"/>
+            <a:ext cx="2316794" cy="369332"/>
+          </a:xfrm>
+          <a:prstGeom prst="rect">
+            <a:avLst/>
+          </a:prstGeom>
+          <a:noFill/>
+        </p:spPr>
+        <p:txBody>
+          <a:bodyPr wrap="square" rtlCol="0">
+            <a:spAutoFit/>
+          </a:bodyPr>
+          <a:lstStyle/>
+          <a:p>
+            <a:r>
+              <a:rPr lang="en-US" altLang="zh-CN" dirty="0"/>
+              <a:t>CRITICAL_SECTION </a:t>
+            </a:r>
+            <a:r>
+              <a:rPr lang="en-US" altLang="zh-CN" dirty="0" err="1"/>
+              <a:t>cs</a:t>
+            </a:r>
+            <a:r>
+              <a:rPr lang="en-US" altLang="zh-CN" dirty="0"/>
+              <a:t> ; </a:t>
+            </a:r>
+            <a:endParaRPr lang="zh-CN" altLang="en-US" dirty="0"/>
+          </a:p>
+        </p:txBody>
+      </p:sp>
+      <p:sp>
+        <p:nvSpPr>
+          <p:cNvPr id="7" name="文本框 6"/>
+          <p:cNvSpPr txBox="1"/>
+          <p:nvPr/>
+        </p:nvSpPr>
+        <p:spPr>
+          <a:xfrm>
+            <a:off x="7639512" y="2733530"/>
+            <a:ext cx="2587564" cy="369332"/>
+          </a:xfrm>
+          <a:prstGeom prst="rect">
+            <a:avLst/>
+          </a:prstGeom>
+          <a:noFill/>
+        </p:spPr>
+        <p:txBody>
+          <a:bodyPr wrap="square" rtlCol="0">
+            <a:spAutoFit/>
+          </a:bodyPr>
+          <a:lstStyle/>
+          <a:p>
+            <a:r>
+              <a:rPr lang="en-US" altLang="zh-CN" dirty="0" smtClean="0"/>
+              <a:t>//</a:t>
+            </a:r>
+            <a:r>
+              <a:rPr lang="zh-CN" altLang="en-US" dirty="0" smtClean="0"/>
+              <a:t>定义一个临界区对象</a:t>
+            </a:r>
+            <a:endParaRPr lang="zh-CN" altLang="en-US" dirty="0"/>
+          </a:p>
+        </p:txBody>
+      </p:sp>
+      <p:sp>
+        <p:nvSpPr>
+          <p:cNvPr id="8" name="文本框 7"/>
+          <p:cNvSpPr txBox="1"/>
+          <p:nvPr/>
+        </p:nvSpPr>
+        <p:spPr>
+          <a:xfrm>
+            <a:off x="2486025" y="3138833"/>
+            <a:ext cx="3080274" cy="369332"/>
+          </a:xfrm>
+          <a:prstGeom prst="rect">
+            <a:avLst/>
+          </a:prstGeom>
+          <a:noFill/>
+        </p:spPr>
+        <p:txBody>
+          <a:bodyPr wrap="square" rtlCol="0">
+            <a:spAutoFit/>
+          </a:bodyPr>
+          <a:lstStyle/>
+          <a:p>
+            <a:r>
+              <a:rPr lang="en-US" altLang="zh-CN" dirty="0" err="1"/>
+              <a:t>InitializeCriticalSection</a:t>
+            </a:r>
+            <a:r>
+              <a:rPr lang="en-US" altLang="zh-CN" dirty="0"/>
+              <a:t> (&amp;</a:t>
+            </a:r>
+            <a:r>
+              <a:rPr lang="en-US" altLang="zh-CN" dirty="0" err="1"/>
+              <a:t>cs</a:t>
+            </a:r>
+            <a:r>
+              <a:rPr lang="en-US" altLang="zh-CN" dirty="0"/>
+              <a:t>) ; </a:t>
+            </a:r>
+            <a:endParaRPr lang="zh-CN" altLang="en-US" dirty="0"/>
+          </a:p>
+        </p:txBody>
+      </p:sp>
+      <p:sp>
+        <p:nvSpPr>
+          <p:cNvPr id="9" name="文本框 8"/>
+          <p:cNvSpPr txBox="1"/>
+          <p:nvPr/>
+        </p:nvSpPr>
+        <p:spPr>
+          <a:xfrm>
+            <a:off x="7639512" y="3141041"/>
+            <a:ext cx="2587564" cy="369332"/>
+          </a:xfrm>
+          <a:prstGeom prst="rect">
+            <a:avLst/>
+          </a:prstGeom>
+          <a:noFill/>
+        </p:spPr>
+        <p:txBody>
+          <a:bodyPr wrap="square" rtlCol="0">
+            <a:spAutoFit/>
+          </a:bodyPr>
+          <a:lstStyle/>
+          <a:p>
+            <a:r>
+              <a:rPr lang="en-US" altLang="zh-CN" dirty="0" smtClean="0"/>
+              <a:t>//</a:t>
+            </a:r>
+            <a:r>
+              <a:rPr lang="zh-CN" altLang="en-US" dirty="0" smtClean="0"/>
+              <a:t>初始化临界区对象</a:t>
+            </a:r>
+            <a:endParaRPr lang="zh-CN" altLang="en-US" dirty="0"/>
+          </a:p>
+        </p:txBody>
+      </p:sp>
+      <p:sp>
+        <p:nvSpPr>
+          <p:cNvPr id="10" name="文本框 9"/>
+          <p:cNvSpPr txBox="1"/>
+          <p:nvPr/>
+        </p:nvSpPr>
+        <p:spPr>
+          <a:xfrm>
+            <a:off x="2486025" y="3544136"/>
+            <a:ext cx="3080274" cy="369332"/>
+          </a:xfrm>
+          <a:prstGeom prst="rect">
+            <a:avLst/>
+          </a:prstGeom>
+          <a:noFill/>
+        </p:spPr>
+        <p:txBody>
+          <a:bodyPr wrap="square" rtlCol="0">
+            <a:spAutoFit/>
+          </a:bodyPr>
+          <a:lstStyle/>
+          <a:p>
+            <a:r>
+              <a:rPr lang="en-US" altLang="zh-CN" dirty="0" err="1"/>
+              <a:t>EnterCriticalSection</a:t>
+            </a:r>
+            <a:r>
+              <a:rPr lang="en-US" altLang="zh-CN" dirty="0"/>
+              <a:t> (&amp;</a:t>
+            </a:r>
+            <a:r>
+              <a:rPr lang="en-US" altLang="zh-CN" dirty="0" err="1"/>
+              <a:t>cs</a:t>
+            </a:r>
+            <a:r>
+              <a:rPr lang="en-US" altLang="zh-CN" dirty="0"/>
+              <a:t>) ; </a:t>
+            </a:r>
+            <a:endParaRPr lang="zh-CN" altLang="en-US" dirty="0"/>
+          </a:p>
+        </p:txBody>
+      </p:sp>
+      <p:sp>
+        <p:nvSpPr>
+          <p:cNvPr id="11" name="文本框 10"/>
+          <p:cNvSpPr txBox="1"/>
+          <p:nvPr/>
+        </p:nvSpPr>
+        <p:spPr>
+          <a:xfrm>
+            <a:off x="7639512" y="3544136"/>
+            <a:ext cx="2587564" cy="369332"/>
+          </a:xfrm>
+          <a:prstGeom prst="rect">
+            <a:avLst/>
+          </a:prstGeom>
+          <a:noFill/>
+        </p:spPr>
+        <p:txBody>
+          <a:bodyPr wrap="square" rtlCol="0">
+            <a:spAutoFit/>
+          </a:bodyPr>
+          <a:lstStyle/>
+          <a:p>
+            <a:r>
+              <a:rPr lang="en-US" altLang="zh-CN" dirty="0" smtClean="0"/>
+              <a:t>//</a:t>
+            </a:r>
+            <a:r>
+              <a:rPr lang="zh-CN" altLang="en-US" dirty="0" smtClean="0"/>
+              <a:t>呼叫临界区域</a:t>
+            </a:r>
+            <a:endParaRPr lang="zh-CN" altLang="en-US" dirty="0"/>
+          </a:p>
+        </p:txBody>
+      </p:sp>
+      <p:sp>
+        <p:nvSpPr>
+          <p:cNvPr id="12" name="文本框 11"/>
+          <p:cNvSpPr txBox="1"/>
+          <p:nvPr/>
+        </p:nvSpPr>
+        <p:spPr>
+          <a:xfrm>
+            <a:off x="2486025" y="3949439"/>
+            <a:ext cx="3080274" cy="369332"/>
+          </a:xfrm>
+          <a:prstGeom prst="rect">
+            <a:avLst/>
+          </a:prstGeom>
+          <a:noFill/>
+        </p:spPr>
+        <p:txBody>
+          <a:bodyPr wrap="square" rtlCol="0">
+            <a:spAutoFit/>
+          </a:bodyPr>
+          <a:lstStyle/>
+          <a:p>
+            <a:r>
+              <a:rPr lang="en-US" altLang="zh-CN" dirty="0" err="1"/>
+              <a:t>LeaveCriticalSection</a:t>
+            </a:r>
+            <a:r>
+              <a:rPr lang="en-US" altLang="zh-CN" dirty="0"/>
+              <a:t> (&amp;</a:t>
+            </a:r>
+            <a:r>
+              <a:rPr lang="en-US" altLang="zh-CN" dirty="0" err="1"/>
+              <a:t>cs</a:t>
+            </a:r>
+            <a:r>
+              <a:rPr lang="en-US" altLang="zh-CN" dirty="0"/>
+              <a:t>) ; </a:t>
+            </a:r>
+            <a:endParaRPr lang="zh-CN" altLang="en-US" dirty="0"/>
+          </a:p>
+        </p:txBody>
+      </p:sp>
+      <p:sp>
+        <p:nvSpPr>
+          <p:cNvPr id="13" name="文本框 12"/>
+          <p:cNvSpPr txBox="1"/>
+          <p:nvPr/>
+        </p:nvSpPr>
+        <p:spPr>
+          <a:xfrm>
+            <a:off x="7639512" y="3941109"/>
+            <a:ext cx="2587564" cy="369332"/>
+          </a:xfrm>
+          <a:prstGeom prst="rect">
+            <a:avLst/>
+          </a:prstGeom>
+          <a:noFill/>
+        </p:spPr>
+        <p:txBody>
+          <a:bodyPr wrap="square" rtlCol="0">
+            <a:spAutoFit/>
+          </a:bodyPr>
+          <a:lstStyle/>
+          <a:p>
+            <a:r>
+              <a:rPr lang="en-US" altLang="zh-CN" dirty="0" smtClean="0"/>
+              <a:t>//</a:t>
+            </a:r>
+            <a:r>
+              <a:rPr lang="zh-CN" altLang="en-US" dirty="0" smtClean="0"/>
+              <a:t>呼叫离开临界区域</a:t>
+            </a:r>
+            <a:endParaRPr lang="zh-CN" altLang="en-US" dirty="0"/>
+          </a:p>
+        </p:txBody>
+      </p:sp>
+      <p:sp>
+        <p:nvSpPr>
+          <p:cNvPr id="14" name="文本框 13"/>
+          <p:cNvSpPr txBox="1"/>
+          <p:nvPr/>
+        </p:nvSpPr>
+        <p:spPr>
+          <a:xfrm>
+            <a:off x="2486025" y="4354742"/>
+            <a:ext cx="3080274" cy="369332"/>
+          </a:xfrm>
+          <a:prstGeom prst="rect">
+            <a:avLst/>
+          </a:prstGeom>
+          <a:noFill/>
+        </p:spPr>
+        <p:txBody>
+          <a:bodyPr wrap="square" rtlCol="0">
+            <a:spAutoFit/>
+          </a:bodyPr>
+          <a:lstStyle/>
+          <a:p>
+            <a:r>
+              <a:rPr lang="en-US" altLang="zh-CN" dirty="0" err="1"/>
+              <a:t>DeleteCriticalSection</a:t>
+            </a:r>
+            <a:r>
+              <a:rPr lang="en-US" altLang="zh-CN" dirty="0"/>
+              <a:t> (&amp;</a:t>
+            </a:r>
+            <a:r>
+              <a:rPr lang="en-US" altLang="zh-CN" dirty="0" err="1"/>
+              <a:t>cs</a:t>
+            </a:r>
+            <a:r>
+              <a:rPr lang="en-US" altLang="zh-CN" dirty="0"/>
+              <a:t>) ; </a:t>
+            </a:r>
+            <a:endParaRPr lang="zh-CN" altLang="en-US" dirty="0"/>
+          </a:p>
+        </p:txBody>
+      </p:sp>
+      <p:sp>
+        <p:nvSpPr>
+          <p:cNvPr id="15" name="文本框 14"/>
+          <p:cNvSpPr txBox="1"/>
+          <p:nvPr/>
+        </p:nvSpPr>
+        <p:spPr>
+          <a:xfrm>
+            <a:off x="7639512" y="4354742"/>
+            <a:ext cx="2587564" cy="369332"/>
+          </a:xfrm>
+          <a:prstGeom prst="rect">
+            <a:avLst/>
+          </a:prstGeom>
+          <a:noFill/>
+        </p:spPr>
+        <p:txBody>
+          <a:bodyPr wrap="square" rtlCol="0">
+            <a:spAutoFit/>
+          </a:bodyPr>
+          <a:lstStyle/>
+          <a:p>
+            <a:r>
+              <a:rPr lang="en-US" altLang="zh-CN" dirty="0" smtClean="0"/>
+              <a:t>//</a:t>
+            </a:r>
+            <a:r>
+              <a:rPr lang="zh-CN" altLang="en-US" dirty="0" smtClean="0"/>
+              <a:t>删除临界区域</a:t>
+            </a:r>
+            <a:endParaRPr lang="zh-CN" altLang="en-US" dirty="0"/>
+          </a:p>
+        </p:txBody>
+      </p:sp>
+      <p:sp>
+        <p:nvSpPr>
+          <p:cNvPr id="16" name="文本框 15"/>
+          <p:cNvSpPr txBox="1"/>
+          <p:nvPr/>
+        </p:nvSpPr>
+        <p:spPr>
+          <a:xfrm>
+            <a:off x="2672179" y="3949439"/>
+            <a:ext cx="4447712" cy="923330"/>
+          </a:xfrm>
+          <a:prstGeom prst="rect">
+            <a:avLst/>
+          </a:prstGeom>
+          <a:noFill/>
+        </p:spPr>
+        <p:txBody>
+          <a:bodyPr wrap="square" rtlCol="0">
+            <a:spAutoFit/>
+          </a:bodyPr>
+          <a:lstStyle/>
+          <a:p>
+            <a:r>
+              <a:rPr lang="en-US" altLang="zh-CN" b="1" dirty="0" smtClean="0"/>
+              <a:t>{</a:t>
+            </a:r>
+          </a:p>
+          <a:p>
+            <a:r>
+              <a:rPr lang="en-US" altLang="zh-CN" b="1" dirty="0" smtClean="0"/>
+              <a:t>	</a:t>
+            </a:r>
+            <a:r>
+              <a:rPr lang="zh-CN" altLang="en-US" b="1" dirty="0" smtClean="0"/>
+              <a:t>代码；</a:t>
+            </a:r>
+            <a:endParaRPr lang="en-US" altLang="zh-CN" b="1" dirty="0"/>
+          </a:p>
+          <a:p>
+            <a:r>
+              <a:rPr lang="en-US" altLang="zh-CN" b="1" dirty="0" smtClean="0"/>
+              <a:t>}</a:t>
+            </a:r>
+            <a:endParaRPr lang="zh-CN" altLang="en-US" b="1" dirty="0"/>
+          </a:p>
+        </p:txBody>
+      </p:sp>
     </p:spTree>
     <p:extLst>
       <p:ext uri="{BB962C8B-B14F-4D97-AF65-F5344CB8AC3E}">
-        <p14:creationId xmlns:p14="http://schemas.microsoft.com/office/powerpoint/2010/main" xmlns="" val="3104299286"/>
+        <p14:creationId xmlns:p14="http://schemas.microsoft.com/office/powerpoint/2010/main" val="3104299286"/>
       </p:ext>
     </p:extLst>
   </p:cSld>
@@ -9493,9 +11847,1727 @@
   <p:timing>
     <p:tnLst>
       <p:par>
-        <p:cTn id="1" dur="indefinite" restart="never" nodeType="tmRoot"/>
+        <p:cTn id="1" dur="indefinite" restart="never" nodeType="tmRoot">
+          <p:childTnLst>
+            <p:seq concurrent="1" nextAc="seek">
+              <p:cTn id="2" dur="indefinite" nodeType="mainSeq">
+                <p:childTnLst>
+                  <p:par>
+                    <p:cTn id="3" fill="hold">
+                      <p:stCondLst>
+                        <p:cond delay="indefinite"/>
+                      </p:stCondLst>
+                      <p:childTnLst>
+                        <p:par>
+                          <p:cTn id="4" fill="hold">
+                            <p:stCondLst>
+                              <p:cond delay="0"/>
+                            </p:stCondLst>
+                            <p:childTnLst>
+                              <p:par>
+                                <p:cTn id="5" presetID="2" presetClass="entr" presetSubtype="1" fill="hold" grpId="0" nodeType="clickEffect">
+                                  <p:stCondLst>
+                                    <p:cond delay="0"/>
+                                  </p:stCondLst>
+                                  <p:childTnLst>
+                                    <p:set>
+                                      <p:cBhvr>
+                                        <p:cTn id="6" dur="1" fill="hold">
+                                          <p:stCondLst>
+                                            <p:cond delay="0"/>
+                                          </p:stCondLst>
+                                        </p:cTn>
+                                        <p:tgtEl>
+                                          <p:spTgt spid="2"/>
+                                        </p:tgtEl>
+                                        <p:attrNameLst>
+                                          <p:attrName>style.visibility</p:attrName>
+                                        </p:attrNameLst>
+                                      </p:cBhvr>
+                                      <p:to>
+                                        <p:strVal val="visible"/>
+                                      </p:to>
+                                    </p:set>
+                                    <p:anim calcmode="lin" valueType="num">
+                                      <p:cBhvr additive="base">
+                                        <p:cTn id="7" dur="500" fill="hold"/>
+                                        <p:tgtEl>
+                                          <p:spTgt spid="2"/>
+                                        </p:tgtEl>
+                                        <p:attrNameLst>
+                                          <p:attrName>ppt_x</p:attrName>
+                                        </p:attrNameLst>
+                                      </p:cBhvr>
+                                      <p:tavLst>
+                                        <p:tav tm="0">
+                                          <p:val>
+                                            <p:strVal val="#ppt_x"/>
+                                          </p:val>
+                                        </p:tav>
+                                        <p:tav tm="100000">
+                                          <p:val>
+                                            <p:strVal val="#ppt_x"/>
+                                          </p:val>
+                                        </p:tav>
+                                      </p:tavLst>
+                                    </p:anim>
+                                    <p:anim calcmode="lin" valueType="num">
+                                      <p:cBhvr additive="base">
+                                        <p:cTn id="8" dur="500" fill="hold"/>
+                                        <p:tgtEl>
+                                          <p:spTgt spid="2"/>
+                                        </p:tgtEl>
+                                        <p:attrNameLst>
+                                          <p:attrName>ppt_y</p:attrName>
+                                        </p:attrNameLst>
+                                      </p:cBhvr>
+                                      <p:tavLst>
+                                        <p:tav tm="0">
+                                          <p:val>
+                                            <p:strVal val="0-#ppt_h/2"/>
+                                          </p:val>
+                                        </p:tav>
+                                        <p:tav tm="100000">
+                                          <p:val>
+                                            <p:strVal val="#ppt_y"/>
+                                          </p:val>
+                                        </p:tav>
+                                      </p:tavLst>
+                                    </p:anim>
+                                  </p:childTnLst>
+                                </p:cTn>
+                              </p:par>
+                            </p:childTnLst>
+                          </p:cTn>
+                        </p:par>
+                      </p:childTnLst>
+                    </p:cTn>
+                  </p:par>
+                  <p:par>
+                    <p:cTn id="9" fill="hold">
+                      <p:stCondLst>
+                        <p:cond delay="indefinite"/>
+                      </p:stCondLst>
+                      <p:childTnLst>
+                        <p:par>
+                          <p:cTn id="10" fill="hold">
+                            <p:stCondLst>
+                              <p:cond delay="0"/>
+                            </p:stCondLst>
+                            <p:childTnLst>
+                              <p:par>
+                                <p:cTn id="11" presetID="2" presetClass="entr" presetSubtype="2" fill="hold" grpId="0" nodeType="clickEffect">
+                                  <p:stCondLst>
+                                    <p:cond delay="0"/>
+                                  </p:stCondLst>
+                                  <p:childTnLst>
+                                    <p:set>
+                                      <p:cBhvr>
+                                        <p:cTn id="12" dur="1" fill="hold">
+                                          <p:stCondLst>
+                                            <p:cond delay="0"/>
+                                          </p:stCondLst>
+                                        </p:cTn>
+                                        <p:tgtEl>
+                                          <p:spTgt spid="3"/>
+                                        </p:tgtEl>
+                                        <p:attrNameLst>
+                                          <p:attrName>style.visibility</p:attrName>
+                                        </p:attrNameLst>
+                                      </p:cBhvr>
+                                      <p:to>
+                                        <p:strVal val="visible"/>
+                                      </p:to>
+                                    </p:set>
+                                    <p:anim calcmode="lin" valueType="num">
+                                      <p:cBhvr additive="base">
+                                        <p:cTn id="13" dur="500" fill="hold"/>
+                                        <p:tgtEl>
+                                          <p:spTgt spid="3"/>
+                                        </p:tgtEl>
+                                        <p:attrNameLst>
+                                          <p:attrName>ppt_x</p:attrName>
+                                        </p:attrNameLst>
+                                      </p:cBhvr>
+                                      <p:tavLst>
+                                        <p:tav tm="0">
+                                          <p:val>
+                                            <p:strVal val="1+#ppt_w/2"/>
+                                          </p:val>
+                                        </p:tav>
+                                        <p:tav tm="100000">
+                                          <p:val>
+                                            <p:strVal val="#ppt_x"/>
+                                          </p:val>
+                                        </p:tav>
+                                      </p:tavLst>
+                                    </p:anim>
+                                    <p:anim calcmode="lin" valueType="num">
+                                      <p:cBhvr additive="base">
+                                        <p:cTn id="14" dur="500" fill="hold"/>
+                                        <p:tgtEl>
+                                          <p:spTgt spid="3"/>
+                                        </p:tgtEl>
+                                        <p:attrNameLst>
+                                          <p:attrName>ppt_y</p:attrName>
+                                        </p:attrNameLst>
+                                      </p:cBhvr>
+                                      <p:tavLst>
+                                        <p:tav tm="0">
+                                          <p:val>
+                                            <p:strVal val="#ppt_y"/>
+                                          </p:val>
+                                        </p:tav>
+                                        <p:tav tm="100000">
+                                          <p:val>
+                                            <p:strVal val="#ppt_y"/>
+                                          </p:val>
+                                        </p:tav>
+                                      </p:tavLst>
+                                    </p:anim>
+                                  </p:childTnLst>
+                                </p:cTn>
+                              </p:par>
+                            </p:childTnLst>
+                          </p:cTn>
+                        </p:par>
+                      </p:childTnLst>
+                    </p:cTn>
+                  </p:par>
+                  <p:par>
+                    <p:cTn id="15" fill="hold">
+                      <p:stCondLst>
+                        <p:cond delay="indefinite"/>
+                      </p:stCondLst>
+                      <p:childTnLst>
+                        <p:par>
+                          <p:cTn id="16" fill="hold">
+                            <p:stCondLst>
+                              <p:cond delay="0"/>
+                            </p:stCondLst>
+                            <p:childTnLst>
+                              <p:par>
+                                <p:cTn id="17" presetID="2" presetClass="entr" presetSubtype="2" fill="hold" grpId="0" nodeType="clickEffect">
+                                  <p:stCondLst>
+                                    <p:cond delay="0"/>
+                                  </p:stCondLst>
+                                  <p:childTnLst>
+                                    <p:set>
+                                      <p:cBhvr>
+                                        <p:cTn id="18" dur="1" fill="hold">
+                                          <p:stCondLst>
+                                            <p:cond delay="0"/>
+                                          </p:stCondLst>
+                                        </p:cTn>
+                                        <p:tgtEl>
+                                          <p:spTgt spid="6"/>
+                                        </p:tgtEl>
+                                        <p:attrNameLst>
+                                          <p:attrName>style.visibility</p:attrName>
+                                        </p:attrNameLst>
+                                      </p:cBhvr>
+                                      <p:to>
+                                        <p:strVal val="visible"/>
+                                      </p:to>
+                                    </p:set>
+                                    <p:anim calcmode="lin" valueType="num">
+                                      <p:cBhvr additive="base">
+                                        <p:cTn id="19" dur="500" fill="hold"/>
+                                        <p:tgtEl>
+                                          <p:spTgt spid="6"/>
+                                        </p:tgtEl>
+                                        <p:attrNameLst>
+                                          <p:attrName>ppt_x</p:attrName>
+                                        </p:attrNameLst>
+                                      </p:cBhvr>
+                                      <p:tavLst>
+                                        <p:tav tm="0">
+                                          <p:val>
+                                            <p:strVal val="1+#ppt_w/2"/>
+                                          </p:val>
+                                        </p:tav>
+                                        <p:tav tm="100000">
+                                          <p:val>
+                                            <p:strVal val="#ppt_x"/>
+                                          </p:val>
+                                        </p:tav>
+                                      </p:tavLst>
+                                    </p:anim>
+                                    <p:anim calcmode="lin" valueType="num">
+                                      <p:cBhvr additive="base">
+                                        <p:cTn id="20" dur="500" fill="hold"/>
+                                        <p:tgtEl>
+                                          <p:spTgt spid="6"/>
+                                        </p:tgtEl>
+                                        <p:attrNameLst>
+                                          <p:attrName>ppt_y</p:attrName>
+                                        </p:attrNameLst>
+                                      </p:cBhvr>
+                                      <p:tavLst>
+                                        <p:tav tm="0">
+                                          <p:val>
+                                            <p:strVal val="#ppt_y"/>
+                                          </p:val>
+                                        </p:tav>
+                                        <p:tav tm="100000">
+                                          <p:val>
+                                            <p:strVal val="#ppt_y"/>
+                                          </p:val>
+                                        </p:tav>
+                                      </p:tavLst>
+                                    </p:anim>
+                                  </p:childTnLst>
+                                </p:cTn>
+                              </p:par>
+                              <p:par>
+                                <p:cTn id="21" presetID="2" presetClass="entr" presetSubtype="2" fill="hold" grpId="0" nodeType="withEffect">
+                                  <p:stCondLst>
+                                    <p:cond delay="0"/>
+                                  </p:stCondLst>
+                                  <p:childTnLst>
+                                    <p:set>
+                                      <p:cBhvr>
+                                        <p:cTn id="22" dur="1" fill="hold">
+                                          <p:stCondLst>
+                                            <p:cond delay="0"/>
+                                          </p:stCondLst>
+                                        </p:cTn>
+                                        <p:tgtEl>
+                                          <p:spTgt spid="7"/>
+                                        </p:tgtEl>
+                                        <p:attrNameLst>
+                                          <p:attrName>style.visibility</p:attrName>
+                                        </p:attrNameLst>
+                                      </p:cBhvr>
+                                      <p:to>
+                                        <p:strVal val="visible"/>
+                                      </p:to>
+                                    </p:set>
+                                    <p:anim calcmode="lin" valueType="num">
+                                      <p:cBhvr additive="base">
+                                        <p:cTn id="23" dur="500" fill="hold"/>
+                                        <p:tgtEl>
+                                          <p:spTgt spid="7"/>
+                                        </p:tgtEl>
+                                        <p:attrNameLst>
+                                          <p:attrName>ppt_x</p:attrName>
+                                        </p:attrNameLst>
+                                      </p:cBhvr>
+                                      <p:tavLst>
+                                        <p:tav tm="0">
+                                          <p:val>
+                                            <p:strVal val="1+#ppt_w/2"/>
+                                          </p:val>
+                                        </p:tav>
+                                        <p:tav tm="100000">
+                                          <p:val>
+                                            <p:strVal val="#ppt_x"/>
+                                          </p:val>
+                                        </p:tav>
+                                      </p:tavLst>
+                                    </p:anim>
+                                    <p:anim calcmode="lin" valueType="num">
+                                      <p:cBhvr additive="base">
+                                        <p:cTn id="24" dur="500" fill="hold"/>
+                                        <p:tgtEl>
+                                          <p:spTgt spid="7"/>
+                                        </p:tgtEl>
+                                        <p:attrNameLst>
+                                          <p:attrName>ppt_y</p:attrName>
+                                        </p:attrNameLst>
+                                      </p:cBhvr>
+                                      <p:tavLst>
+                                        <p:tav tm="0">
+                                          <p:val>
+                                            <p:strVal val="#ppt_y"/>
+                                          </p:val>
+                                        </p:tav>
+                                        <p:tav tm="100000">
+                                          <p:val>
+                                            <p:strVal val="#ppt_y"/>
+                                          </p:val>
+                                        </p:tav>
+                                      </p:tavLst>
+                                    </p:anim>
+                                  </p:childTnLst>
+                                </p:cTn>
+                              </p:par>
+                            </p:childTnLst>
+                          </p:cTn>
+                        </p:par>
+                      </p:childTnLst>
+                    </p:cTn>
+                  </p:par>
+                  <p:par>
+                    <p:cTn id="25" fill="hold">
+                      <p:stCondLst>
+                        <p:cond delay="indefinite"/>
+                      </p:stCondLst>
+                      <p:childTnLst>
+                        <p:par>
+                          <p:cTn id="26" fill="hold">
+                            <p:stCondLst>
+                              <p:cond delay="0"/>
+                            </p:stCondLst>
+                            <p:childTnLst>
+                              <p:par>
+                                <p:cTn id="27" presetID="2" presetClass="entr" presetSubtype="2" fill="hold" grpId="0" nodeType="clickEffect">
+                                  <p:stCondLst>
+                                    <p:cond delay="0"/>
+                                  </p:stCondLst>
+                                  <p:childTnLst>
+                                    <p:set>
+                                      <p:cBhvr>
+                                        <p:cTn id="28" dur="1" fill="hold">
+                                          <p:stCondLst>
+                                            <p:cond delay="0"/>
+                                          </p:stCondLst>
+                                        </p:cTn>
+                                        <p:tgtEl>
+                                          <p:spTgt spid="8"/>
+                                        </p:tgtEl>
+                                        <p:attrNameLst>
+                                          <p:attrName>style.visibility</p:attrName>
+                                        </p:attrNameLst>
+                                      </p:cBhvr>
+                                      <p:to>
+                                        <p:strVal val="visible"/>
+                                      </p:to>
+                                    </p:set>
+                                    <p:anim calcmode="lin" valueType="num">
+                                      <p:cBhvr additive="base">
+                                        <p:cTn id="29" dur="500" fill="hold"/>
+                                        <p:tgtEl>
+                                          <p:spTgt spid="8"/>
+                                        </p:tgtEl>
+                                        <p:attrNameLst>
+                                          <p:attrName>ppt_x</p:attrName>
+                                        </p:attrNameLst>
+                                      </p:cBhvr>
+                                      <p:tavLst>
+                                        <p:tav tm="0">
+                                          <p:val>
+                                            <p:strVal val="1+#ppt_w/2"/>
+                                          </p:val>
+                                        </p:tav>
+                                        <p:tav tm="100000">
+                                          <p:val>
+                                            <p:strVal val="#ppt_x"/>
+                                          </p:val>
+                                        </p:tav>
+                                      </p:tavLst>
+                                    </p:anim>
+                                    <p:anim calcmode="lin" valueType="num">
+                                      <p:cBhvr additive="base">
+                                        <p:cTn id="30" dur="500" fill="hold"/>
+                                        <p:tgtEl>
+                                          <p:spTgt spid="8"/>
+                                        </p:tgtEl>
+                                        <p:attrNameLst>
+                                          <p:attrName>ppt_y</p:attrName>
+                                        </p:attrNameLst>
+                                      </p:cBhvr>
+                                      <p:tavLst>
+                                        <p:tav tm="0">
+                                          <p:val>
+                                            <p:strVal val="#ppt_y"/>
+                                          </p:val>
+                                        </p:tav>
+                                        <p:tav tm="100000">
+                                          <p:val>
+                                            <p:strVal val="#ppt_y"/>
+                                          </p:val>
+                                        </p:tav>
+                                      </p:tavLst>
+                                    </p:anim>
+                                  </p:childTnLst>
+                                </p:cTn>
+                              </p:par>
+                              <p:par>
+                                <p:cTn id="31" presetID="2" presetClass="entr" presetSubtype="2" fill="hold" grpId="0" nodeType="withEffect">
+                                  <p:stCondLst>
+                                    <p:cond delay="0"/>
+                                  </p:stCondLst>
+                                  <p:childTnLst>
+                                    <p:set>
+                                      <p:cBhvr>
+                                        <p:cTn id="32" dur="1" fill="hold">
+                                          <p:stCondLst>
+                                            <p:cond delay="0"/>
+                                          </p:stCondLst>
+                                        </p:cTn>
+                                        <p:tgtEl>
+                                          <p:spTgt spid="9"/>
+                                        </p:tgtEl>
+                                        <p:attrNameLst>
+                                          <p:attrName>style.visibility</p:attrName>
+                                        </p:attrNameLst>
+                                      </p:cBhvr>
+                                      <p:to>
+                                        <p:strVal val="visible"/>
+                                      </p:to>
+                                    </p:set>
+                                    <p:anim calcmode="lin" valueType="num">
+                                      <p:cBhvr additive="base">
+                                        <p:cTn id="33" dur="500" fill="hold"/>
+                                        <p:tgtEl>
+                                          <p:spTgt spid="9"/>
+                                        </p:tgtEl>
+                                        <p:attrNameLst>
+                                          <p:attrName>ppt_x</p:attrName>
+                                        </p:attrNameLst>
+                                      </p:cBhvr>
+                                      <p:tavLst>
+                                        <p:tav tm="0">
+                                          <p:val>
+                                            <p:strVal val="1+#ppt_w/2"/>
+                                          </p:val>
+                                        </p:tav>
+                                        <p:tav tm="100000">
+                                          <p:val>
+                                            <p:strVal val="#ppt_x"/>
+                                          </p:val>
+                                        </p:tav>
+                                      </p:tavLst>
+                                    </p:anim>
+                                    <p:anim calcmode="lin" valueType="num">
+                                      <p:cBhvr additive="base">
+                                        <p:cTn id="34" dur="500" fill="hold"/>
+                                        <p:tgtEl>
+                                          <p:spTgt spid="9"/>
+                                        </p:tgtEl>
+                                        <p:attrNameLst>
+                                          <p:attrName>ppt_y</p:attrName>
+                                        </p:attrNameLst>
+                                      </p:cBhvr>
+                                      <p:tavLst>
+                                        <p:tav tm="0">
+                                          <p:val>
+                                            <p:strVal val="#ppt_y"/>
+                                          </p:val>
+                                        </p:tav>
+                                        <p:tav tm="100000">
+                                          <p:val>
+                                            <p:strVal val="#ppt_y"/>
+                                          </p:val>
+                                        </p:tav>
+                                      </p:tavLst>
+                                    </p:anim>
+                                  </p:childTnLst>
+                                </p:cTn>
+                              </p:par>
+                            </p:childTnLst>
+                          </p:cTn>
+                        </p:par>
+                      </p:childTnLst>
+                    </p:cTn>
+                  </p:par>
+                  <p:par>
+                    <p:cTn id="35" fill="hold">
+                      <p:stCondLst>
+                        <p:cond delay="indefinite"/>
+                      </p:stCondLst>
+                      <p:childTnLst>
+                        <p:par>
+                          <p:cTn id="36" fill="hold">
+                            <p:stCondLst>
+                              <p:cond delay="0"/>
+                            </p:stCondLst>
+                            <p:childTnLst>
+                              <p:par>
+                                <p:cTn id="37" presetID="2" presetClass="entr" presetSubtype="2" fill="hold" grpId="0" nodeType="clickEffect">
+                                  <p:stCondLst>
+                                    <p:cond delay="0"/>
+                                  </p:stCondLst>
+                                  <p:childTnLst>
+                                    <p:set>
+                                      <p:cBhvr>
+                                        <p:cTn id="38" dur="1" fill="hold">
+                                          <p:stCondLst>
+                                            <p:cond delay="0"/>
+                                          </p:stCondLst>
+                                        </p:cTn>
+                                        <p:tgtEl>
+                                          <p:spTgt spid="10"/>
+                                        </p:tgtEl>
+                                        <p:attrNameLst>
+                                          <p:attrName>style.visibility</p:attrName>
+                                        </p:attrNameLst>
+                                      </p:cBhvr>
+                                      <p:to>
+                                        <p:strVal val="visible"/>
+                                      </p:to>
+                                    </p:set>
+                                    <p:anim calcmode="lin" valueType="num">
+                                      <p:cBhvr additive="base">
+                                        <p:cTn id="39" dur="500" fill="hold"/>
+                                        <p:tgtEl>
+                                          <p:spTgt spid="10"/>
+                                        </p:tgtEl>
+                                        <p:attrNameLst>
+                                          <p:attrName>ppt_x</p:attrName>
+                                        </p:attrNameLst>
+                                      </p:cBhvr>
+                                      <p:tavLst>
+                                        <p:tav tm="0">
+                                          <p:val>
+                                            <p:strVal val="1+#ppt_w/2"/>
+                                          </p:val>
+                                        </p:tav>
+                                        <p:tav tm="100000">
+                                          <p:val>
+                                            <p:strVal val="#ppt_x"/>
+                                          </p:val>
+                                        </p:tav>
+                                      </p:tavLst>
+                                    </p:anim>
+                                    <p:anim calcmode="lin" valueType="num">
+                                      <p:cBhvr additive="base">
+                                        <p:cTn id="40" dur="500" fill="hold"/>
+                                        <p:tgtEl>
+                                          <p:spTgt spid="10"/>
+                                        </p:tgtEl>
+                                        <p:attrNameLst>
+                                          <p:attrName>ppt_y</p:attrName>
+                                        </p:attrNameLst>
+                                      </p:cBhvr>
+                                      <p:tavLst>
+                                        <p:tav tm="0">
+                                          <p:val>
+                                            <p:strVal val="#ppt_y"/>
+                                          </p:val>
+                                        </p:tav>
+                                        <p:tav tm="100000">
+                                          <p:val>
+                                            <p:strVal val="#ppt_y"/>
+                                          </p:val>
+                                        </p:tav>
+                                      </p:tavLst>
+                                    </p:anim>
+                                  </p:childTnLst>
+                                </p:cTn>
+                              </p:par>
+                              <p:par>
+                                <p:cTn id="41" presetID="2" presetClass="entr" presetSubtype="2" fill="hold" grpId="0" nodeType="withEffect">
+                                  <p:stCondLst>
+                                    <p:cond delay="0"/>
+                                  </p:stCondLst>
+                                  <p:childTnLst>
+                                    <p:set>
+                                      <p:cBhvr>
+                                        <p:cTn id="42" dur="1" fill="hold">
+                                          <p:stCondLst>
+                                            <p:cond delay="0"/>
+                                          </p:stCondLst>
+                                        </p:cTn>
+                                        <p:tgtEl>
+                                          <p:spTgt spid="11"/>
+                                        </p:tgtEl>
+                                        <p:attrNameLst>
+                                          <p:attrName>style.visibility</p:attrName>
+                                        </p:attrNameLst>
+                                      </p:cBhvr>
+                                      <p:to>
+                                        <p:strVal val="visible"/>
+                                      </p:to>
+                                    </p:set>
+                                    <p:anim calcmode="lin" valueType="num">
+                                      <p:cBhvr additive="base">
+                                        <p:cTn id="43" dur="500" fill="hold"/>
+                                        <p:tgtEl>
+                                          <p:spTgt spid="11"/>
+                                        </p:tgtEl>
+                                        <p:attrNameLst>
+                                          <p:attrName>ppt_x</p:attrName>
+                                        </p:attrNameLst>
+                                      </p:cBhvr>
+                                      <p:tavLst>
+                                        <p:tav tm="0">
+                                          <p:val>
+                                            <p:strVal val="1+#ppt_w/2"/>
+                                          </p:val>
+                                        </p:tav>
+                                        <p:tav tm="100000">
+                                          <p:val>
+                                            <p:strVal val="#ppt_x"/>
+                                          </p:val>
+                                        </p:tav>
+                                      </p:tavLst>
+                                    </p:anim>
+                                    <p:anim calcmode="lin" valueType="num">
+                                      <p:cBhvr additive="base">
+                                        <p:cTn id="44" dur="500" fill="hold"/>
+                                        <p:tgtEl>
+                                          <p:spTgt spid="11"/>
+                                        </p:tgtEl>
+                                        <p:attrNameLst>
+                                          <p:attrName>ppt_y</p:attrName>
+                                        </p:attrNameLst>
+                                      </p:cBhvr>
+                                      <p:tavLst>
+                                        <p:tav tm="0">
+                                          <p:val>
+                                            <p:strVal val="#ppt_y"/>
+                                          </p:val>
+                                        </p:tav>
+                                        <p:tav tm="100000">
+                                          <p:val>
+                                            <p:strVal val="#ppt_y"/>
+                                          </p:val>
+                                        </p:tav>
+                                      </p:tavLst>
+                                    </p:anim>
+                                  </p:childTnLst>
+                                </p:cTn>
+                              </p:par>
+                            </p:childTnLst>
+                          </p:cTn>
+                        </p:par>
+                      </p:childTnLst>
+                    </p:cTn>
+                  </p:par>
+                  <p:par>
+                    <p:cTn id="45" fill="hold">
+                      <p:stCondLst>
+                        <p:cond delay="indefinite"/>
+                      </p:stCondLst>
+                      <p:childTnLst>
+                        <p:par>
+                          <p:cTn id="46" fill="hold">
+                            <p:stCondLst>
+                              <p:cond delay="0"/>
+                            </p:stCondLst>
+                            <p:childTnLst>
+                              <p:par>
+                                <p:cTn id="47" presetID="2" presetClass="entr" presetSubtype="2" fill="hold" grpId="0" nodeType="clickEffect">
+                                  <p:stCondLst>
+                                    <p:cond delay="0"/>
+                                  </p:stCondLst>
+                                  <p:childTnLst>
+                                    <p:set>
+                                      <p:cBhvr>
+                                        <p:cTn id="48" dur="1" fill="hold">
+                                          <p:stCondLst>
+                                            <p:cond delay="0"/>
+                                          </p:stCondLst>
+                                        </p:cTn>
+                                        <p:tgtEl>
+                                          <p:spTgt spid="12"/>
+                                        </p:tgtEl>
+                                        <p:attrNameLst>
+                                          <p:attrName>style.visibility</p:attrName>
+                                        </p:attrNameLst>
+                                      </p:cBhvr>
+                                      <p:to>
+                                        <p:strVal val="visible"/>
+                                      </p:to>
+                                    </p:set>
+                                    <p:anim calcmode="lin" valueType="num">
+                                      <p:cBhvr additive="base">
+                                        <p:cTn id="49" dur="500" fill="hold"/>
+                                        <p:tgtEl>
+                                          <p:spTgt spid="12"/>
+                                        </p:tgtEl>
+                                        <p:attrNameLst>
+                                          <p:attrName>ppt_x</p:attrName>
+                                        </p:attrNameLst>
+                                      </p:cBhvr>
+                                      <p:tavLst>
+                                        <p:tav tm="0">
+                                          <p:val>
+                                            <p:strVal val="1+#ppt_w/2"/>
+                                          </p:val>
+                                        </p:tav>
+                                        <p:tav tm="100000">
+                                          <p:val>
+                                            <p:strVal val="#ppt_x"/>
+                                          </p:val>
+                                        </p:tav>
+                                      </p:tavLst>
+                                    </p:anim>
+                                    <p:anim calcmode="lin" valueType="num">
+                                      <p:cBhvr additive="base">
+                                        <p:cTn id="50" dur="500" fill="hold"/>
+                                        <p:tgtEl>
+                                          <p:spTgt spid="12"/>
+                                        </p:tgtEl>
+                                        <p:attrNameLst>
+                                          <p:attrName>ppt_y</p:attrName>
+                                        </p:attrNameLst>
+                                      </p:cBhvr>
+                                      <p:tavLst>
+                                        <p:tav tm="0">
+                                          <p:val>
+                                            <p:strVal val="#ppt_y"/>
+                                          </p:val>
+                                        </p:tav>
+                                        <p:tav tm="100000">
+                                          <p:val>
+                                            <p:strVal val="#ppt_y"/>
+                                          </p:val>
+                                        </p:tav>
+                                      </p:tavLst>
+                                    </p:anim>
+                                  </p:childTnLst>
+                                </p:cTn>
+                              </p:par>
+                              <p:par>
+                                <p:cTn id="51" presetID="2" presetClass="entr" presetSubtype="2" fill="hold" grpId="0" nodeType="withEffect">
+                                  <p:stCondLst>
+                                    <p:cond delay="0"/>
+                                  </p:stCondLst>
+                                  <p:childTnLst>
+                                    <p:set>
+                                      <p:cBhvr>
+                                        <p:cTn id="52" dur="1" fill="hold">
+                                          <p:stCondLst>
+                                            <p:cond delay="0"/>
+                                          </p:stCondLst>
+                                        </p:cTn>
+                                        <p:tgtEl>
+                                          <p:spTgt spid="13"/>
+                                        </p:tgtEl>
+                                        <p:attrNameLst>
+                                          <p:attrName>style.visibility</p:attrName>
+                                        </p:attrNameLst>
+                                      </p:cBhvr>
+                                      <p:to>
+                                        <p:strVal val="visible"/>
+                                      </p:to>
+                                    </p:set>
+                                    <p:anim calcmode="lin" valueType="num">
+                                      <p:cBhvr additive="base">
+                                        <p:cTn id="53" dur="500" fill="hold"/>
+                                        <p:tgtEl>
+                                          <p:spTgt spid="13"/>
+                                        </p:tgtEl>
+                                        <p:attrNameLst>
+                                          <p:attrName>ppt_x</p:attrName>
+                                        </p:attrNameLst>
+                                      </p:cBhvr>
+                                      <p:tavLst>
+                                        <p:tav tm="0">
+                                          <p:val>
+                                            <p:strVal val="1+#ppt_w/2"/>
+                                          </p:val>
+                                        </p:tav>
+                                        <p:tav tm="100000">
+                                          <p:val>
+                                            <p:strVal val="#ppt_x"/>
+                                          </p:val>
+                                        </p:tav>
+                                      </p:tavLst>
+                                    </p:anim>
+                                    <p:anim calcmode="lin" valueType="num">
+                                      <p:cBhvr additive="base">
+                                        <p:cTn id="54" dur="500" fill="hold"/>
+                                        <p:tgtEl>
+                                          <p:spTgt spid="13"/>
+                                        </p:tgtEl>
+                                        <p:attrNameLst>
+                                          <p:attrName>ppt_y</p:attrName>
+                                        </p:attrNameLst>
+                                      </p:cBhvr>
+                                      <p:tavLst>
+                                        <p:tav tm="0">
+                                          <p:val>
+                                            <p:strVal val="#ppt_y"/>
+                                          </p:val>
+                                        </p:tav>
+                                        <p:tav tm="100000">
+                                          <p:val>
+                                            <p:strVal val="#ppt_y"/>
+                                          </p:val>
+                                        </p:tav>
+                                      </p:tavLst>
+                                    </p:anim>
+                                  </p:childTnLst>
+                                </p:cTn>
+                              </p:par>
+                            </p:childTnLst>
+                          </p:cTn>
+                        </p:par>
+                      </p:childTnLst>
+                    </p:cTn>
+                  </p:par>
+                  <p:par>
+                    <p:cTn id="55" fill="hold">
+                      <p:stCondLst>
+                        <p:cond delay="indefinite"/>
+                      </p:stCondLst>
+                      <p:childTnLst>
+                        <p:par>
+                          <p:cTn id="56" fill="hold">
+                            <p:stCondLst>
+                              <p:cond delay="0"/>
+                            </p:stCondLst>
+                            <p:childTnLst>
+                              <p:par>
+                                <p:cTn id="57" presetID="2" presetClass="entr" presetSubtype="2" fill="hold" grpId="0" nodeType="clickEffect">
+                                  <p:stCondLst>
+                                    <p:cond delay="0"/>
+                                  </p:stCondLst>
+                                  <p:childTnLst>
+                                    <p:set>
+                                      <p:cBhvr>
+                                        <p:cTn id="58" dur="1" fill="hold">
+                                          <p:stCondLst>
+                                            <p:cond delay="0"/>
+                                          </p:stCondLst>
+                                        </p:cTn>
+                                        <p:tgtEl>
+                                          <p:spTgt spid="14"/>
+                                        </p:tgtEl>
+                                        <p:attrNameLst>
+                                          <p:attrName>style.visibility</p:attrName>
+                                        </p:attrNameLst>
+                                      </p:cBhvr>
+                                      <p:to>
+                                        <p:strVal val="visible"/>
+                                      </p:to>
+                                    </p:set>
+                                    <p:anim calcmode="lin" valueType="num">
+                                      <p:cBhvr additive="base">
+                                        <p:cTn id="59" dur="500" fill="hold"/>
+                                        <p:tgtEl>
+                                          <p:spTgt spid="14"/>
+                                        </p:tgtEl>
+                                        <p:attrNameLst>
+                                          <p:attrName>ppt_x</p:attrName>
+                                        </p:attrNameLst>
+                                      </p:cBhvr>
+                                      <p:tavLst>
+                                        <p:tav tm="0">
+                                          <p:val>
+                                            <p:strVal val="1+#ppt_w/2"/>
+                                          </p:val>
+                                        </p:tav>
+                                        <p:tav tm="100000">
+                                          <p:val>
+                                            <p:strVal val="#ppt_x"/>
+                                          </p:val>
+                                        </p:tav>
+                                      </p:tavLst>
+                                    </p:anim>
+                                    <p:anim calcmode="lin" valueType="num">
+                                      <p:cBhvr additive="base">
+                                        <p:cTn id="60" dur="500" fill="hold"/>
+                                        <p:tgtEl>
+                                          <p:spTgt spid="14"/>
+                                        </p:tgtEl>
+                                        <p:attrNameLst>
+                                          <p:attrName>ppt_y</p:attrName>
+                                        </p:attrNameLst>
+                                      </p:cBhvr>
+                                      <p:tavLst>
+                                        <p:tav tm="0">
+                                          <p:val>
+                                            <p:strVal val="#ppt_y"/>
+                                          </p:val>
+                                        </p:tav>
+                                        <p:tav tm="100000">
+                                          <p:val>
+                                            <p:strVal val="#ppt_y"/>
+                                          </p:val>
+                                        </p:tav>
+                                      </p:tavLst>
+                                    </p:anim>
+                                  </p:childTnLst>
+                                </p:cTn>
+                              </p:par>
+                              <p:par>
+                                <p:cTn id="61" presetID="2" presetClass="entr" presetSubtype="2" fill="hold" grpId="0" nodeType="withEffect">
+                                  <p:stCondLst>
+                                    <p:cond delay="0"/>
+                                  </p:stCondLst>
+                                  <p:childTnLst>
+                                    <p:set>
+                                      <p:cBhvr>
+                                        <p:cTn id="62" dur="1" fill="hold">
+                                          <p:stCondLst>
+                                            <p:cond delay="0"/>
+                                          </p:stCondLst>
+                                        </p:cTn>
+                                        <p:tgtEl>
+                                          <p:spTgt spid="15"/>
+                                        </p:tgtEl>
+                                        <p:attrNameLst>
+                                          <p:attrName>style.visibility</p:attrName>
+                                        </p:attrNameLst>
+                                      </p:cBhvr>
+                                      <p:to>
+                                        <p:strVal val="visible"/>
+                                      </p:to>
+                                    </p:set>
+                                    <p:anim calcmode="lin" valueType="num">
+                                      <p:cBhvr additive="base">
+                                        <p:cTn id="63" dur="500" fill="hold"/>
+                                        <p:tgtEl>
+                                          <p:spTgt spid="15"/>
+                                        </p:tgtEl>
+                                        <p:attrNameLst>
+                                          <p:attrName>ppt_x</p:attrName>
+                                        </p:attrNameLst>
+                                      </p:cBhvr>
+                                      <p:tavLst>
+                                        <p:tav tm="0">
+                                          <p:val>
+                                            <p:strVal val="1+#ppt_w/2"/>
+                                          </p:val>
+                                        </p:tav>
+                                        <p:tav tm="100000">
+                                          <p:val>
+                                            <p:strVal val="#ppt_x"/>
+                                          </p:val>
+                                        </p:tav>
+                                      </p:tavLst>
+                                    </p:anim>
+                                    <p:anim calcmode="lin" valueType="num">
+                                      <p:cBhvr additive="base">
+                                        <p:cTn id="64" dur="500" fill="hold"/>
+                                        <p:tgtEl>
+                                          <p:spTgt spid="15"/>
+                                        </p:tgtEl>
+                                        <p:attrNameLst>
+                                          <p:attrName>ppt_y</p:attrName>
+                                        </p:attrNameLst>
+                                      </p:cBhvr>
+                                      <p:tavLst>
+                                        <p:tav tm="0">
+                                          <p:val>
+                                            <p:strVal val="#ppt_y"/>
+                                          </p:val>
+                                        </p:tav>
+                                        <p:tav tm="100000">
+                                          <p:val>
+                                            <p:strVal val="#ppt_y"/>
+                                          </p:val>
+                                        </p:tav>
+                                      </p:tavLst>
+                                    </p:anim>
+                                  </p:childTnLst>
+                                </p:cTn>
+                              </p:par>
+                            </p:childTnLst>
+                          </p:cTn>
+                        </p:par>
+                      </p:childTnLst>
+                    </p:cTn>
+                  </p:par>
+                  <p:par>
+                    <p:cTn id="65" fill="hold">
+                      <p:stCondLst>
+                        <p:cond delay="indefinite"/>
+                      </p:stCondLst>
+                      <p:childTnLst>
+                        <p:par>
+                          <p:cTn id="66" fill="hold">
+                            <p:stCondLst>
+                              <p:cond delay="0"/>
+                            </p:stCondLst>
+                            <p:childTnLst>
+                              <p:par>
+                                <p:cTn id="67" presetID="42" presetClass="path" presetSubtype="0" accel="50000" decel="50000" fill="hold" grpId="1" nodeType="clickEffect">
+                                  <p:stCondLst>
+                                    <p:cond delay="0"/>
+                                  </p:stCondLst>
+                                  <p:childTnLst>
+                                    <p:animMotion origin="layout" path="M 1.66667E-6 2.22222E-6 L -0.00104 0.1493 " pathEditMode="relative" rAng="0" ptsTypes="AA">
+                                      <p:cBhvr>
+                                        <p:cTn id="68" dur="500" fill="hold"/>
+                                        <p:tgtEl>
+                                          <p:spTgt spid="12"/>
+                                        </p:tgtEl>
+                                        <p:attrNameLst>
+                                          <p:attrName>ppt_x</p:attrName>
+                                          <p:attrName>ppt_y</p:attrName>
+                                        </p:attrNameLst>
+                                      </p:cBhvr>
+                                      <p:rCtr x="-52" y="7454"/>
+                                    </p:animMotion>
+                                  </p:childTnLst>
+                                </p:cTn>
+                              </p:par>
+                              <p:par>
+                                <p:cTn id="69" presetID="42" presetClass="path" presetSubtype="0" accel="50000" decel="50000" fill="hold" grpId="1" nodeType="withEffect">
+                                  <p:stCondLst>
+                                    <p:cond delay="0"/>
+                                  </p:stCondLst>
+                                  <p:childTnLst>
+                                    <p:animMotion origin="layout" path="M -2.29167E-6 -3.7037E-7 L -0.00091 0.1544 " pathEditMode="relative" rAng="0" ptsTypes="AA">
+                                      <p:cBhvr>
+                                        <p:cTn id="70" dur="500" fill="hold"/>
+                                        <p:tgtEl>
+                                          <p:spTgt spid="13"/>
+                                        </p:tgtEl>
+                                        <p:attrNameLst>
+                                          <p:attrName>ppt_x</p:attrName>
+                                          <p:attrName>ppt_y</p:attrName>
+                                        </p:attrNameLst>
+                                      </p:cBhvr>
+                                      <p:rCtr x="-52" y="7708"/>
+                                    </p:animMotion>
+                                  </p:childTnLst>
+                                </p:cTn>
+                              </p:par>
+                              <p:par>
+                                <p:cTn id="71" presetID="42" presetClass="path" presetSubtype="0" accel="50000" decel="50000" fill="hold" grpId="1" nodeType="withEffect">
+                                  <p:stCondLst>
+                                    <p:cond delay="0"/>
+                                  </p:stCondLst>
+                                  <p:childTnLst>
+                                    <p:animMotion origin="layout" path="M 1.66667E-6 4.44444E-6 L -0.00104 0.14861 " pathEditMode="relative" rAng="0" ptsTypes="AA">
+                                      <p:cBhvr>
+                                        <p:cTn id="72" dur="500" fill="hold"/>
+                                        <p:tgtEl>
+                                          <p:spTgt spid="14"/>
+                                        </p:tgtEl>
+                                        <p:attrNameLst>
+                                          <p:attrName>ppt_x</p:attrName>
+                                          <p:attrName>ppt_y</p:attrName>
+                                        </p:attrNameLst>
+                                      </p:cBhvr>
+                                      <p:rCtr x="-52" y="7431"/>
+                                    </p:animMotion>
+                                  </p:childTnLst>
+                                </p:cTn>
+                              </p:par>
+                              <p:par>
+                                <p:cTn id="73" presetID="42" presetClass="path" presetSubtype="0" accel="50000" decel="50000" fill="hold" grpId="1" nodeType="withEffect">
+                                  <p:stCondLst>
+                                    <p:cond delay="0"/>
+                                  </p:stCondLst>
+                                  <p:childTnLst>
+                                    <p:animMotion origin="layout" path="M -2.29167E-6 4.44444E-6 L 0.00052 0.15254 " pathEditMode="relative" rAng="0" ptsTypes="AA">
+                                      <p:cBhvr>
+                                        <p:cTn id="74" dur="500" fill="hold"/>
+                                        <p:tgtEl>
+                                          <p:spTgt spid="15"/>
+                                        </p:tgtEl>
+                                        <p:attrNameLst>
+                                          <p:attrName>ppt_x</p:attrName>
+                                          <p:attrName>ppt_y</p:attrName>
+                                        </p:attrNameLst>
+                                      </p:cBhvr>
+                                      <p:rCtr x="26" y="7616"/>
+                                    </p:animMotion>
+                                  </p:childTnLst>
+                                </p:cTn>
+                              </p:par>
+                            </p:childTnLst>
+                          </p:cTn>
+                        </p:par>
+                        <p:par>
+                          <p:cTn id="75" fill="hold">
+                            <p:stCondLst>
+                              <p:cond delay="500"/>
+                            </p:stCondLst>
+                            <p:childTnLst>
+                              <p:par>
+                                <p:cTn id="76" presetID="2" presetClass="entr" presetSubtype="2" fill="hold" grpId="0" nodeType="afterEffect">
+                                  <p:stCondLst>
+                                    <p:cond delay="0"/>
+                                  </p:stCondLst>
+                                  <p:childTnLst>
+                                    <p:set>
+                                      <p:cBhvr>
+                                        <p:cTn id="77" dur="1" fill="hold">
+                                          <p:stCondLst>
+                                            <p:cond delay="0"/>
+                                          </p:stCondLst>
+                                        </p:cTn>
+                                        <p:tgtEl>
+                                          <p:spTgt spid="16"/>
+                                        </p:tgtEl>
+                                        <p:attrNameLst>
+                                          <p:attrName>style.visibility</p:attrName>
+                                        </p:attrNameLst>
+                                      </p:cBhvr>
+                                      <p:to>
+                                        <p:strVal val="visible"/>
+                                      </p:to>
+                                    </p:set>
+                                    <p:anim calcmode="lin" valueType="num">
+                                      <p:cBhvr additive="base">
+                                        <p:cTn id="78" dur="500" fill="hold"/>
+                                        <p:tgtEl>
+                                          <p:spTgt spid="16"/>
+                                        </p:tgtEl>
+                                        <p:attrNameLst>
+                                          <p:attrName>ppt_x</p:attrName>
+                                        </p:attrNameLst>
+                                      </p:cBhvr>
+                                      <p:tavLst>
+                                        <p:tav tm="0">
+                                          <p:val>
+                                            <p:strVal val="1+#ppt_w/2"/>
+                                          </p:val>
+                                        </p:tav>
+                                        <p:tav tm="100000">
+                                          <p:val>
+                                            <p:strVal val="#ppt_x"/>
+                                          </p:val>
+                                        </p:tav>
+                                      </p:tavLst>
+                                    </p:anim>
+                                    <p:anim calcmode="lin" valueType="num">
+                                      <p:cBhvr additive="base">
+                                        <p:cTn id="79" dur="500" fill="hold"/>
+                                        <p:tgtEl>
+                                          <p:spTgt spid="16"/>
+                                        </p:tgtEl>
+                                        <p:attrNameLst>
+                                          <p:attrName>ppt_y</p:attrName>
+                                        </p:attrNameLst>
+                                      </p:cBhvr>
+                                      <p:tavLst>
+                                        <p:tav tm="0">
+                                          <p:val>
+                                            <p:strVal val="#ppt_y"/>
+                                          </p:val>
+                                        </p:tav>
+                                        <p:tav tm="100000">
+                                          <p:val>
+                                            <p:strVal val="#ppt_y"/>
+                                          </p:val>
+                                        </p:tav>
+                                      </p:tavLst>
+                                    </p:anim>
+                                  </p:childTnLst>
+                                </p:cTn>
+                              </p:par>
+                            </p:childTnLst>
+                          </p:cTn>
+                        </p:par>
+                      </p:childTnLst>
+                    </p:cTn>
+                  </p:par>
+                  <p:par>
+                    <p:cTn id="80" fill="hold">
+                      <p:stCondLst>
+                        <p:cond delay="indefinite"/>
+                      </p:stCondLst>
+                      <p:childTnLst>
+                        <p:par>
+                          <p:cTn id="81" fill="hold">
+                            <p:stCondLst>
+                              <p:cond delay="0"/>
+                            </p:stCondLst>
+                            <p:childTnLst>
+                              <p:par>
+                                <p:cTn id="82" presetID="10" presetClass="exit" presetSubtype="0" fill="hold" grpId="1" nodeType="clickEffect">
+                                  <p:stCondLst>
+                                    <p:cond delay="0"/>
+                                  </p:stCondLst>
+                                  <p:childTnLst>
+                                    <p:animEffect transition="out" filter="fade">
+                                      <p:cBhvr>
+                                        <p:cTn id="83" dur="500"/>
+                                        <p:tgtEl>
+                                          <p:spTgt spid="2"/>
+                                        </p:tgtEl>
+                                      </p:cBhvr>
+                                    </p:animEffect>
+                                    <p:set>
+                                      <p:cBhvr>
+                                        <p:cTn id="84" dur="1" fill="hold">
+                                          <p:stCondLst>
+                                            <p:cond delay="499"/>
+                                          </p:stCondLst>
+                                        </p:cTn>
+                                        <p:tgtEl>
+                                          <p:spTgt spid="2"/>
+                                        </p:tgtEl>
+                                        <p:attrNameLst>
+                                          <p:attrName>style.visibility</p:attrName>
+                                        </p:attrNameLst>
+                                      </p:cBhvr>
+                                      <p:to>
+                                        <p:strVal val="hidden"/>
+                                      </p:to>
+                                    </p:set>
+                                  </p:childTnLst>
+                                </p:cTn>
+                              </p:par>
+                              <p:par>
+                                <p:cTn id="85" presetID="10" presetClass="exit" presetSubtype="0" fill="hold" grpId="1" nodeType="withEffect">
+                                  <p:stCondLst>
+                                    <p:cond delay="0"/>
+                                  </p:stCondLst>
+                                  <p:childTnLst>
+                                    <p:animEffect transition="out" filter="fade">
+                                      <p:cBhvr>
+                                        <p:cTn id="86" dur="500"/>
+                                        <p:tgtEl>
+                                          <p:spTgt spid="3"/>
+                                        </p:tgtEl>
+                                      </p:cBhvr>
+                                    </p:animEffect>
+                                    <p:set>
+                                      <p:cBhvr>
+                                        <p:cTn id="87" dur="1" fill="hold">
+                                          <p:stCondLst>
+                                            <p:cond delay="499"/>
+                                          </p:stCondLst>
+                                        </p:cTn>
+                                        <p:tgtEl>
+                                          <p:spTgt spid="3"/>
+                                        </p:tgtEl>
+                                        <p:attrNameLst>
+                                          <p:attrName>style.visibility</p:attrName>
+                                        </p:attrNameLst>
+                                      </p:cBhvr>
+                                      <p:to>
+                                        <p:strVal val="hidden"/>
+                                      </p:to>
+                                    </p:set>
+                                  </p:childTnLst>
+                                </p:cTn>
+                              </p:par>
+                              <p:par>
+                                <p:cTn id="88" presetID="10" presetClass="exit" presetSubtype="0" fill="hold" grpId="1" nodeType="withEffect">
+                                  <p:stCondLst>
+                                    <p:cond delay="0"/>
+                                  </p:stCondLst>
+                                  <p:childTnLst>
+                                    <p:animEffect transition="out" filter="fade">
+                                      <p:cBhvr>
+                                        <p:cTn id="89" dur="500"/>
+                                        <p:tgtEl>
+                                          <p:spTgt spid="6"/>
+                                        </p:tgtEl>
+                                      </p:cBhvr>
+                                    </p:animEffect>
+                                    <p:set>
+                                      <p:cBhvr>
+                                        <p:cTn id="90" dur="1" fill="hold">
+                                          <p:stCondLst>
+                                            <p:cond delay="499"/>
+                                          </p:stCondLst>
+                                        </p:cTn>
+                                        <p:tgtEl>
+                                          <p:spTgt spid="6"/>
+                                        </p:tgtEl>
+                                        <p:attrNameLst>
+                                          <p:attrName>style.visibility</p:attrName>
+                                        </p:attrNameLst>
+                                      </p:cBhvr>
+                                      <p:to>
+                                        <p:strVal val="hidden"/>
+                                      </p:to>
+                                    </p:set>
+                                  </p:childTnLst>
+                                </p:cTn>
+                              </p:par>
+                              <p:par>
+                                <p:cTn id="91" presetID="10" presetClass="exit" presetSubtype="0" fill="hold" grpId="1" nodeType="withEffect">
+                                  <p:stCondLst>
+                                    <p:cond delay="0"/>
+                                  </p:stCondLst>
+                                  <p:childTnLst>
+                                    <p:animEffect transition="out" filter="fade">
+                                      <p:cBhvr>
+                                        <p:cTn id="92" dur="500"/>
+                                        <p:tgtEl>
+                                          <p:spTgt spid="7"/>
+                                        </p:tgtEl>
+                                      </p:cBhvr>
+                                    </p:animEffect>
+                                    <p:set>
+                                      <p:cBhvr>
+                                        <p:cTn id="93" dur="1" fill="hold">
+                                          <p:stCondLst>
+                                            <p:cond delay="499"/>
+                                          </p:stCondLst>
+                                        </p:cTn>
+                                        <p:tgtEl>
+                                          <p:spTgt spid="7"/>
+                                        </p:tgtEl>
+                                        <p:attrNameLst>
+                                          <p:attrName>style.visibility</p:attrName>
+                                        </p:attrNameLst>
+                                      </p:cBhvr>
+                                      <p:to>
+                                        <p:strVal val="hidden"/>
+                                      </p:to>
+                                    </p:set>
+                                  </p:childTnLst>
+                                </p:cTn>
+                              </p:par>
+                              <p:par>
+                                <p:cTn id="94" presetID="10" presetClass="exit" presetSubtype="0" fill="hold" grpId="1" nodeType="withEffect">
+                                  <p:stCondLst>
+                                    <p:cond delay="0"/>
+                                  </p:stCondLst>
+                                  <p:childTnLst>
+                                    <p:animEffect transition="out" filter="fade">
+                                      <p:cBhvr>
+                                        <p:cTn id="95" dur="500"/>
+                                        <p:tgtEl>
+                                          <p:spTgt spid="8"/>
+                                        </p:tgtEl>
+                                      </p:cBhvr>
+                                    </p:animEffect>
+                                    <p:set>
+                                      <p:cBhvr>
+                                        <p:cTn id="96" dur="1" fill="hold">
+                                          <p:stCondLst>
+                                            <p:cond delay="499"/>
+                                          </p:stCondLst>
+                                        </p:cTn>
+                                        <p:tgtEl>
+                                          <p:spTgt spid="8"/>
+                                        </p:tgtEl>
+                                        <p:attrNameLst>
+                                          <p:attrName>style.visibility</p:attrName>
+                                        </p:attrNameLst>
+                                      </p:cBhvr>
+                                      <p:to>
+                                        <p:strVal val="hidden"/>
+                                      </p:to>
+                                    </p:set>
+                                  </p:childTnLst>
+                                </p:cTn>
+                              </p:par>
+                              <p:par>
+                                <p:cTn id="97" presetID="10" presetClass="exit" presetSubtype="0" fill="hold" grpId="1" nodeType="withEffect">
+                                  <p:stCondLst>
+                                    <p:cond delay="0"/>
+                                  </p:stCondLst>
+                                  <p:childTnLst>
+                                    <p:animEffect transition="out" filter="fade">
+                                      <p:cBhvr>
+                                        <p:cTn id="98" dur="500"/>
+                                        <p:tgtEl>
+                                          <p:spTgt spid="9"/>
+                                        </p:tgtEl>
+                                      </p:cBhvr>
+                                    </p:animEffect>
+                                    <p:set>
+                                      <p:cBhvr>
+                                        <p:cTn id="99" dur="1" fill="hold">
+                                          <p:stCondLst>
+                                            <p:cond delay="499"/>
+                                          </p:stCondLst>
+                                        </p:cTn>
+                                        <p:tgtEl>
+                                          <p:spTgt spid="9"/>
+                                        </p:tgtEl>
+                                        <p:attrNameLst>
+                                          <p:attrName>style.visibility</p:attrName>
+                                        </p:attrNameLst>
+                                      </p:cBhvr>
+                                      <p:to>
+                                        <p:strVal val="hidden"/>
+                                      </p:to>
+                                    </p:set>
+                                  </p:childTnLst>
+                                </p:cTn>
+                              </p:par>
+                              <p:par>
+                                <p:cTn id="100" presetID="10" presetClass="exit" presetSubtype="0" fill="hold" grpId="1" nodeType="withEffect">
+                                  <p:stCondLst>
+                                    <p:cond delay="0"/>
+                                  </p:stCondLst>
+                                  <p:childTnLst>
+                                    <p:animEffect transition="out" filter="fade">
+                                      <p:cBhvr>
+                                        <p:cTn id="101" dur="500"/>
+                                        <p:tgtEl>
+                                          <p:spTgt spid="10"/>
+                                        </p:tgtEl>
+                                      </p:cBhvr>
+                                    </p:animEffect>
+                                    <p:set>
+                                      <p:cBhvr>
+                                        <p:cTn id="102" dur="1" fill="hold">
+                                          <p:stCondLst>
+                                            <p:cond delay="499"/>
+                                          </p:stCondLst>
+                                        </p:cTn>
+                                        <p:tgtEl>
+                                          <p:spTgt spid="10"/>
+                                        </p:tgtEl>
+                                        <p:attrNameLst>
+                                          <p:attrName>style.visibility</p:attrName>
+                                        </p:attrNameLst>
+                                      </p:cBhvr>
+                                      <p:to>
+                                        <p:strVal val="hidden"/>
+                                      </p:to>
+                                    </p:set>
+                                  </p:childTnLst>
+                                </p:cTn>
+                              </p:par>
+                              <p:par>
+                                <p:cTn id="103" presetID="10" presetClass="exit" presetSubtype="0" fill="hold" grpId="1" nodeType="withEffect">
+                                  <p:stCondLst>
+                                    <p:cond delay="0"/>
+                                  </p:stCondLst>
+                                  <p:childTnLst>
+                                    <p:animEffect transition="out" filter="fade">
+                                      <p:cBhvr>
+                                        <p:cTn id="104" dur="500"/>
+                                        <p:tgtEl>
+                                          <p:spTgt spid="11"/>
+                                        </p:tgtEl>
+                                      </p:cBhvr>
+                                    </p:animEffect>
+                                    <p:set>
+                                      <p:cBhvr>
+                                        <p:cTn id="105" dur="1" fill="hold">
+                                          <p:stCondLst>
+                                            <p:cond delay="499"/>
+                                          </p:stCondLst>
+                                        </p:cTn>
+                                        <p:tgtEl>
+                                          <p:spTgt spid="11"/>
+                                        </p:tgtEl>
+                                        <p:attrNameLst>
+                                          <p:attrName>style.visibility</p:attrName>
+                                        </p:attrNameLst>
+                                      </p:cBhvr>
+                                      <p:to>
+                                        <p:strVal val="hidden"/>
+                                      </p:to>
+                                    </p:set>
+                                  </p:childTnLst>
+                                </p:cTn>
+                              </p:par>
+                              <p:par>
+                                <p:cTn id="106" presetID="10" presetClass="exit" presetSubtype="0" fill="hold" grpId="2" nodeType="withEffect">
+                                  <p:stCondLst>
+                                    <p:cond delay="0"/>
+                                  </p:stCondLst>
+                                  <p:childTnLst>
+                                    <p:animEffect transition="out" filter="fade">
+                                      <p:cBhvr>
+                                        <p:cTn id="107" dur="500"/>
+                                        <p:tgtEl>
+                                          <p:spTgt spid="12"/>
+                                        </p:tgtEl>
+                                      </p:cBhvr>
+                                    </p:animEffect>
+                                    <p:set>
+                                      <p:cBhvr>
+                                        <p:cTn id="108" dur="1" fill="hold">
+                                          <p:stCondLst>
+                                            <p:cond delay="499"/>
+                                          </p:stCondLst>
+                                        </p:cTn>
+                                        <p:tgtEl>
+                                          <p:spTgt spid="12"/>
+                                        </p:tgtEl>
+                                        <p:attrNameLst>
+                                          <p:attrName>style.visibility</p:attrName>
+                                        </p:attrNameLst>
+                                      </p:cBhvr>
+                                      <p:to>
+                                        <p:strVal val="hidden"/>
+                                      </p:to>
+                                    </p:set>
+                                  </p:childTnLst>
+                                </p:cTn>
+                              </p:par>
+                              <p:par>
+                                <p:cTn id="109" presetID="10" presetClass="exit" presetSubtype="0" fill="hold" grpId="2" nodeType="withEffect">
+                                  <p:stCondLst>
+                                    <p:cond delay="0"/>
+                                  </p:stCondLst>
+                                  <p:childTnLst>
+                                    <p:animEffect transition="out" filter="fade">
+                                      <p:cBhvr>
+                                        <p:cTn id="110" dur="500"/>
+                                        <p:tgtEl>
+                                          <p:spTgt spid="13"/>
+                                        </p:tgtEl>
+                                      </p:cBhvr>
+                                    </p:animEffect>
+                                    <p:set>
+                                      <p:cBhvr>
+                                        <p:cTn id="111" dur="1" fill="hold">
+                                          <p:stCondLst>
+                                            <p:cond delay="499"/>
+                                          </p:stCondLst>
+                                        </p:cTn>
+                                        <p:tgtEl>
+                                          <p:spTgt spid="13"/>
+                                        </p:tgtEl>
+                                        <p:attrNameLst>
+                                          <p:attrName>style.visibility</p:attrName>
+                                        </p:attrNameLst>
+                                      </p:cBhvr>
+                                      <p:to>
+                                        <p:strVal val="hidden"/>
+                                      </p:to>
+                                    </p:set>
+                                  </p:childTnLst>
+                                </p:cTn>
+                              </p:par>
+                              <p:par>
+                                <p:cTn id="112" presetID="10" presetClass="exit" presetSubtype="0" fill="hold" grpId="2" nodeType="withEffect">
+                                  <p:stCondLst>
+                                    <p:cond delay="0"/>
+                                  </p:stCondLst>
+                                  <p:childTnLst>
+                                    <p:animEffect transition="out" filter="fade">
+                                      <p:cBhvr>
+                                        <p:cTn id="113" dur="500"/>
+                                        <p:tgtEl>
+                                          <p:spTgt spid="14"/>
+                                        </p:tgtEl>
+                                      </p:cBhvr>
+                                    </p:animEffect>
+                                    <p:set>
+                                      <p:cBhvr>
+                                        <p:cTn id="114" dur="1" fill="hold">
+                                          <p:stCondLst>
+                                            <p:cond delay="499"/>
+                                          </p:stCondLst>
+                                        </p:cTn>
+                                        <p:tgtEl>
+                                          <p:spTgt spid="14"/>
+                                        </p:tgtEl>
+                                        <p:attrNameLst>
+                                          <p:attrName>style.visibility</p:attrName>
+                                        </p:attrNameLst>
+                                      </p:cBhvr>
+                                      <p:to>
+                                        <p:strVal val="hidden"/>
+                                      </p:to>
+                                    </p:set>
+                                  </p:childTnLst>
+                                </p:cTn>
+                              </p:par>
+                              <p:par>
+                                <p:cTn id="115" presetID="10" presetClass="exit" presetSubtype="0" fill="hold" grpId="2" nodeType="withEffect">
+                                  <p:stCondLst>
+                                    <p:cond delay="0"/>
+                                  </p:stCondLst>
+                                  <p:childTnLst>
+                                    <p:animEffect transition="out" filter="fade">
+                                      <p:cBhvr>
+                                        <p:cTn id="116" dur="500"/>
+                                        <p:tgtEl>
+                                          <p:spTgt spid="15"/>
+                                        </p:tgtEl>
+                                      </p:cBhvr>
+                                    </p:animEffect>
+                                    <p:set>
+                                      <p:cBhvr>
+                                        <p:cTn id="117" dur="1" fill="hold">
+                                          <p:stCondLst>
+                                            <p:cond delay="499"/>
+                                          </p:stCondLst>
+                                        </p:cTn>
+                                        <p:tgtEl>
+                                          <p:spTgt spid="15"/>
+                                        </p:tgtEl>
+                                        <p:attrNameLst>
+                                          <p:attrName>style.visibility</p:attrName>
+                                        </p:attrNameLst>
+                                      </p:cBhvr>
+                                      <p:to>
+                                        <p:strVal val="hidden"/>
+                                      </p:to>
+                                    </p:set>
+                                  </p:childTnLst>
+                                </p:cTn>
+                              </p:par>
+                              <p:par>
+                                <p:cTn id="118" presetID="10" presetClass="exit" presetSubtype="0" fill="hold" grpId="1" nodeType="withEffect">
+                                  <p:stCondLst>
+                                    <p:cond delay="0"/>
+                                  </p:stCondLst>
+                                  <p:childTnLst>
+                                    <p:animEffect transition="out" filter="fade">
+                                      <p:cBhvr>
+                                        <p:cTn id="119" dur="500"/>
+                                        <p:tgtEl>
+                                          <p:spTgt spid="16"/>
+                                        </p:tgtEl>
+                                      </p:cBhvr>
+                                    </p:animEffect>
+                                    <p:set>
+                                      <p:cBhvr>
+                                        <p:cTn id="120" dur="1" fill="hold">
+                                          <p:stCondLst>
+                                            <p:cond delay="499"/>
+                                          </p:stCondLst>
+                                        </p:cTn>
+                                        <p:tgtEl>
+                                          <p:spTgt spid="16"/>
+                                        </p:tgtEl>
+                                        <p:attrNameLst>
+                                          <p:attrName>style.visibility</p:attrName>
+                                        </p:attrNameLst>
+                                      </p:cBhvr>
+                                      <p:to>
+                                        <p:strVal val="hidden"/>
+                                      </p:to>
+                                    </p:set>
+                                  </p:childTnLst>
+                                </p:cTn>
+                              </p:par>
+                            </p:childTnLst>
+                          </p:cTn>
+                        </p:par>
+                      </p:childTnLst>
+                    </p:cTn>
+                  </p:par>
+                </p:childTnLst>
+              </p:cTn>
+              <p:prevCondLst>
+                <p:cond evt="onPrev" delay="0">
+                  <p:tgtEl>
+                    <p:sldTgt/>
+                  </p:tgtEl>
+                </p:cond>
+              </p:prevCondLst>
+              <p:nextCondLst>
+                <p:cond evt="onNext" delay="0">
+                  <p:tgtEl>
+                    <p:sldTgt/>
+                  </p:tgtEl>
+                </p:cond>
+              </p:nextCondLst>
+            </p:seq>
+          </p:childTnLst>
+        </p:cTn>
       </p:par>
     </p:tnLst>
+    <p:bldLst>
+      <p:bldP spid="2" grpId="0"/>
+      <p:bldP spid="2" grpId="1"/>
+      <p:bldP spid="3" grpId="0"/>
+      <p:bldP spid="3" grpId="1"/>
+      <p:bldP spid="6" grpId="0"/>
+      <p:bldP spid="6" grpId="1"/>
+      <p:bldP spid="7" grpId="0"/>
+      <p:bldP spid="7" grpId="1"/>
+      <p:bldP spid="8" grpId="0"/>
+      <p:bldP spid="8" grpId="1"/>
+      <p:bldP spid="9" grpId="0"/>
+      <p:bldP spid="9" grpId="1"/>
+      <p:bldP spid="10" grpId="0"/>
+      <p:bldP spid="10" grpId="1"/>
+      <p:bldP spid="11" grpId="0"/>
+      <p:bldP spid="11" grpId="1"/>
+      <p:bldP spid="12" grpId="0"/>
+      <p:bldP spid="12" grpId="1"/>
+      <p:bldP spid="12" grpId="2"/>
+      <p:bldP spid="13" grpId="0"/>
+      <p:bldP spid="13" grpId="1"/>
+      <p:bldP spid="13" grpId="2"/>
+      <p:bldP spid="14" grpId="0"/>
+      <p:bldP spid="14" grpId="1"/>
+      <p:bldP spid="14" grpId="2"/>
+      <p:bldP spid="15" grpId="0"/>
+      <p:bldP spid="15" grpId="1"/>
+      <p:bldP spid="15" grpId="2"/>
+      <p:bldP spid="16" grpId="0"/>
+      <p:bldP spid="16" grpId="1"/>
+    </p:bldLst>
   </p:timing>
 </p:sld>
 </file>
@@ -9540,7 +13612,7 @@
           <a:blip r:embed="rId2" cstate="print">
             <a:extLst>
               <a:ext uri="{28A0092B-C50C-407E-A947-70E740481C1C}">
-                <a14:useLocalDpi xmlns:a14="http://schemas.microsoft.com/office/drawing/2010/main" xmlns="" val="0"/>
+                <a14:useLocalDpi xmlns:a14="http://schemas.microsoft.com/office/drawing/2010/main" val="0"/>
               </a:ext>
             </a:extLst>
           </a:blip>
@@ -9588,10 +13660,78 @@
           </a:p>
         </p:txBody>
       </p:sp>
+      <p:sp>
+        <p:nvSpPr>
+          <p:cNvPr id="2" name="文本框 1"/>
+          <p:cNvSpPr txBox="1"/>
+          <p:nvPr/>
+        </p:nvSpPr>
+        <p:spPr>
+          <a:xfrm>
+            <a:off x="1225118" y="1651247"/>
+            <a:ext cx="1713391" cy="369332"/>
+          </a:xfrm>
+          <a:prstGeom prst="rect">
+            <a:avLst/>
+          </a:prstGeom>
+          <a:noFill/>
+        </p:spPr>
+        <p:txBody>
+          <a:bodyPr wrap="square" rtlCol="0">
+            <a:spAutoFit/>
+          </a:bodyPr>
+          <a:lstStyle/>
+          <a:p>
+            <a:r>
+              <a:rPr lang="zh-CN" altLang="en-US" b="1" dirty="0" smtClean="0"/>
+              <a:t>文件读取：</a:t>
+            </a:r>
+            <a:endParaRPr lang="en-US" altLang="zh-CN" b="1" dirty="0" smtClean="0"/>
+          </a:p>
+        </p:txBody>
+      </p:sp>
+      <p:sp>
+        <p:nvSpPr>
+          <p:cNvPr id="5" name="文本框 4"/>
+          <p:cNvSpPr txBox="1"/>
+          <p:nvPr/>
+        </p:nvSpPr>
+        <p:spPr>
+          <a:xfrm>
+            <a:off x="1225118" y="2301595"/>
+            <a:ext cx="5681709" cy="369332"/>
+          </a:xfrm>
+          <a:prstGeom prst="rect">
+            <a:avLst/>
+          </a:prstGeom>
+          <a:noFill/>
+        </p:spPr>
+        <p:txBody>
+          <a:bodyPr wrap="square" rtlCol="0">
+            <a:spAutoFit/>
+          </a:bodyPr>
+          <a:lstStyle/>
+          <a:p>
+            <a:r>
+              <a:rPr lang="zh-CN" altLang="en-US" dirty="0" smtClean="0"/>
+              <a:t>用户可以通过修改</a:t>
+            </a:r>
+            <a:r>
+              <a:rPr lang="en-US" altLang="zh-CN" dirty="0" smtClean="0"/>
+              <a:t>txt</a:t>
+            </a:r>
+            <a:r>
+              <a:rPr lang="zh-CN" altLang="en-US" dirty="0" smtClean="0"/>
+              <a:t>来改变单词下落中、英文内容。</a:t>
+            </a:r>
+            <a:endParaRPr lang="zh-CN" altLang="en-US" dirty="0"/>
+          </a:p>
+        </p:txBody>
+      </p:sp>
     </p:spTree>
     <p:extLst>
       <p:ext uri="{BB962C8B-B14F-4D97-AF65-F5344CB8AC3E}">
-        <p14:creationId xmlns:p14="http://schemas.microsoft.com/office/powerpoint/2010/main" xmlns="" val="582948142"/>
+        <p14:creationId xmlns:p14="http://schemas.microsoft.com/office/powerpoint/2010/main" val="582948142"/>
       </p:ext>
     </p:extLst>
   </p:cSld>
@@ -9648,7 +13788,7 @@
           <a:blip r:embed="rId2" cstate="print">
             <a:extLst>
               <a:ext uri="{28A0092B-C50C-407E-A947-70E740481C1C}">
-                <a14:useLocalDpi xmlns:a14="http://schemas.microsoft.com/office/drawing/2010/main" xmlns="" val="0"/>
+                <a14:useLocalDpi xmlns:a14="http://schemas.microsoft.com/office/drawing/2010/main" val="0"/>
               </a:ext>
             </a:extLst>
           </a:blip>
@@ -9699,7 +13839,7 @@
     </p:spTree>
     <p:extLst>
       <p:ext uri="{BB962C8B-B14F-4D97-AF65-F5344CB8AC3E}">
-        <p14:creationId xmlns:p14="http://schemas.microsoft.com/office/powerpoint/2010/main" xmlns="" val="3765624363"/>
+        <p14:creationId xmlns:p14="http://schemas.microsoft.com/office/powerpoint/2010/main" val="3765624363"/>
       </p:ext>
     </p:extLst>
   </p:cSld>
@@ -9971,7 +14111,7 @@
   <a:extraClrSchemeLst/>
   <a:extLst>
     <a:ext uri="{05A4C25C-085E-4340-85A3-A5531E510DB2}">
-      <thm15:themeFamily xmlns:thm15="http://schemas.microsoft.com/office/thememl/2012/main" xmlns="" name="Office Theme" id="{62F939B6-93AF-4DB8-9C6B-D6C7DFDC589F}" vid="{4A3C46E8-61CC-4603-A589-7422A47A8E4A}"/>
+      <thm15:themeFamily xmlns:thm15="http://schemas.microsoft.com/office/thememl/2012/main" name="Office Theme" id="{62F939B6-93AF-4DB8-9C6B-D6C7DFDC589F}" vid="{4A3C46E8-61CC-4603-A589-7422A47A8E4A}"/>
     </a:ext>
   </a:extLst>
 </a:theme>

--- a/huiZhongLesson/答辩文件/天津软件1班_C++游戏_柴彧_打字游戏/打字游戏.pptx
+++ b/huiZhongLesson/答辩文件/天津软件1班_C++游戏_柴彧_打字游戏/打字游戏.pptx
@@ -115,7 +115,7 @@
   </p:defaultTextStyle>
   <p:extLst>
     <p:ext uri="{EFAFB233-063F-42B5-8137-9DF3F51BA10A}">
-      <p15:sldGuideLst xmlns:p15="http://schemas.microsoft.com/office/powerpoint/2012/main">
+      <p15:sldGuideLst xmlns:p15="http://schemas.microsoft.com/office/powerpoint/2012/main" xmlns="">
         <p15:guide id="1" orient="horz" pos="2160">
           <p15:clr>
             <a:srgbClr val="A4A3A4"/>
@@ -264,7 +264,7 @@
             <a:fld id="{5D2D7C02-6413-4FA0-B51A-4B4E687647AA}" type="datetimeFigureOut">
               <a:rPr lang="zh-CN" altLang="en-US" smtClean="0"/>
               <a:pPr/>
-              <a:t>2018/6/19 Tuesday</a:t>
+              <a:t>2018/6/19</a:t>
             </a:fld>
             <a:endParaRPr lang="zh-CN" altLang="en-US"/>
           </a:p>
@@ -316,7 +316,7 @@
     </p:spTree>
     <p:extLst>
       <p:ext uri="{BB962C8B-B14F-4D97-AF65-F5344CB8AC3E}">
-        <p14:creationId xmlns:p14="http://schemas.microsoft.com/office/powerpoint/2010/main" val="3520789796"/>
+        <p14:creationId xmlns:p14="http://schemas.microsoft.com/office/powerpoint/2010/main" xmlns="" val="3520789796"/>
       </p:ext>
     </p:extLst>
   </p:cSld>
@@ -436,7 +436,7 @@
             <a:fld id="{5D2D7C02-6413-4FA0-B51A-4B4E687647AA}" type="datetimeFigureOut">
               <a:rPr lang="zh-CN" altLang="en-US" smtClean="0"/>
               <a:pPr/>
-              <a:t>2018/6/19 Tuesday</a:t>
+              <a:t>2018/6/19</a:t>
             </a:fld>
             <a:endParaRPr lang="zh-CN" altLang="en-US"/>
           </a:p>
@@ -488,7 +488,7 @@
     </p:spTree>
     <p:extLst>
       <p:ext uri="{BB962C8B-B14F-4D97-AF65-F5344CB8AC3E}">
-        <p14:creationId xmlns:p14="http://schemas.microsoft.com/office/powerpoint/2010/main" val="2247429032"/>
+        <p14:creationId xmlns:p14="http://schemas.microsoft.com/office/powerpoint/2010/main" xmlns="" val="2247429032"/>
       </p:ext>
     </p:extLst>
   </p:cSld>
@@ -618,7 +618,7 @@
             <a:fld id="{5D2D7C02-6413-4FA0-B51A-4B4E687647AA}" type="datetimeFigureOut">
               <a:rPr lang="zh-CN" altLang="en-US" smtClean="0"/>
               <a:pPr/>
-              <a:t>2018/6/19 Tuesday</a:t>
+              <a:t>2018/6/19</a:t>
             </a:fld>
             <a:endParaRPr lang="zh-CN" altLang="en-US"/>
           </a:p>
@@ -670,7 +670,7 @@
     </p:spTree>
     <p:extLst>
       <p:ext uri="{BB962C8B-B14F-4D97-AF65-F5344CB8AC3E}">
-        <p14:creationId xmlns:p14="http://schemas.microsoft.com/office/powerpoint/2010/main" val="3639564044"/>
+        <p14:creationId xmlns:p14="http://schemas.microsoft.com/office/powerpoint/2010/main" xmlns="" val="3639564044"/>
       </p:ext>
     </p:extLst>
   </p:cSld>
@@ -790,7 +790,7 @@
             <a:fld id="{5D2D7C02-6413-4FA0-B51A-4B4E687647AA}" type="datetimeFigureOut">
               <a:rPr lang="zh-CN" altLang="en-US" smtClean="0"/>
               <a:pPr/>
-              <a:t>2018/6/19 Tuesday</a:t>
+              <a:t>2018/6/19</a:t>
             </a:fld>
             <a:endParaRPr lang="zh-CN" altLang="en-US"/>
           </a:p>
@@ -842,7 +842,7 @@
     </p:spTree>
     <p:extLst>
       <p:ext uri="{BB962C8B-B14F-4D97-AF65-F5344CB8AC3E}">
-        <p14:creationId xmlns:p14="http://schemas.microsoft.com/office/powerpoint/2010/main" val="1425107319"/>
+        <p14:creationId xmlns:p14="http://schemas.microsoft.com/office/powerpoint/2010/main" xmlns="" val="1425107319"/>
       </p:ext>
     </p:extLst>
   </p:cSld>
@@ -1038,7 +1038,7 @@
             <a:fld id="{5D2D7C02-6413-4FA0-B51A-4B4E687647AA}" type="datetimeFigureOut">
               <a:rPr lang="zh-CN" altLang="en-US" smtClean="0"/>
               <a:pPr/>
-              <a:t>2018/6/19 Tuesday</a:t>
+              <a:t>2018/6/19</a:t>
             </a:fld>
             <a:endParaRPr lang="zh-CN" altLang="en-US"/>
           </a:p>
@@ -1090,7 +1090,7 @@
     </p:spTree>
     <p:extLst>
       <p:ext uri="{BB962C8B-B14F-4D97-AF65-F5344CB8AC3E}">
-        <p14:creationId xmlns:p14="http://schemas.microsoft.com/office/powerpoint/2010/main" val="19894908"/>
+        <p14:creationId xmlns:p14="http://schemas.microsoft.com/office/powerpoint/2010/main" xmlns="" val="19894908"/>
       </p:ext>
     </p:extLst>
   </p:cSld>
@@ -1272,7 +1272,7 @@
             <a:fld id="{5D2D7C02-6413-4FA0-B51A-4B4E687647AA}" type="datetimeFigureOut">
               <a:rPr lang="zh-CN" altLang="en-US" smtClean="0"/>
               <a:pPr/>
-              <a:t>2018/6/19 Tuesday</a:t>
+              <a:t>2018/6/19</a:t>
             </a:fld>
             <a:endParaRPr lang="zh-CN" altLang="en-US"/>
           </a:p>
@@ -1324,7 +1324,7 @@
     </p:spTree>
     <p:extLst>
       <p:ext uri="{BB962C8B-B14F-4D97-AF65-F5344CB8AC3E}">
-        <p14:creationId xmlns:p14="http://schemas.microsoft.com/office/powerpoint/2010/main" val="198632400"/>
+        <p14:creationId xmlns:p14="http://schemas.microsoft.com/office/powerpoint/2010/main" xmlns="" val="198632400"/>
       </p:ext>
     </p:extLst>
   </p:cSld>
@@ -1641,7 +1641,7 @@
             <a:fld id="{5D2D7C02-6413-4FA0-B51A-4B4E687647AA}" type="datetimeFigureOut">
               <a:rPr lang="zh-CN" altLang="en-US" smtClean="0"/>
               <a:pPr/>
-              <a:t>2018/6/19 Tuesday</a:t>
+              <a:t>2018/6/19</a:t>
             </a:fld>
             <a:endParaRPr lang="zh-CN" altLang="en-US"/>
           </a:p>
@@ -1693,7 +1693,7 @@
     </p:spTree>
     <p:extLst>
       <p:ext uri="{BB962C8B-B14F-4D97-AF65-F5344CB8AC3E}">
-        <p14:creationId xmlns:p14="http://schemas.microsoft.com/office/powerpoint/2010/main" val="748232851"/>
+        <p14:creationId xmlns:p14="http://schemas.microsoft.com/office/powerpoint/2010/main" xmlns="" val="748232851"/>
       </p:ext>
     </p:extLst>
   </p:cSld>
@@ -1761,7 +1761,7 @@
             <a:fld id="{5D2D7C02-6413-4FA0-B51A-4B4E687647AA}" type="datetimeFigureOut">
               <a:rPr lang="zh-CN" altLang="en-US" smtClean="0"/>
               <a:pPr/>
-              <a:t>2018/6/19 Tuesday</a:t>
+              <a:t>2018/6/19</a:t>
             </a:fld>
             <a:endParaRPr lang="zh-CN" altLang="en-US"/>
           </a:p>
@@ -1813,7 +1813,7 @@
     </p:spTree>
     <p:extLst>
       <p:ext uri="{BB962C8B-B14F-4D97-AF65-F5344CB8AC3E}">
-        <p14:creationId xmlns:p14="http://schemas.microsoft.com/office/powerpoint/2010/main" val="1762628761"/>
+        <p14:creationId xmlns:p14="http://schemas.microsoft.com/office/powerpoint/2010/main" xmlns="" val="1762628761"/>
       </p:ext>
     </p:extLst>
   </p:cSld>
@@ -1858,7 +1858,7 @@
             <a:fld id="{5D2D7C02-6413-4FA0-B51A-4B4E687647AA}" type="datetimeFigureOut">
               <a:rPr lang="zh-CN" altLang="en-US" smtClean="0"/>
               <a:pPr/>
-              <a:t>2018/6/19 Tuesday</a:t>
+              <a:t>2018/6/19</a:t>
             </a:fld>
             <a:endParaRPr lang="zh-CN" altLang="en-US"/>
           </a:p>
@@ -1910,7 +1910,7 @@
     </p:spTree>
     <p:extLst>
       <p:ext uri="{BB962C8B-B14F-4D97-AF65-F5344CB8AC3E}">
-        <p14:creationId xmlns:p14="http://schemas.microsoft.com/office/powerpoint/2010/main" val="2577149495"/>
+        <p14:creationId xmlns:p14="http://schemas.microsoft.com/office/powerpoint/2010/main" xmlns="" val="2577149495"/>
       </p:ext>
     </p:extLst>
   </p:cSld>
@@ -2137,7 +2137,7 @@
             <a:fld id="{5D2D7C02-6413-4FA0-B51A-4B4E687647AA}" type="datetimeFigureOut">
               <a:rPr lang="zh-CN" altLang="en-US" smtClean="0"/>
               <a:pPr/>
-              <a:t>2018/6/19 Tuesday</a:t>
+              <a:t>2018/6/19</a:t>
             </a:fld>
             <a:endParaRPr lang="zh-CN" altLang="en-US"/>
           </a:p>
@@ -2189,7 +2189,7 @@
     </p:spTree>
     <p:extLst>
       <p:ext uri="{BB962C8B-B14F-4D97-AF65-F5344CB8AC3E}">
-        <p14:creationId xmlns:p14="http://schemas.microsoft.com/office/powerpoint/2010/main" val="2968106356"/>
+        <p14:creationId xmlns:p14="http://schemas.microsoft.com/office/powerpoint/2010/main" xmlns="" val="2968106356"/>
       </p:ext>
     </p:extLst>
   </p:cSld>
@@ -2392,7 +2392,7 @@
             <a:fld id="{5D2D7C02-6413-4FA0-B51A-4B4E687647AA}" type="datetimeFigureOut">
               <a:rPr lang="zh-CN" altLang="en-US" smtClean="0"/>
               <a:pPr/>
-              <a:t>2018/6/19 Tuesday</a:t>
+              <a:t>2018/6/19</a:t>
             </a:fld>
             <a:endParaRPr lang="zh-CN" altLang="en-US"/>
           </a:p>
@@ -2444,7 +2444,7 @@
     </p:spTree>
     <p:extLst>
       <p:ext uri="{BB962C8B-B14F-4D97-AF65-F5344CB8AC3E}">
-        <p14:creationId xmlns:p14="http://schemas.microsoft.com/office/powerpoint/2010/main" val="1613032852"/>
+        <p14:creationId xmlns:p14="http://schemas.microsoft.com/office/powerpoint/2010/main" xmlns="" val="1613032852"/>
       </p:ext>
     </p:extLst>
   </p:cSld>
@@ -2458,9 +2458,15 @@
 <p:sldMaster xmlns:a="http://schemas.openxmlformats.org/drawingml/2006/main" xmlns:r="http://schemas.openxmlformats.org/officeDocument/2006/relationships" xmlns:p="http://schemas.openxmlformats.org/presentationml/2006/main">
   <p:cSld>
     <p:bg>
-      <p:bgRef idx="1001">
-        <a:schemeClr val="bg1"/>
-      </p:bgRef>
+      <p:bgPr>
+        <a:solidFill>
+          <a:schemeClr val="accent4">
+            <a:lumMod val="20000"/>
+            <a:lumOff val="80000"/>
+          </a:schemeClr>
+        </a:solidFill>
+        <a:effectLst/>
+      </p:bgPr>
     </p:bg>
     <p:spTree>
       <p:nvGrpSpPr>
@@ -2607,7 +2613,7 @@
             <a:fld id="{5D2D7C02-6413-4FA0-B51A-4B4E687647AA}" type="datetimeFigureOut">
               <a:rPr lang="zh-CN" altLang="en-US" smtClean="0"/>
               <a:pPr/>
-              <a:t>2018/6/19 Tuesday</a:t>
+              <a:t>2018/6/19</a:t>
             </a:fld>
             <a:endParaRPr lang="zh-CN" altLang="en-US"/>
           </a:p>
@@ -2695,7 +2701,7 @@
     </p:spTree>
     <p:extLst>
       <p:ext uri="{BB962C8B-B14F-4D97-AF65-F5344CB8AC3E}">
-        <p14:creationId xmlns:p14="http://schemas.microsoft.com/office/powerpoint/2010/main" val="3760445306"/>
+        <p14:creationId xmlns:p14="http://schemas.microsoft.com/office/powerpoint/2010/main" xmlns="" val="3760445306"/>
       </p:ext>
     </p:extLst>
   </p:cSld>
@@ -2999,17 +3005,6 @@
 <file path=ppt/slides/slide1.xml><?xml version="1.0" encoding="utf-8"?>
 <p:sld xmlns:a="http://schemas.openxmlformats.org/drawingml/2006/main" xmlns:r="http://schemas.openxmlformats.org/officeDocument/2006/relationships" xmlns:p="http://schemas.openxmlformats.org/presentationml/2006/main">
   <p:cSld>
-    <p:bg>
-      <p:bgPr>
-        <a:solidFill>
-          <a:schemeClr val="accent4">
-            <a:lumMod val="40000"/>
-            <a:lumOff val="60000"/>
-          </a:schemeClr>
-        </a:solidFill>
-        <a:effectLst/>
-      </p:bgPr>
-    </p:bg>
     <p:spTree>
       <p:nvGrpSpPr>
         <p:cNvPr id="1" name=""/>
@@ -3188,7 +3183,7 @@
     </p:spTree>
     <p:extLst>
       <p:ext uri="{BB962C8B-B14F-4D97-AF65-F5344CB8AC3E}">
-        <p14:creationId xmlns:p14="http://schemas.microsoft.com/office/powerpoint/2010/main" val="2763567643"/>
+        <p14:creationId xmlns:p14="http://schemas.microsoft.com/office/powerpoint/2010/main" xmlns="" val="2763567643"/>
       </p:ext>
     </p:extLst>
   </p:cSld>
@@ -3208,17 +3203,6 @@
 <file path=ppt/slides/slide10.xml><?xml version="1.0" encoding="utf-8"?>
 <p:sld xmlns:a="http://schemas.openxmlformats.org/drawingml/2006/main" xmlns:r="http://schemas.openxmlformats.org/officeDocument/2006/relationships" xmlns:p="http://schemas.openxmlformats.org/presentationml/2006/main">
   <p:cSld>
-    <p:bg>
-      <p:bgPr>
-        <a:solidFill>
-          <a:schemeClr val="accent4">
-            <a:lumMod val="40000"/>
-            <a:lumOff val="60000"/>
-          </a:schemeClr>
-        </a:solidFill>
-        <a:effectLst/>
-      </p:bgPr>
-    </p:bg>
     <p:spTree>
       <p:nvGrpSpPr>
         <p:cNvPr id="1" name=""/>
@@ -3233,10 +3217,47 @@
           <a:chExt cx="0" cy="0"/>
         </a:xfrm>
       </p:grpSpPr>
+      <p:sp>
+        <p:nvSpPr>
+          <p:cNvPr id="2" name="TextBox 1"/>
+          <p:cNvSpPr txBox="1"/>
+          <p:nvPr/>
+        </p:nvSpPr>
+        <p:spPr>
+          <a:xfrm>
+            <a:off x="2299316" y="2104006"/>
+            <a:ext cx="6454066" cy="1107996"/>
+          </a:xfrm>
+          <a:prstGeom prst="rect">
+            <a:avLst/>
+          </a:prstGeom>
+          <a:noFill/>
+        </p:spPr>
+        <p:txBody>
+          <a:bodyPr wrap="square" rtlCol="0">
+            <a:spAutoFit/>
+          </a:bodyPr>
+          <a:lstStyle/>
+          <a:p>
+            <a:pPr algn="ctr"/>
+            <a:r>
+              <a:rPr lang="zh-CN" altLang="en-US" sz="6600" dirty="0" smtClean="0">
+                <a:latin typeface="方正舒体" pitchFamily="2" charset="-122"/>
+                <a:ea typeface="方正舒体" pitchFamily="2" charset="-122"/>
+              </a:rPr>
+              <a:t>谢 谢 观 赏</a:t>
+            </a:r>
+            <a:endParaRPr lang="zh-CN" altLang="en-US" sz="6600" dirty="0">
+              <a:latin typeface="方正舒体" pitchFamily="2" charset="-122"/>
+              <a:ea typeface="方正舒体" pitchFamily="2" charset="-122"/>
+            </a:endParaRPr>
+          </a:p>
+        </p:txBody>
+      </p:sp>
     </p:spTree>
     <p:extLst>
       <p:ext uri="{BB962C8B-B14F-4D97-AF65-F5344CB8AC3E}">
-        <p14:creationId xmlns:p14="http://schemas.microsoft.com/office/powerpoint/2010/main" val="1873029179"/>
+        <p14:creationId xmlns:p14="http://schemas.microsoft.com/office/powerpoint/2010/main" xmlns="" val="1873029179"/>
       </p:ext>
     </p:extLst>
   </p:cSld>
@@ -3256,17 +3277,6 @@
 <file path=ppt/slides/slide2.xml><?xml version="1.0" encoding="utf-8"?>
 <p:sld xmlns:a="http://schemas.openxmlformats.org/drawingml/2006/main" xmlns:r="http://schemas.openxmlformats.org/officeDocument/2006/relationships" xmlns:p="http://schemas.openxmlformats.org/presentationml/2006/main">
   <p:cSld>
-    <p:bg>
-      <p:bgPr>
-        <a:solidFill>
-          <a:schemeClr val="accent4">
-            <a:lumMod val="40000"/>
-            <a:lumOff val="60000"/>
-          </a:schemeClr>
-        </a:solidFill>
-        <a:effectLst/>
-      </p:bgPr>
-    </p:bg>
     <p:spTree>
       <p:nvGrpSpPr>
         <p:cNvPr id="1" name=""/>
@@ -3295,7 +3305,7 @@
           <a:blip r:embed="rId3" cstate="print">
             <a:extLst>
               <a:ext uri="{28A0092B-C50C-407E-A947-70E740481C1C}">
-                <a14:useLocalDpi xmlns:a14="http://schemas.microsoft.com/office/drawing/2010/main" val="0"/>
+                <a14:useLocalDpi xmlns:a14="http://schemas.microsoft.com/office/drawing/2010/main" xmlns="" val="0"/>
               </a:ext>
             </a:extLst>
           </a:blip>
@@ -3784,7 +3794,7 @@
     </p:spTree>
     <p:extLst>
       <p:ext uri="{BB962C8B-B14F-4D97-AF65-F5344CB8AC3E}">
-        <p14:creationId xmlns:p14="http://schemas.microsoft.com/office/powerpoint/2010/main" val="2417441425"/>
+        <p14:creationId xmlns:p14="http://schemas.microsoft.com/office/powerpoint/2010/main" xmlns="" val="2417441425"/>
       </p:ext>
     </p:extLst>
   </p:cSld>
@@ -4968,17 +4978,6 @@
 <file path=ppt/slides/slide3.xml><?xml version="1.0" encoding="utf-8"?>
 <p:sld xmlns:a="http://schemas.openxmlformats.org/drawingml/2006/main" xmlns:r="http://schemas.openxmlformats.org/officeDocument/2006/relationships" xmlns:p="http://schemas.openxmlformats.org/presentationml/2006/main">
   <p:cSld>
-    <p:bg>
-      <p:bgPr>
-        <a:solidFill>
-          <a:schemeClr val="accent4">
-            <a:lumMod val="40000"/>
-            <a:lumOff val="60000"/>
-          </a:schemeClr>
-        </a:solidFill>
-        <a:effectLst/>
-      </p:bgPr>
-    </p:bg>
     <p:spTree>
       <p:nvGrpSpPr>
         <p:cNvPr id="1" name=""/>
@@ -5005,7 +5004,7 @@
           <a:blip r:embed="rId2" cstate="print">
             <a:extLst>
               <a:ext uri="{28A0092B-C50C-407E-A947-70E740481C1C}">
-                <a14:useLocalDpi xmlns:a14="http://schemas.microsoft.com/office/drawing/2010/main" val="0"/>
+                <a14:useLocalDpi xmlns:a14="http://schemas.microsoft.com/office/drawing/2010/main" xmlns="" val="0"/>
               </a:ext>
             </a:extLst>
           </a:blip>
@@ -6237,7 +6236,7 @@
     </p:spTree>
     <p:extLst>
       <p:ext uri="{BB962C8B-B14F-4D97-AF65-F5344CB8AC3E}">
-        <p14:creationId xmlns:p14="http://schemas.microsoft.com/office/powerpoint/2010/main" val="3394418747"/>
+        <p14:creationId xmlns:p14="http://schemas.microsoft.com/office/powerpoint/2010/main" xmlns="" val="3394418747"/>
       </p:ext>
     </p:extLst>
   </p:cSld>
@@ -8415,17 +8414,6 @@
 <file path=ppt/slides/slide4.xml><?xml version="1.0" encoding="utf-8"?>
 <p:sld xmlns:a="http://schemas.openxmlformats.org/drawingml/2006/main" xmlns:r="http://schemas.openxmlformats.org/officeDocument/2006/relationships" xmlns:p="http://schemas.openxmlformats.org/presentationml/2006/main">
   <p:cSld>
-    <p:bg>
-      <p:bgPr>
-        <a:solidFill>
-          <a:schemeClr val="accent4">
-            <a:lumMod val="40000"/>
-            <a:lumOff val="60000"/>
-          </a:schemeClr>
-        </a:solidFill>
-        <a:effectLst/>
-      </p:bgPr>
-    </p:bg>
     <p:spTree>
       <p:nvGrpSpPr>
         <p:cNvPr id="1" name=""/>
@@ -8452,7 +8440,7 @@
           <a:blip r:embed="rId2" cstate="print">
             <a:extLst>
               <a:ext uri="{28A0092B-C50C-407E-A947-70E740481C1C}">
-                <a14:useLocalDpi xmlns:a14="http://schemas.microsoft.com/office/drawing/2010/main" val="0"/>
+                <a14:useLocalDpi xmlns:a14="http://schemas.microsoft.com/office/drawing/2010/main" xmlns="" val="0"/>
               </a:ext>
             </a:extLst>
           </a:blip>
@@ -8712,7 +8700,7 @@
     </p:spTree>
     <p:extLst>
       <p:ext uri="{BB962C8B-B14F-4D97-AF65-F5344CB8AC3E}">
-        <p14:creationId xmlns:p14="http://schemas.microsoft.com/office/powerpoint/2010/main" val="1300464209"/>
+        <p14:creationId xmlns:p14="http://schemas.microsoft.com/office/powerpoint/2010/main" xmlns="" val="1300464209"/>
       </p:ext>
     </p:extLst>
   </p:cSld>
@@ -9186,17 +9174,6 @@
 <file path=ppt/slides/slide5.xml><?xml version="1.0" encoding="utf-8"?>
 <p:sld xmlns:a="http://schemas.openxmlformats.org/drawingml/2006/main" xmlns:r="http://schemas.openxmlformats.org/officeDocument/2006/relationships" xmlns:p="http://schemas.openxmlformats.org/presentationml/2006/main">
   <p:cSld>
-    <p:bg>
-      <p:bgPr>
-        <a:solidFill>
-          <a:schemeClr val="accent4">
-            <a:lumMod val="40000"/>
-            <a:lumOff val="60000"/>
-          </a:schemeClr>
-        </a:solidFill>
-        <a:effectLst/>
-      </p:bgPr>
-    </p:bg>
     <p:spTree>
       <p:nvGrpSpPr>
         <p:cNvPr id="1" name=""/>
@@ -9223,7 +9200,7 @@
           <a:blip r:embed="rId2" cstate="print">
             <a:extLst>
               <a:ext uri="{28A0092B-C50C-407E-A947-70E740481C1C}">
-                <a14:useLocalDpi xmlns:a14="http://schemas.microsoft.com/office/drawing/2010/main" val="0"/>
+                <a14:useLocalDpi xmlns:a14="http://schemas.microsoft.com/office/drawing/2010/main" xmlns="" val="0"/>
               </a:ext>
             </a:extLst>
           </a:blip>
@@ -9283,7 +9260,7 @@
           <a:blip r:embed="rId3">
             <a:extLst>
               <a:ext uri="{28A0092B-C50C-407E-A947-70E740481C1C}">
-                <a14:useLocalDpi xmlns:a14="http://schemas.microsoft.com/office/drawing/2010/main" val="0"/>
+                <a14:useLocalDpi xmlns:a14="http://schemas.microsoft.com/office/drawing/2010/main" xmlns="" val="0"/>
               </a:ext>
             </a:extLst>
           </a:blip>
@@ -9293,18 +9270,216 @@
         </p:blipFill>
         <p:spPr>
           <a:xfrm>
-            <a:off x="2147888" y="2384869"/>
-            <a:ext cx="7759900" cy="2528507"/>
+            <a:off x="2130134" y="2171805"/>
+            <a:ext cx="6747536" cy="2198635"/>
           </a:xfrm>
           <a:prstGeom prst="rect">
             <a:avLst/>
           </a:prstGeom>
         </p:spPr>
       </p:pic>
+      <p:pic>
+        <p:nvPicPr>
+          <p:cNvPr id="2051" name="Picture 3"/>
+          <p:cNvPicPr>
+            <a:picLocks noChangeAspect="1" noChangeArrowheads="1"/>
+          </p:cNvPicPr>
+          <p:nvPr/>
+        </p:nvPicPr>
+        <p:blipFill>
+          <a:blip r:embed="rId4"/>
+          <a:srcRect/>
+          <a:stretch>
+            <a:fillRect/>
+          </a:stretch>
+        </p:blipFill>
+        <p:spPr bwMode="auto">
+          <a:xfrm>
+            <a:off x="-4021584" y="6239292"/>
+            <a:ext cx="6756712" cy="3210988"/>
+          </a:xfrm>
+          <a:prstGeom prst="rect">
+            <a:avLst/>
+          </a:prstGeom>
+          <a:noFill/>
+          <a:ln w="9525">
+            <a:noFill/>
+            <a:miter lim="800000"/>
+            <a:headEnd/>
+            <a:tailEnd/>
+          </a:ln>
+          <a:effectLst/>
+        </p:spPr>
+      </p:pic>
+      <p:pic>
+        <p:nvPicPr>
+          <p:cNvPr id="2052" name="Picture 4"/>
+          <p:cNvPicPr>
+            <a:picLocks noChangeAspect="1" noChangeArrowheads="1"/>
+          </p:cNvPicPr>
+          <p:nvPr/>
+        </p:nvPicPr>
+        <p:blipFill>
+          <a:blip r:embed="rId5"/>
+          <a:srcRect/>
+          <a:stretch>
+            <a:fillRect/>
+          </a:stretch>
+        </p:blipFill>
+        <p:spPr bwMode="auto">
+          <a:xfrm>
+            <a:off x="9172113" y="6171829"/>
+            <a:ext cx="3810000" cy="4191000"/>
+          </a:xfrm>
+          <a:prstGeom prst="rect">
+            <a:avLst/>
+          </a:prstGeom>
+          <a:noFill/>
+          <a:ln w="9525">
+            <a:noFill/>
+            <a:miter lim="800000"/>
+            <a:headEnd/>
+            <a:tailEnd/>
+          </a:ln>
+          <a:effectLst/>
+        </p:spPr>
+      </p:pic>
+      <p:pic>
+        <p:nvPicPr>
+          <p:cNvPr id="2053" name="Picture 5"/>
+          <p:cNvPicPr>
+            <a:picLocks noChangeAspect="1" noChangeArrowheads="1"/>
+          </p:cNvPicPr>
+          <p:nvPr/>
+        </p:nvPicPr>
+        <p:blipFill>
+          <a:blip r:embed="rId6"/>
+          <a:srcRect/>
+          <a:stretch>
+            <a:fillRect/>
+          </a:stretch>
+        </p:blipFill>
+        <p:spPr bwMode="auto">
+          <a:xfrm>
+            <a:off x="11653235" y="-2645548"/>
+            <a:ext cx="6673217" cy="4527057"/>
+          </a:xfrm>
+          <a:prstGeom prst="rect">
+            <a:avLst/>
+          </a:prstGeom>
+          <a:noFill/>
+          <a:ln w="9525">
+            <a:noFill/>
+            <a:miter lim="800000"/>
+            <a:headEnd/>
+            <a:tailEnd/>
+          </a:ln>
+          <a:effectLst/>
+        </p:spPr>
+      </p:pic>
+      <p:pic>
+        <p:nvPicPr>
+          <p:cNvPr id="2054" name="Picture 6"/>
+          <p:cNvPicPr>
+            <a:picLocks noChangeAspect="1" noChangeArrowheads="1"/>
+          </p:cNvPicPr>
+          <p:nvPr/>
+        </p:nvPicPr>
+        <p:blipFill>
+          <a:blip r:embed="rId7"/>
+          <a:srcRect/>
+          <a:stretch>
+            <a:fillRect/>
+          </a:stretch>
+        </p:blipFill>
+        <p:spPr bwMode="auto">
+          <a:xfrm>
+            <a:off x="-5525189" y="-2157273"/>
+            <a:ext cx="8993616" cy="3375178"/>
+          </a:xfrm>
+          <a:prstGeom prst="rect">
+            <a:avLst/>
+          </a:prstGeom>
+          <a:noFill/>
+          <a:ln w="9525">
+            <a:noFill/>
+            <a:miter lim="800000"/>
+            <a:headEnd/>
+            <a:tailEnd/>
+          </a:ln>
+          <a:effectLst/>
+        </p:spPr>
+      </p:pic>
+      <p:pic>
+        <p:nvPicPr>
+          <p:cNvPr id="2055" name="Picture 7"/>
+          <p:cNvPicPr>
+            <a:picLocks noChangeAspect="1" noChangeArrowheads="1"/>
+          </p:cNvPicPr>
+          <p:nvPr/>
+        </p:nvPicPr>
+        <p:blipFill>
+          <a:blip r:embed="rId8"/>
+          <a:srcRect/>
+          <a:stretch>
+            <a:fillRect/>
+          </a:stretch>
+        </p:blipFill>
+        <p:spPr bwMode="auto">
+          <a:xfrm>
+            <a:off x="3234154" y="6327652"/>
+            <a:ext cx="5581650" cy="5353050"/>
+          </a:xfrm>
+          <a:prstGeom prst="rect">
+            <a:avLst/>
+          </a:prstGeom>
+          <a:noFill/>
+          <a:ln w="9525">
+            <a:noFill/>
+            <a:miter lim="800000"/>
+            <a:headEnd/>
+            <a:tailEnd/>
+          </a:ln>
+          <a:effectLst/>
+        </p:spPr>
+      </p:pic>
+      <p:pic>
+        <p:nvPicPr>
+          <p:cNvPr id="2056" name="Picture 8"/>
+          <p:cNvPicPr>
+            <a:picLocks noChangeAspect="1" noChangeArrowheads="1"/>
+          </p:cNvPicPr>
+          <p:nvPr/>
+        </p:nvPicPr>
+        <p:blipFill>
+          <a:blip r:embed="rId9"/>
+          <a:srcRect/>
+          <a:stretch>
+            <a:fillRect/>
+          </a:stretch>
+        </p:blipFill>
+        <p:spPr bwMode="auto">
+          <a:xfrm>
+            <a:off x="3536457" y="-2932174"/>
+            <a:ext cx="7658100" cy="3667125"/>
+          </a:xfrm>
+          <a:prstGeom prst="rect">
+            <a:avLst/>
+          </a:prstGeom>
+          <a:noFill/>
+          <a:ln w="9525">
+            <a:noFill/>
+            <a:miter lim="800000"/>
+            <a:headEnd/>
+            <a:tailEnd/>
+          </a:ln>
+          <a:effectLst/>
+        </p:spPr>
+      </p:pic>
     </p:spTree>
     <p:extLst>
       <p:ext uri="{BB962C8B-B14F-4D97-AF65-F5344CB8AC3E}">
-        <p14:creationId xmlns:p14="http://schemas.microsoft.com/office/powerpoint/2010/main" val="3867096939"/>
+        <p14:creationId xmlns:p14="http://schemas.microsoft.com/office/powerpoint/2010/main" xmlns="" val="3867096939"/>
       </p:ext>
     </p:extLst>
   </p:cSld>
@@ -9314,7 +9489,741 @@
   <p:timing>
     <p:tnLst>
       <p:par>
-        <p:cTn id="1" dur="indefinite" restart="never" nodeType="tmRoot"/>
+        <p:cTn id="1" dur="indefinite" restart="never" nodeType="tmRoot">
+          <p:childTnLst>
+            <p:seq concurrent="1" nextAc="seek">
+              <p:cTn id="2" dur="indefinite" nodeType="mainSeq">
+                <p:childTnLst>
+                  <p:par>
+                    <p:cTn id="3" fill="hold">
+                      <p:stCondLst>
+                        <p:cond delay="indefinite"/>
+                      </p:stCondLst>
+                      <p:childTnLst>
+                        <p:par>
+                          <p:cTn id="4" fill="hold">
+                            <p:stCondLst>
+                              <p:cond delay="0"/>
+                            </p:stCondLst>
+                            <p:childTnLst>
+                              <p:par>
+                                <p:cTn id="5" presetID="10" presetClass="entr" presetSubtype="0" fill="hold" nodeType="clickEffect">
+                                  <p:stCondLst>
+                                    <p:cond delay="0"/>
+                                  </p:stCondLst>
+                                  <p:childTnLst>
+                                    <p:set>
+                                      <p:cBhvr>
+                                        <p:cTn id="6" dur="1" fill="hold">
+                                          <p:stCondLst>
+                                            <p:cond delay="0"/>
+                                          </p:stCondLst>
+                                        </p:cTn>
+                                        <p:tgtEl>
+                                          <p:spTgt spid="3"/>
+                                        </p:tgtEl>
+                                        <p:attrNameLst>
+                                          <p:attrName>style.visibility</p:attrName>
+                                        </p:attrNameLst>
+                                      </p:cBhvr>
+                                      <p:to>
+                                        <p:strVal val="visible"/>
+                                      </p:to>
+                                    </p:set>
+                                    <p:animEffect transition="in" filter="fade">
+                                      <p:cBhvr>
+                                        <p:cTn id="7" dur="1000"/>
+                                        <p:tgtEl>
+                                          <p:spTgt spid="3"/>
+                                        </p:tgtEl>
+                                      </p:cBhvr>
+                                    </p:animEffect>
+                                  </p:childTnLst>
+                                </p:cTn>
+                              </p:par>
+                            </p:childTnLst>
+                          </p:cTn>
+                        </p:par>
+                      </p:childTnLst>
+                    </p:cTn>
+                  </p:par>
+                  <p:par>
+                    <p:cTn id="8" fill="hold">
+                      <p:stCondLst>
+                        <p:cond delay="indefinite"/>
+                      </p:stCondLst>
+                      <p:childTnLst>
+                        <p:par>
+                          <p:cTn id="9" fill="hold">
+                            <p:stCondLst>
+                              <p:cond delay="0"/>
+                            </p:stCondLst>
+                            <p:childTnLst>
+                              <p:par>
+                                <p:cTn id="10" presetID="10" presetClass="entr" presetSubtype="0" fill="hold" nodeType="clickEffect">
+                                  <p:stCondLst>
+                                    <p:cond delay="0"/>
+                                  </p:stCondLst>
+                                  <p:childTnLst>
+                                    <p:set>
+                                      <p:cBhvr>
+                                        <p:cTn id="11" dur="1" fill="hold">
+                                          <p:stCondLst>
+                                            <p:cond delay="0"/>
+                                          </p:stCondLst>
+                                        </p:cTn>
+                                        <p:tgtEl>
+                                          <p:spTgt spid="2051"/>
+                                        </p:tgtEl>
+                                        <p:attrNameLst>
+                                          <p:attrName>style.visibility</p:attrName>
+                                        </p:attrNameLst>
+                                      </p:cBhvr>
+                                      <p:to>
+                                        <p:strVal val="visible"/>
+                                      </p:to>
+                                    </p:set>
+                                    <p:animEffect transition="in" filter="fade">
+                                      <p:cBhvr>
+                                        <p:cTn id="12" dur="500"/>
+                                        <p:tgtEl>
+                                          <p:spTgt spid="2051"/>
+                                        </p:tgtEl>
+                                      </p:cBhvr>
+                                    </p:animEffect>
+                                  </p:childTnLst>
+                                </p:cTn>
+                              </p:par>
+                              <p:par>
+                                <p:cTn id="13" presetID="0" presetClass="path" presetSubtype="0" accel="50000" decel="50000" fill="hold" nodeType="withEffect">
+                                  <p:stCondLst>
+                                    <p:cond delay="0"/>
+                                  </p:stCondLst>
+                                  <p:childTnLst>
+                                    <p:animMotion origin="layout" path="M -1.88851E-6 3.71964E-6 L 0.49675 -0.60676 " pathEditMode="relative" rAng="0" ptsTypes="AA">
+                                      <p:cBhvr>
+                                        <p:cTn id="14" dur="500" fill="hold"/>
+                                        <p:tgtEl>
+                                          <p:spTgt spid="2051"/>
+                                        </p:tgtEl>
+                                        <p:attrNameLst>
+                                          <p:attrName>ppt_x</p:attrName>
+                                          <p:attrName>ppt_y</p:attrName>
+                                        </p:attrNameLst>
+                                      </p:cBhvr>
+                                      <p:rCtr x="248" y="-303"/>
+                                    </p:animMotion>
+                                  </p:childTnLst>
+                                </p:cTn>
+                              </p:par>
+                            </p:childTnLst>
+                          </p:cTn>
+                        </p:par>
+                        <p:par>
+                          <p:cTn id="15" fill="hold">
+                            <p:stCondLst>
+                              <p:cond delay="500"/>
+                            </p:stCondLst>
+                            <p:childTnLst>
+                              <p:par>
+                                <p:cTn id="16" presetID="10" presetClass="entr" presetSubtype="0" fill="hold" nodeType="afterEffect">
+                                  <p:stCondLst>
+                                    <p:cond delay="0"/>
+                                  </p:stCondLst>
+                                  <p:childTnLst>
+                                    <p:set>
+                                      <p:cBhvr>
+                                        <p:cTn id="17" dur="1" fill="hold">
+                                          <p:stCondLst>
+                                            <p:cond delay="0"/>
+                                          </p:stCondLst>
+                                        </p:cTn>
+                                        <p:tgtEl>
+                                          <p:spTgt spid="2052"/>
+                                        </p:tgtEl>
+                                        <p:attrNameLst>
+                                          <p:attrName>style.visibility</p:attrName>
+                                        </p:attrNameLst>
+                                      </p:cBhvr>
+                                      <p:to>
+                                        <p:strVal val="visible"/>
+                                      </p:to>
+                                    </p:set>
+                                    <p:animEffect transition="in" filter="fade">
+                                      <p:cBhvr>
+                                        <p:cTn id="18" dur="500"/>
+                                        <p:tgtEl>
+                                          <p:spTgt spid="2052"/>
+                                        </p:tgtEl>
+                                      </p:cBhvr>
+                                    </p:animEffect>
+                                  </p:childTnLst>
+                                </p:cTn>
+                              </p:par>
+                              <p:par>
+                                <p:cTn id="19" presetID="0" presetClass="path" presetSubtype="0" accel="50000" decel="50000" fill="hold" nodeType="withEffect">
+                                  <p:stCondLst>
+                                    <p:cond delay="0"/>
+                                  </p:stCondLst>
+                                  <p:childTnLst>
+                                    <p:animMotion origin="layout" path="M -4.2459E-7 1.05482E-6 L -0.38669 -0.71016 " pathEditMode="relative" rAng="0" ptsTypes="AA">
+                                      <p:cBhvr>
+                                        <p:cTn id="20" dur="500" fill="hold"/>
+                                        <p:tgtEl>
+                                          <p:spTgt spid="2052"/>
+                                        </p:tgtEl>
+                                        <p:attrNameLst>
+                                          <p:attrName>ppt_x</p:attrName>
+                                          <p:attrName>ppt_y</p:attrName>
+                                        </p:attrNameLst>
+                                      </p:cBhvr>
+                                      <p:rCtr x="-193" y="-355"/>
+                                    </p:animMotion>
+                                  </p:childTnLst>
+                                </p:cTn>
+                              </p:par>
+                            </p:childTnLst>
+                          </p:cTn>
+                        </p:par>
+                        <p:par>
+                          <p:cTn id="21" fill="hold">
+                            <p:stCondLst>
+                              <p:cond delay="1000"/>
+                            </p:stCondLst>
+                            <p:childTnLst>
+                              <p:par>
+                                <p:cTn id="22" presetID="10" presetClass="entr" presetSubtype="0" fill="hold" nodeType="afterEffect">
+                                  <p:stCondLst>
+                                    <p:cond delay="0"/>
+                                  </p:stCondLst>
+                                  <p:childTnLst>
+                                    <p:set>
+                                      <p:cBhvr>
+                                        <p:cTn id="23" dur="1" fill="hold">
+                                          <p:stCondLst>
+                                            <p:cond delay="0"/>
+                                          </p:stCondLst>
+                                        </p:cTn>
+                                        <p:tgtEl>
+                                          <p:spTgt spid="2053"/>
+                                        </p:tgtEl>
+                                        <p:attrNameLst>
+                                          <p:attrName>style.visibility</p:attrName>
+                                        </p:attrNameLst>
+                                      </p:cBhvr>
+                                      <p:to>
+                                        <p:strVal val="visible"/>
+                                      </p:to>
+                                    </p:set>
+                                    <p:animEffect transition="in" filter="fade">
+                                      <p:cBhvr>
+                                        <p:cTn id="24" dur="500"/>
+                                        <p:tgtEl>
+                                          <p:spTgt spid="2053"/>
+                                        </p:tgtEl>
+                                      </p:cBhvr>
+                                    </p:animEffect>
+                                  </p:childTnLst>
+                                </p:cTn>
+                              </p:par>
+                              <p:par>
+                                <p:cTn id="25" presetID="0" presetClass="path" presetSubtype="0" accel="50000" decel="50000" fill="hold" nodeType="withEffect">
+                                  <p:stCondLst>
+                                    <p:cond delay="0"/>
+                                  </p:stCondLst>
+                                  <p:childTnLst>
+                                    <p:animMotion origin="layout" path="M 2.66997E-6 -2.99792E-6 L -0.67453 0.56674 " pathEditMode="relative" rAng="0" ptsTypes="AA">
+                                      <p:cBhvr>
+                                        <p:cTn id="26" dur="500" fill="hold"/>
+                                        <p:tgtEl>
+                                          <p:spTgt spid="2053"/>
+                                        </p:tgtEl>
+                                        <p:attrNameLst>
+                                          <p:attrName>ppt_x</p:attrName>
+                                          <p:attrName>ppt_y</p:attrName>
+                                        </p:attrNameLst>
+                                      </p:cBhvr>
+                                      <p:rCtr x="-337" y="283"/>
+                                    </p:animMotion>
+                                  </p:childTnLst>
+                                </p:cTn>
+                              </p:par>
+                            </p:childTnLst>
+                          </p:cTn>
+                        </p:par>
+                        <p:par>
+                          <p:cTn id="27" fill="hold">
+                            <p:stCondLst>
+                              <p:cond delay="1500"/>
+                            </p:stCondLst>
+                            <p:childTnLst>
+                              <p:par>
+                                <p:cTn id="28" presetID="10" presetClass="entr" presetSubtype="0" fill="hold" nodeType="afterEffect">
+                                  <p:stCondLst>
+                                    <p:cond delay="0"/>
+                                  </p:stCondLst>
+                                  <p:childTnLst>
+                                    <p:set>
+                                      <p:cBhvr>
+                                        <p:cTn id="29" dur="1" fill="hold">
+                                          <p:stCondLst>
+                                            <p:cond delay="0"/>
+                                          </p:stCondLst>
+                                        </p:cTn>
+                                        <p:tgtEl>
+                                          <p:spTgt spid="2054"/>
+                                        </p:tgtEl>
+                                        <p:attrNameLst>
+                                          <p:attrName>style.visibility</p:attrName>
+                                        </p:attrNameLst>
+                                      </p:cBhvr>
+                                      <p:to>
+                                        <p:strVal val="visible"/>
+                                      </p:to>
+                                    </p:set>
+                                    <p:animEffect transition="in" filter="fade">
+                                      <p:cBhvr>
+                                        <p:cTn id="30" dur="500"/>
+                                        <p:tgtEl>
+                                          <p:spTgt spid="2054"/>
+                                        </p:tgtEl>
+                                      </p:cBhvr>
+                                    </p:animEffect>
+                                  </p:childTnLst>
+                                </p:cTn>
+                              </p:par>
+                              <p:par>
+                                <p:cTn id="31" presetID="0" presetClass="path" presetSubtype="0" accel="50000" decel="50000" fill="hold" nodeType="withEffect">
+                                  <p:stCondLst>
+                                    <p:cond delay="0"/>
+                                  </p:stCondLst>
+                                  <p:childTnLst>
+                                    <p:animMotion origin="layout" path="M -3.26387E-6 9.69234E-7 L 0.64314 0.58501 " pathEditMode="relative" rAng="0" ptsTypes="AA">
+                                      <p:cBhvr>
+                                        <p:cTn id="32" dur="500" fill="hold"/>
+                                        <p:tgtEl>
+                                          <p:spTgt spid="2054"/>
+                                        </p:tgtEl>
+                                        <p:attrNameLst>
+                                          <p:attrName>ppt_x</p:attrName>
+                                          <p:attrName>ppt_y</p:attrName>
+                                        </p:attrNameLst>
+                                      </p:cBhvr>
+                                      <p:rCtr x="322" y="292"/>
+                                    </p:animMotion>
+                                  </p:childTnLst>
+                                </p:cTn>
+                              </p:par>
+                            </p:childTnLst>
+                          </p:cTn>
+                        </p:par>
+                        <p:par>
+                          <p:cTn id="33" fill="hold">
+                            <p:stCondLst>
+                              <p:cond delay="2000"/>
+                            </p:stCondLst>
+                            <p:childTnLst>
+                              <p:par>
+                                <p:cTn id="34" presetID="10" presetClass="entr" presetSubtype="0" fill="hold" nodeType="afterEffect">
+                                  <p:stCondLst>
+                                    <p:cond delay="0"/>
+                                  </p:stCondLst>
+                                  <p:childTnLst>
+                                    <p:set>
+                                      <p:cBhvr>
+                                        <p:cTn id="35" dur="1" fill="hold">
+                                          <p:stCondLst>
+                                            <p:cond delay="0"/>
+                                          </p:stCondLst>
+                                        </p:cTn>
+                                        <p:tgtEl>
+                                          <p:spTgt spid="2055"/>
+                                        </p:tgtEl>
+                                        <p:attrNameLst>
+                                          <p:attrName>style.visibility</p:attrName>
+                                        </p:attrNameLst>
+                                      </p:cBhvr>
+                                      <p:to>
+                                        <p:strVal val="visible"/>
+                                      </p:to>
+                                    </p:set>
+                                    <p:animEffect transition="in" filter="fade">
+                                      <p:cBhvr>
+                                        <p:cTn id="36" dur="500"/>
+                                        <p:tgtEl>
+                                          <p:spTgt spid="2055"/>
+                                        </p:tgtEl>
+                                      </p:cBhvr>
+                                    </p:animEffect>
+                                  </p:childTnLst>
+                                </p:cTn>
+                              </p:par>
+                              <p:par>
+                                <p:cTn id="37" presetID="0" presetClass="path" presetSubtype="0" accel="50000" decel="50000" fill="hold" nodeType="withEffect">
+                                  <p:stCondLst>
+                                    <p:cond delay="0"/>
+                                  </p:stCondLst>
+                                  <p:childTnLst>
+                                    <p:animMotion origin="layout" path="M 6.59026E-7 -1.81587E-6 L 0.16319 -0.86028 " pathEditMode="relative" rAng="0" ptsTypes="AA">
+                                      <p:cBhvr>
+                                        <p:cTn id="38" dur="500" fill="hold"/>
+                                        <p:tgtEl>
+                                          <p:spTgt spid="2055"/>
+                                        </p:tgtEl>
+                                        <p:attrNameLst>
+                                          <p:attrName>ppt_x</p:attrName>
+                                          <p:attrName>ppt_y</p:attrName>
+                                        </p:attrNameLst>
+                                      </p:cBhvr>
+                                      <p:rCtr x="82" y="-430"/>
+                                    </p:animMotion>
+                                  </p:childTnLst>
+                                </p:cTn>
+                              </p:par>
+                            </p:childTnLst>
+                          </p:cTn>
+                        </p:par>
+                        <p:par>
+                          <p:cTn id="39" fill="hold">
+                            <p:stCondLst>
+                              <p:cond delay="2500"/>
+                            </p:stCondLst>
+                            <p:childTnLst>
+                              <p:par>
+                                <p:cTn id="40" presetID="10" presetClass="entr" presetSubtype="0" fill="hold" nodeType="afterEffect">
+                                  <p:stCondLst>
+                                    <p:cond delay="0"/>
+                                  </p:stCondLst>
+                                  <p:childTnLst>
+                                    <p:set>
+                                      <p:cBhvr>
+                                        <p:cTn id="41" dur="1" fill="hold">
+                                          <p:stCondLst>
+                                            <p:cond delay="0"/>
+                                          </p:stCondLst>
+                                        </p:cTn>
+                                        <p:tgtEl>
+                                          <p:spTgt spid="2056"/>
+                                        </p:tgtEl>
+                                        <p:attrNameLst>
+                                          <p:attrName>style.visibility</p:attrName>
+                                        </p:attrNameLst>
+                                      </p:cBhvr>
+                                      <p:to>
+                                        <p:strVal val="visible"/>
+                                      </p:to>
+                                    </p:set>
+                                    <p:animEffect transition="in" filter="fade">
+                                      <p:cBhvr>
+                                        <p:cTn id="42" dur="500"/>
+                                        <p:tgtEl>
+                                          <p:spTgt spid="2056"/>
+                                        </p:tgtEl>
+                                      </p:cBhvr>
+                                    </p:animEffect>
+                                  </p:childTnLst>
+                                </p:cTn>
+                              </p:par>
+                              <p:par>
+                                <p:cTn id="43" presetID="0" presetClass="path" presetSubtype="0" accel="50000" decel="50000" fill="hold" nodeType="withEffect">
+                                  <p:stCondLst>
+                                    <p:cond delay="0"/>
+                                  </p:stCondLst>
+                                  <p:childTnLst>
+                                    <p:animMotion origin="layout" path="M 5.29044E-6 -7.44853E-7 L -0.13831 0.72958 " pathEditMode="relative" ptsTypes="AA">
+                                      <p:cBhvr>
+                                        <p:cTn id="44" dur="500" fill="hold"/>
+                                        <p:tgtEl>
+                                          <p:spTgt spid="2056"/>
+                                        </p:tgtEl>
+                                        <p:attrNameLst>
+                                          <p:attrName>ppt_x</p:attrName>
+                                          <p:attrName>ppt_y</p:attrName>
+                                        </p:attrNameLst>
+                                      </p:cBhvr>
+                                    </p:animMotion>
+                                  </p:childTnLst>
+                                </p:cTn>
+                              </p:par>
+                            </p:childTnLst>
+                          </p:cTn>
+                        </p:par>
+                        <p:par>
+                          <p:cTn id="45" fill="hold">
+                            <p:stCondLst>
+                              <p:cond delay="3000"/>
+                            </p:stCondLst>
+                            <p:childTnLst>
+                              <p:par>
+                                <p:cTn id="46" presetID="10" presetClass="exit" presetSubtype="0" fill="hold" nodeType="afterEffect">
+                                  <p:stCondLst>
+                                    <p:cond delay="0"/>
+                                  </p:stCondLst>
+                                  <p:childTnLst>
+                                    <p:animEffect transition="out" filter="fade">
+                                      <p:cBhvr>
+                                        <p:cTn id="47" dur="2000"/>
+                                        <p:tgtEl>
+                                          <p:spTgt spid="2056"/>
+                                        </p:tgtEl>
+                                      </p:cBhvr>
+                                    </p:animEffect>
+                                    <p:set>
+                                      <p:cBhvr>
+                                        <p:cTn id="48" dur="1" fill="hold">
+                                          <p:stCondLst>
+                                            <p:cond delay="1999"/>
+                                          </p:stCondLst>
+                                        </p:cTn>
+                                        <p:tgtEl>
+                                          <p:spTgt spid="2056"/>
+                                        </p:tgtEl>
+                                        <p:attrNameLst>
+                                          <p:attrName>style.visibility</p:attrName>
+                                        </p:attrNameLst>
+                                      </p:cBhvr>
+                                      <p:to>
+                                        <p:strVal val="hidden"/>
+                                      </p:to>
+                                    </p:set>
+                                  </p:childTnLst>
+                                </p:cTn>
+                              </p:par>
+                              <p:par>
+                                <p:cTn id="49" presetID="10" presetClass="exit" presetSubtype="0" fill="hold" nodeType="withEffect">
+                                  <p:stCondLst>
+                                    <p:cond delay="0"/>
+                                  </p:stCondLst>
+                                  <p:childTnLst>
+                                    <p:animEffect transition="out" filter="fade">
+                                      <p:cBhvr>
+                                        <p:cTn id="50" dur="2000"/>
+                                        <p:tgtEl>
+                                          <p:spTgt spid="2053"/>
+                                        </p:tgtEl>
+                                      </p:cBhvr>
+                                    </p:animEffect>
+                                    <p:set>
+                                      <p:cBhvr>
+                                        <p:cTn id="51" dur="1" fill="hold">
+                                          <p:stCondLst>
+                                            <p:cond delay="1999"/>
+                                          </p:stCondLst>
+                                        </p:cTn>
+                                        <p:tgtEl>
+                                          <p:spTgt spid="2053"/>
+                                        </p:tgtEl>
+                                        <p:attrNameLst>
+                                          <p:attrName>style.visibility</p:attrName>
+                                        </p:attrNameLst>
+                                      </p:cBhvr>
+                                      <p:to>
+                                        <p:strVal val="hidden"/>
+                                      </p:to>
+                                    </p:set>
+                                  </p:childTnLst>
+                                </p:cTn>
+                              </p:par>
+                              <p:par>
+                                <p:cTn id="52" presetID="10" presetClass="exit" presetSubtype="0" fill="hold" nodeType="withEffect">
+                                  <p:stCondLst>
+                                    <p:cond delay="0"/>
+                                  </p:stCondLst>
+                                  <p:childTnLst>
+                                    <p:animEffect transition="out" filter="fade">
+                                      <p:cBhvr>
+                                        <p:cTn id="53" dur="2000"/>
+                                        <p:tgtEl>
+                                          <p:spTgt spid="3"/>
+                                        </p:tgtEl>
+                                      </p:cBhvr>
+                                    </p:animEffect>
+                                    <p:set>
+                                      <p:cBhvr>
+                                        <p:cTn id="54" dur="1" fill="hold">
+                                          <p:stCondLst>
+                                            <p:cond delay="1999"/>
+                                          </p:stCondLst>
+                                        </p:cTn>
+                                        <p:tgtEl>
+                                          <p:spTgt spid="3"/>
+                                        </p:tgtEl>
+                                        <p:attrNameLst>
+                                          <p:attrName>style.visibility</p:attrName>
+                                        </p:attrNameLst>
+                                      </p:cBhvr>
+                                      <p:to>
+                                        <p:strVal val="hidden"/>
+                                      </p:to>
+                                    </p:set>
+                                  </p:childTnLst>
+                                </p:cTn>
+                              </p:par>
+                              <p:par>
+                                <p:cTn id="55" presetID="10" presetClass="exit" presetSubtype="0" fill="hold" nodeType="withEffect">
+                                  <p:stCondLst>
+                                    <p:cond delay="0"/>
+                                  </p:stCondLst>
+                                  <p:childTnLst>
+                                    <p:animEffect transition="out" filter="fade">
+                                      <p:cBhvr>
+                                        <p:cTn id="56" dur="2000"/>
+                                        <p:tgtEl>
+                                          <p:spTgt spid="2054"/>
+                                        </p:tgtEl>
+                                      </p:cBhvr>
+                                    </p:animEffect>
+                                    <p:set>
+                                      <p:cBhvr>
+                                        <p:cTn id="57" dur="1" fill="hold">
+                                          <p:stCondLst>
+                                            <p:cond delay="1999"/>
+                                          </p:stCondLst>
+                                        </p:cTn>
+                                        <p:tgtEl>
+                                          <p:spTgt spid="2054"/>
+                                        </p:tgtEl>
+                                        <p:attrNameLst>
+                                          <p:attrName>style.visibility</p:attrName>
+                                        </p:attrNameLst>
+                                      </p:cBhvr>
+                                      <p:to>
+                                        <p:strVal val="hidden"/>
+                                      </p:to>
+                                    </p:set>
+                                  </p:childTnLst>
+                                </p:cTn>
+                              </p:par>
+                              <p:par>
+                                <p:cTn id="58" presetID="10" presetClass="exit" presetSubtype="0" fill="hold" nodeType="withEffect">
+                                  <p:stCondLst>
+                                    <p:cond delay="0"/>
+                                  </p:stCondLst>
+                                  <p:childTnLst>
+                                    <p:animEffect transition="out" filter="fade">
+                                      <p:cBhvr>
+                                        <p:cTn id="59" dur="2000"/>
+                                        <p:tgtEl>
+                                          <p:spTgt spid="2052"/>
+                                        </p:tgtEl>
+                                      </p:cBhvr>
+                                    </p:animEffect>
+                                    <p:set>
+                                      <p:cBhvr>
+                                        <p:cTn id="60" dur="1" fill="hold">
+                                          <p:stCondLst>
+                                            <p:cond delay="1999"/>
+                                          </p:stCondLst>
+                                        </p:cTn>
+                                        <p:tgtEl>
+                                          <p:spTgt spid="2052"/>
+                                        </p:tgtEl>
+                                        <p:attrNameLst>
+                                          <p:attrName>style.visibility</p:attrName>
+                                        </p:attrNameLst>
+                                      </p:cBhvr>
+                                      <p:to>
+                                        <p:strVal val="hidden"/>
+                                      </p:to>
+                                    </p:set>
+                                  </p:childTnLst>
+                                </p:cTn>
+                              </p:par>
+                              <p:par>
+                                <p:cTn id="61" presetID="10" presetClass="exit" presetSubtype="0" fill="hold" nodeType="withEffect">
+                                  <p:stCondLst>
+                                    <p:cond delay="0"/>
+                                  </p:stCondLst>
+                                  <p:childTnLst>
+                                    <p:animEffect transition="out" filter="fade">
+                                      <p:cBhvr>
+                                        <p:cTn id="62" dur="2000"/>
+                                        <p:tgtEl>
+                                          <p:spTgt spid="2055"/>
+                                        </p:tgtEl>
+                                      </p:cBhvr>
+                                    </p:animEffect>
+                                    <p:set>
+                                      <p:cBhvr>
+                                        <p:cTn id="63" dur="1" fill="hold">
+                                          <p:stCondLst>
+                                            <p:cond delay="1999"/>
+                                          </p:stCondLst>
+                                        </p:cTn>
+                                        <p:tgtEl>
+                                          <p:spTgt spid="2055"/>
+                                        </p:tgtEl>
+                                        <p:attrNameLst>
+                                          <p:attrName>style.visibility</p:attrName>
+                                        </p:attrNameLst>
+                                      </p:cBhvr>
+                                      <p:to>
+                                        <p:strVal val="hidden"/>
+                                      </p:to>
+                                    </p:set>
+                                  </p:childTnLst>
+                                </p:cTn>
+                              </p:par>
+                              <p:par>
+                                <p:cTn id="64" presetID="10" presetClass="exit" presetSubtype="0" fill="hold" nodeType="withEffect">
+                                  <p:stCondLst>
+                                    <p:cond delay="0"/>
+                                  </p:stCondLst>
+                                  <p:childTnLst>
+                                    <p:animEffect transition="out" filter="fade">
+                                      <p:cBhvr>
+                                        <p:cTn id="65" dur="2000"/>
+                                        <p:tgtEl>
+                                          <p:spTgt spid="2051"/>
+                                        </p:tgtEl>
+                                      </p:cBhvr>
+                                    </p:animEffect>
+                                    <p:set>
+                                      <p:cBhvr>
+                                        <p:cTn id="66" dur="1" fill="hold">
+                                          <p:stCondLst>
+                                            <p:cond delay="1999"/>
+                                          </p:stCondLst>
+                                        </p:cTn>
+                                        <p:tgtEl>
+                                          <p:spTgt spid="2051"/>
+                                        </p:tgtEl>
+                                        <p:attrNameLst>
+                                          <p:attrName>style.visibility</p:attrName>
+                                        </p:attrNameLst>
+                                      </p:cBhvr>
+                                      <p:to>
+                                        <p:strVal val="hidden"/>
+                                      </p:to>
+                                    </p:set>
+                                  </p:childTnLst>
+                                </p:cTn>
+                              </p:par>
+                            </p:childTnLst>
+                          </p:cTn>
+                        </p:par>
+                      </p:childTnLst>
+                    </p:cTn>
+                  </p:par>
+                </p:childTnLst>
+              </p:cTn>
+              <p:prevCondLst>
+                <p:cond evt="onPrev" delay="0">
+                  <p:tgtEl>
+                    <p:sldTgt/>
+                  </p:tgtEl>
+                </p:cond>
+              </p:prevCondLst>
+              <p:nextCondLst>
+                <p:cond evt="onNext" delay="0">
+                  <p:tgtEl>
+                    <p:sldTgt/>
+                  </p:tgtEl>
+                </p:cond>
+              </p:nextCondLst>
+            </p:seq>
+          </p:childTnLst>
+        </p:cTn>
       </p:par>
     </p:tnLst>
   </p:timing>
@@ -9324,17 +10233,6 @@
 <file path=ppt/slides/slide6.xml><?xml version="1.0" encoding="utf-8"?>
 <p:sld xmlns:a="http://schemas.openxmlformats.org/drawingml/2006/main" xmlns:r="http://schemas.openxmlformats.org/officeDocument/2006/relationships" xmlns:p="http://schemas.openxmlformats.org/presentationml/2006/main">
   <p:cSld>
-    <p:bg>
-      <p:bgPr>
-        <a:solidFill>
-          <a:schemeClr val="accent4">
-            <a:lumMod val="40000"/>
-            <a:lumOff val="60000"/>
-          </a:schemeClr>
-        </a:solidFill>
-        <a:effectLst/>
-      </p:bgPr>
-    </p:bg>
     <p:spTree>
       <p:nvGrpSpPr>
         <p:cNvPr id="1" name=""/>
@@ -9361,7 +10259,7 @@
           <a:blip r:embed="rId2" cstate="print">
             <a:extLst>
               <a:ext uri="{28A0092B-C50C-407E-A947-70E740481C1C}">
-                <a14:useLocalDpi xmlns:a14="http://schemas.microsoft.com/office/drawing/2010/main" val="0"/>
+                <a14:useLocalDpi xmlns:a14="http://schemas.microsoft.com/office/drawing/2010/main" xmlns="" val="0"/>
               </a:ext>
             </a:extLst>
           </a:blip>
@@ -9421,7 +10319,7 @@
           <a:blip r:embed="rId3">
             <a:extLst>
               <a:ext uri="{28A0092B-C50C-407E-A947-70E740481C1C}">
-                <a14:useLocalDpi xmlns:a14="http://schemas.microsoft.com/office/drawing/2010/main" val="0"/>
+                <a14:useLocalDpi xmlns:a14="http://schemas.microsoft.com/office/drawing/2010/main" xmlns="" val="0"/>
               </a:ext>
             </a:extLst>
           </a:blip>
@@ -9978,7 +10876,7 @@
           <a:lstStyle/>
           <a:p>
             <a:r>
-              <a:rPr lang="zh-CN" altLang="en-US" dirty="0" smtClean="0">
+              <a:rPr lang="zh-CN" altLang="en-US" b="1" dirty="0" smtClean="0">
                 <a:solidFill>
                   <a:schemeClr val="accent5">
                     <a:lumMod val="60000"/>
@@ -9989,7 +10887,7 @@
               <a:t>这种两</a:t>
             </a:r>
             <a:r>
-              <a:rPr lang="zh-CN" altLang="en-US" dirty="0">
+              <a:rPr lang="zh-CN" altLang="en-US" b="1" dirty="0">
                 <a:solidFill>
                   <a:schemeClr val="accent5">
                     <a:lumMod val="60000"/>
@@ -10000,7 +10898,7 @@
               <a:t>个</a:t>
             </a:r>
             <a:r>
-              <a:rPr lang="zh-CN" altLang="en-US" dirty="0" smtClean="0">
+              <a:rPr lang="zh-CN" altLang="en-US" b="1" dirty="0" smtClean="0">
                 <a:solidFill>
                   <a:schemeClr val="accent5">
                     <a:lumMod val="60000"/>
@@ -10011,7 +10909,7 @@
               <a:t>程序或线程同时</a:t>
             </a:r>
             <a:r>
-              <a:rPr lang="zh-CN" altLang="en-US" dirty="0">
+              <a:rPr lang="zh-CN" altLang="en-US" b="1" dirty="0">
                 <a:solidFill>
                   <a:schemeClr val="accent5">
                     <a:lumMod val="60000"/>
@@ -10022,7 +10920,7 @@
               <a:t>从同一个文件中读或者对同一文件进行</a:t>
             </a:r>
             <a:r>
-              <a:rPr lang="zh-CN" altLang="en-US" dirty="0" smtClean="0">
+              <a:rPr lang="zh-CN" altLang="en-US" b="1" dirty="0" smtClean="0">
                 <a:solidFill>
                   <a:schemeClr val="accent5">
                     <a:lumMod val="60000"/>
@@ -10030,9 +10928,53 @@
                   </a:schemeClr>
                 </a:solidFill>
               </a:rPr>
-              <a:t>写的情况叫做临界区域。</a:t>
-            </a:r>
-            <a:endParaRPr lang="zh-CN" altLang="en-US" dirty="0">
+              <a:t>写</a:t>
+            </a:r>
+            <a:r>
+              <a:rPr lang="zh-CN" altLang="en-US" b="1" dirty="0" smtClean="0">
+                <a:solidFill>
+                  <a:schemeClr val="accent5">
+                    <a:lumMod val="60000"/>
+                    <a:lumOff val="40000"/>
+                  </a:schemeClr>
+                </a:solidFill>
+              </a:rPr>
+              <a:t>的</a:t>
+            </a:r>
+            <a:r>
+              <a:rPr lang="zh-CN" altLang="en-US" b="1" dirty="0" smtClean="0">
+                <a:solidFill>
+                  <a:schemeClr val="accent5">
+                    <a:lumMod val="60000"/>
+                    <a:lumOff val="40000"/>
+                  </a:schemeClr>
+                </a:solidFill>
+              </a:rPr>
+              <a:t>区域</a:t>
+            </a:r>
+            <a:r>
+              <a:rPr lang="zh-CN" altLang="en-US" b="1" dirty="0" smtClean="0">
+                <a:solidFill>
+                  <a:schemeClr val="accent5">
+                    <a:lumMod val="60000"/>
+                    <a:lumOff val="40000"/>
+                  </a:schemeClr>
+                </a:solidFill>
+              </a:rPr>
+              <a:t>叫做</a:t>
+            </a:r>
+            <a:r>
+              <a:rPr lang="zh-CN" altLang="en-US" b="1" dirty="0" smtClean="0">
+                <a:solidFill>
+                  <a:schemeClr val="accent5">
+                    <a:lumMod val="60000"/>
+                    <a:lumOff val="40000"/>
+                  </a:schemeClr>
+                </a:solidFill>
+              </a:rPr>
+              <a:t>临界区域。</a:t>
+            </a:r>
+            <a:endParaRPr lang="zh-CN" altLang="en-US" b="1" dirty="0">
               <a:solidFill>
                 <a:schemeClr val="accent5">
                   <a:lumMod val="60000"/>
@@ -10046,7 +10988,7 @@
     </p:spTree>
     <p:extLst>
       <p:ext uri="{BB962C8B-B14F-4D97-AF65-F5344CB8AC3E}">
-        <p14:creationId xmlns:p14="http://schemas.microsoft.com/office/powerpoint/2010/main" val="3607553883"/>
+        <p14:creationId xmlns:p14="http://schemas.microsoft.com/office/powerpoint/2010/main" xmlns="" val="3607553883"/>
       </p:ext>
     </p:extLst>
   </p:cSld>
@@ -11254,17 +12196,6 @@
 <file path=ppt/slides/slide7.xml><?xml version="1.0" encoding="utf-8"?>
 <p:sld xmlns:a="http://schemas.openxmlformats.org/drawingml/2006/main" xmlns:r="http://schemas.openxmlformats.org/officeDocument/2006/relationships" xmlns:p="http://schemas.openxmlformats.org/presentationml/2006/main">
   <p:cSld>
-    <p:bg>
-      <p:bgPr>
-        <a:solidFill>
-          <a:schemeClr val="accent4">
-            <a:lumMod val="40000"/>
-            <a:lumOff val="60000"/>
-          </a:schemeClr>
-        </a:solidFill>
-        <a:effectLst/>
-      </p:bgPr>
-    </p:bg>
     <p:spTree>
       <p:nvGrpSpPr>
         <p:cNvPr id="1" name=""/>
@@ -11291,7 +12222,7 @@
           <a:blip r:embed="rId2" cstate="print">
             <a:extLst>
               <a:ext uri="{28A0092B-C50C-407E-A947-70E740481C1C}">
-                <a14:useLocalDpi xmlns:a14="http://schemas.microsoft.com/office/drawing/2010/main" val="0"/>
+                <a14:useLocalDpi xmlns:a14="http://schemas.microsoft.com/office/drawing/2010/main" xmlns="" val="0"/>
               </a:ext>
             </a:extLst>
           </a:blip>
@@ -11837,7 +12768,7 @@
     </p:spTree>
     <p:extLst>
       <p:ext uri="{BB962C8B-B14F-4D97-AF65-F5344CB8AC3E}">
-        <p14:creationId xmlns:p14="http://schemas.microsoft.com/office/powerpoint/2010/main" val="3104299286"/>
+        <p14:creationId xmlns:p14="http://schemas.microsoft.com/office/powerpoint/2010/main" xmlns="" val="3104299286"/>
       </p:ext>
     </p:extLst>
   </p:cSld>
@@ -13575,17 +14506,6 @@
 <file path=ppt/slides/slide8.xml><?xml version="1.0" encoding="utf-8"?>
 <p:sld xmlns:a="http://schemas.openxmlformats.org/drawingml/2006/main" xmlns:r="http://schemas.openxmlformats.org/officeDocument/2006/relationships" xmlns:p="http://schemas.openxmlformats.org/presentationml/2006/main">
   <p:cSld>
-    <p:bg>
-      <p:bgPr>
-        <a:solidFill>
-          <a:schemeClr val="accent4">
-            <a:lumMod val="40000"/>
-            <a:lumOff val="60000"/>
-          </a:schemeClr>
-        </a:solidFill>
-        <a:effectLst/>
-      </p:bgPr>
-    </p:bg>
     <p:spTree>
       <p:nvGrpSpPr>
         <p:cNvPr id="1" name=""/>
@@ -13612,7 +14532,7 @@
           <a:blip r:embed="rId2" cstate="print">
             <a:extLst>
               <a:ext uri="{28A0092B-C50C-407E-A947-70E740481C1C}">
-                <a14:useLocalDpi xmlns:a14="http://schemas.microsoft.com/office/drawing/2010/main" val="0"/>
+                <a14:useLocalDpi xmlns:a14="http://schemas.microsoft.com/office/drawing/2010/main" xmlns="" val="0"/>
               </a:ext>
             </a:extLst>
           </a:blip>
@@ -13728,10 +14648,276 @@
           </a:p>
         </p:txBody>
       </p:sp>
+      <p:sp>
+        <p:nvSpPr>
+          <p:cNvPr id="7" name="文本框 4"/>
+          <p:cNvSpPr txBox="1"/>
+          <p:nvPr/>
+        </p:nvSpPr>
+        <p:spPr>
+          <a:xfrm>
+            <a:off x="1235475" y="2702570"/>
+            <a:ext cx="5681709" cy="369332"/>
+          </a:xfrm>
+          <a:prstGeom prst="rect">
+            <a:avLst/>
+          </a:prstGeom>
+          <a:noFill/>
+        </p:spPr>
+        <p:txBody>
+          <a:bodyPr wrap="square" rtlCol="0">
+            <a:spAutoFit/>
+          </a:bodyPr>
+          <a:lstStyle/>
+          <a:p>
+            <a:r>
+              <a:rPr lang="zh-CN" altLang="en-US" dirty="0" smtClean="0"/>
+              <a:t>具体格式如下：</a:t>
+            </a:r>
+            <a:endParaRPr lang="zh-CN" altLang="en-US" dirty="0"/>
+          </a:p>
+        </p:txBody>
+      </p:sp>
+      <p:pic>
+        <p:nvPicPr>
+          <p:cNvPr id="1026" name="Picture 2" descr="C:\Users\chaiyu\Documents\Visual Studio 2013\Projects\MyStudyProject\ppt图片\单词样式.bmp"/>
+          <p:cNvPicPr>
+            <a:picLocks noChangeAspect="1" noChangeArrowheads="1"/>
+          </p:cNvPicPr>
+          <p:nvPr/>
+        </p:nvPicPr>
+        <p:blipFill>
+          <a:blip r:embed="rId3"/>
+          <a:srcRect/>
+          <a:stretch>
+            <a:fillRect/>
+          </a:stretch>
+        </p:blipFill>
+        <p:spPr bwMode="auto">
+          <a:xfrm>
+            <a:off x="1488088" y="3261797"/>
+            <a:ext cx="4078211" cy="2596238"/>
+          </a:xfrm>
+          <a:prstGeom prst="rect">
+            <a:avLst/>
+          </a:prstGeom>
+          <a:noFill/>
+        </p:spPr>
+      </p:pic>
+      <p:cxnSp>
+        <p:nvCxnSpPr>
+          <p:cNvPr id="10" name="直接箭头连接符 9"/>
+          <p:cNvCxnSpPr/>
+          <p:nvPr/>
+        </p:nvCxnSpPr>
+        <p:spPr>
+          <a:xfrm>
+            <a:off x="985422" y="3417904"/>
+            <a:ext cx="648070" cy="177553"/>
+          </a:xfrm>
+          <a:prstGeom prst="straightConnector1">
+            <a:avLst/>
+          </a:prstGeom>
+          <a:ln w="25400">
+            <a:tailEnd type="arrow"/>
+          </a:ln>
+        </p:spPr>
+        <p:style>
+          <a:lnRef idx="1">
+            <a:schemeClr val="accent1"/>
+          </a:lnRef>
+          <a:fillRef idx="0">
+            <a:schemeClr val="accent1"/>
+          </a:fillRef>
+          <a:effectRef idx="0">
+            <a:schemeClr val="accent1"/>
+          </a:effectRef>
+          <a:fontRef idx="minor">
+            <a:schemeClr val="tx1"/>
+          </a:fontRef>
+        </p:style>
+      </p:cxnSp>
+      <p:cxnSp>
+        <p:nvCxnSpPr>
+          <p:cNvPr id="12" name="直接箭头连接符 11"/>
+          <p:cNvCxnSpPr/>
+          <p:nvPr/>
+        </p:nvCxnSpPr>
+        <p:spPr>
+          <a:xfrm rot="10800000">
+            <a:off x="2592281" y="5468646"/>
+            <a:ext cx="1260629" cy="727969"/>
+          </a:xfrm>
+          <a:prstGeom prst="straightConnector1">
+            <a:avLst/>
+          </a:prstGeom>
+          <a:ln w="25400">
+            <a:tailEnd type="arrow"/>
+          </a:ln>
+        </p:spPr>
+        <p:style>
+          <a:lnRef idx="1">
+            <a:schemeClr val="accent1"/>
+          </a:lnRef>
+          <a:fillRef idx="0">
+            <a:schemeClr val="accent1"/>
+          </a:fillRef>
+          <a:effectRef idx="0">
+            <a:schemeClr val="accent1"/>
+          </a:effectRef>
+          <a:fontRef idx="minor">
+            <a:schemeClr val="tx1"/>
+          </a:fontRef>
+        </p:style>
+      </p:cxnSp>
+      <p:cxnSp>
+        <p:nvCxnSpPr>
+          <p:cNvPr id="14" name="直接箭头连接符 13"/>
+          <p:cNvCxnSpPr/>
+          <p:nvPr/>
+        </p:nvCxnSpPr>
+        <p:spPr>
+          <a:xfrm rot="10800000" flipV="1">
+            <a:off x="4092606" y="4678532"/>
+            <a:ext cx="2219418" cy="53266"/>
+          </a:xfrm>
+          <a:prstGeom prst="straightConnector1">
+            <a:avLst/>
+          </a:prstGeom>
+          <a:ln w="25400">
+            <a:tailEnd type="arrow"/>
+          </a:ln>
+        </p:spPr>
+        <p:style>
+          <a:lnRef idx="1">
+            <a:schemeClr val="accent1"/>
+          </a:lnRef>
+          <a:fillRef idx="0">
+            <a:schemeClr val="accent1"/>
+          </a:fillRef>
+          <a:effectRef idx="0">
+            <a:schemeClr val="accent1"/>
+          </a:effectRef>
+          <a:fontRef idx="minor">
+            <a:schemeClr val="tx1"/>
+          </a:fontRef>
+        </p:style>
+      </p:cxnSp>
+      <p:sp>
+        <p:nvSpPr>
+          <p:cNvPr id="15" name="TextBox 14"/>
+          <p:cNvSpPr txBox="1"/>
+          <p:nvPr/>
+        </p:nvSpPr>
+        <p:spPr>
+          <a:xfrm>
+            <a:off x="257452" y="3169328"/>
+            <a:ext cx="1251751" cy="523220"/>
+          </a:xfrm>
+          <a:prstGeom prst="rect">
+            <a:avLst/>
+          </a:prstGeom>
+          <a:noFill/>
+        </p:spPr>
+        <p:txBody>
+          <a:bodyPr wrap="square" rtlCol="0">
+            <a:spAutoFit/>
+          </a:bodyPr>
+          <a:lstStyle/>
+          <a:p>
+            <a:r>
+              <a:rPr lang="zh-CN" altLang="en-US" sz="1400" b="1" dirty="0" smtClean="0"/>
+              <a:t>单词编号</a:t>
+            </a:r>
+            <a:endParaRPr lang="en-US" altLang="zh-CN" sz="1400" b="1" dirty="0" smtClean="0"/>
+          </a:p>
+          <a:p>
+            <a:r>
+              <a:rPr lang="en-US" altLang="zh-CN" sz="1400" b="1" dirty="0" err="1" smtClean="0"/>
+              <a:t>Tw_sNum</a:t>
+            </a:r>
+            <a:endParaRPr lang="en-US" altLang="zh-CN" sz="1400" b="1" dirty="0" smtClean="0"/>
+          </a:p>
+        </p:txBody>
+      </p:sp>
+      <p:sp>
+        <p:nvSpPr>
+          <p:cNvPr id="16" name="TextBox 15"/>
+          <p:cNvSpPr txBox="1"/>
+          <p:nvPr/>
+        </p:nvSpPr>
+        <p:spPr>
+          <a:xfrm>
+            <a:off x="6223247" y="4456590"/>
+            <a:ext cx="1278384" cy="523220"/>
+          </a:xfrm>
+          <a:prstGeom prst="rect">
+            <a:avLst/>
+          </a:prstGeom>
+          <a:noFill/>
+        </p:spPr>
+        <p:txBody>
+          <a:bodyPr wrap="square" rtlCol="0">
+            <a:spAutoFit/>
+          </a:bodyPr>
+          <a:lstStyle/>
+          <a:p>
+            <a:r>
+              <a:rPr lang="zh-CN" altLang="en-US" sz="1400" b="1" dirty="0" smtClean="0"/>
+              <a:t>单词中文</a:t>
+            </a:r>
+            <a:endParaRPr lang="en-US" altLang="zh-CN" sz="1400" b="1" dirty="0" smtClean="0"/>
+          </a:p>
+          <a:p>
+            <a:r>
+              <a:rPr lang="en-US" altLang="zh-CN" sz="1400" b="1" dirty="0" err="1" smtClean="0"/>
+              <a:t>Tw_sChinese</a:t>
+            </a:r>
+            <a:endParaRPr lang="zh-CN" altLang="en-US" sz="1400" b="1" dirty="0" smtClean="0"/>
+          </a:p>
+        </p:txBody>
+      </p:sp>
+      <p:sp>
+        <p:nvSpPr>
+          <p:cNvPr id="17" name="TextBox 16"/>
+          <p:cNvSpPr txBox="1"/>
+          <p:nvPr/>
+        </p:nvSpPr>
+        <p:spPr>
+          <a:xfrm>
+            <a:off x="3755255" y="5903650"/>
+            <a:ext cx="1225118" cy="523220"/>
+          </a:xfrm>
+          <a:prstGeom prst="rect">
+            <a:avLst/>
+          </a:prstGeom>
+          <a:noFill/>
+        </p:spPr>
+        <p:txBody>
+          <a:bodyPr wrap="square" rtlCol="0">
+            <a:spAutoFit/>
+          </a:bodyPr>
+          <a:lstStyle/>
+          <a:p>
+            <a:r>
+              <a:rPr lang="zh-CN" altLang="en-US" sz="1400" b="1" dirty="0" smtClean="0"/>
+              <a:t>单词英文</a:t>
+            </a:r>
+            <a:endParaRPr lang="en-US" altLang="zh-CN" sz="1400" b="1" dirty="0" smtClean="0"/>
+          </a:p>
+          <a:p>
+            <a:r>
+              <a:rPr lang="en-US" altLang="zh-CN" sz="1400" b="1" dirty="0" err="1" smtClean="0"/>
+              <a:t>Tw_sEnglish</a:t>
+            </a:r>
+            <a:endParaRPr lang="en-US" altLang="zh-CN" sz="1400" b="1" dirty="0" smtClean="0"/>
+          </a:p>
+        </p:txBody>
+      </p:sp>
     </p:spTree>
     <p:extLst>
       <p:ext uri="{BB962C8B-B14F-4D97-AF65-F5344CB8AC3E}">
-        <p14:creationId xmlns:p14="http://schemas.microsoft.com/office/powerpoint/2010/main" val="582948142"/>
+        <p14:creationId xmlns:p14="http://schemas.microsoft.com/office/powerpoint/2010/main" xmlns="" val="582948142"/>
       </p:ext>
     </p:extLst>
   </p:cSld>
@@ -13741,9 +14927,849 @@
   <p:timing>
     <p:tnLst>
       <p:par>
-        <p:cTn id="1" dur="indefinite" restart="never" nodeType="tmRoot"/>
+        <p:cTn id="1" dur="indefinite" restart="never" nodeType="tmRoot">
+          <p:childTnLst>
+            <p:seq concurrent="1" nextAc="seek">
+              <p:cTn id="2" dur="indefinite" nodeType="mainSeq">
+                <p:childTnLst>
+                  <p:par>
+                    <p:cTn id="3" fill="hold">
+                      <p:stCondLst>
+                        <p:cond delay="indefinite"/>
+                      </p:stCondLst>
+                      <p:childTnLst>
+                        <p:par>
+                          <p:cTn id="4" fill="hold">
+                            <p:stCondLst>
+                              <p:cond delay="0"/>
+                            </p:stCondLst>
+                            <p:childTnLst>
+                              <p:par>
+                                <p:cTn id="5" presetID="2" presetClass="entr" presetSubtype="4" fill="hold" grpId="0" nodeType="clickEffect">
+                                  <p:stCondLst>
+                                    <p:cond delay="0"/>
+                                  </p:stCondLst>
+                                  <p:childTnLst>
+                                    <p:set>
+                                      <p:cBhvr>
+                                        <p:cTn id="6" dur="1" fill="hold">
+                                          <p:stCondLst>
+                                            <p:cond delay="0"/>
+                                          </p:stCondLst>
+                                        </p:cTn>
+                                        <p:tgtEl>
+                                          <p:spTgt spid="2"/>
+                                        </p:tgtEl>
+                                        <p:attrNameLst>
+                                          <p:attrName>style.visibility</p:attrName>
+                                        </p:attrNameLst>
+                                      </p:cBhvr>
+                                      <p:to>
+                                        <p:strVal val="visible"/>
+                                      </p:to>
+                                    </p:set>
+                                    <p:anim calcmode="lin" valueType="num">
+                                      <p:cBhvr additive="base">
+                                        <p:cTn id="7" dur="500" fill="hold"/>
+                                        <p:tgtEl>
+                                          <p:spTgt spid="2"/>
+                                        </p:tgtEl>
+                                        <p:attrNameLst>
+                                          <p:attrName>ppt_x</p:attrName>
+                                        </p:attrNameLst>
+                                      </p:cBhvr>
+                                      <p:tavLst>
+                                        <p:tav tm="0">
+                                          <p:val>
+                                            <p:strVal val="#ppt_x"/>
+                                          </p:val>
+                                        </p:tav>
+                                        <p:tav tm="100000">
+                                          <p:val>
+                                            <p:strVal val="#ppt_x"/>
+                                          </p:val>
+                                        </p:tav>
+                                      </p:tavLst>
+                                    </p:anim>
+                                    <p:anim calcmode="lin" valueType="num">
+                                      <p:cBhvr additive="base">
+                                        <p:cTn id="8" dur="500" fill="hold"/>
+                                        <p:tgtEl>
+                                          <p:spTgt spid="2"/>
+                                        </p:tgtEl>
+                                        <p:attrNameLst>
+                                          <p:attrName>ppt_y</p:attrName>
+                                        </p:attrNameLst>
+                                      </p:cBhvr>
+                                      <p:tavLst>
+                                        <p:tav tm="0">
+                                          <p:val>
+                                            <p:strVal val="1+#ppt_h/2"/>
+                                          </p:val>
+                                        </p:tav>
+                                        <p:tav tm="100000">
+                                          <p:val>
+                                            <p:strVal val="#ppt_y"/>
+                                          </p:val>
+                                        </p:tav>
+                                      </p:tavLst>
+                                    </p:anim>
+                                  </p:childTnLst>
+                                </p:cTn>
+                              </p:par>
+                            </p:childTnLst>
+                          </p:cTn>
+                        </p:par>
+                      </p:childTnLst>
+                    </p:cTn>
+                  </p:par>
+                  <p:par>
+                    <p:cTn id="9" fill="hold">
+                      <p:stCondLst>
+                        <p:cond delay="indefinite"/>
+                      </p:stCondLst>
+                      <p:childTnLst>
+                        <p:par>
+                          <p:cTn id="10" fill="hold">
+                            <p:stCondLst>
+                              <p:cond delay="0"/>
+                            </p:stCondLst>
+                            <p:childTnLst>
+                              <p:par>
+                                <p:cTn id="11" presetID="2" presetClass="entr" presetSubtype="4" fill="hold" grpId="0" nodeType="clickEffect">
+                                  <p:stCondLst>
+                                    <p:cond delay="0"/>
+                                  </p:stCondLst>
+                                  <p:childTnLst>
+                                    <p:set>
+                                      <p:cBhvr>
+                                        <p:cTn id="12" dur="1" fill="hold">
+                                          <p:stCondLst>
+                                            <p:cond delay="0"/>
+                                          </p:stCondLst>
+                                        </p:cTn>
+                                        <p:tgtEl>
+                                          <p:spTgt spid="5"/>
+                                        </p:tgtEl>
+                                        <p:attrNameLst>
+                                          <p:attrName>style.visibility</p:attrName>
+                                        </p:attrNameLst>
+                                      </p:cBhvr>
+                                      <p:to>
+                                        <p:strVal val="visible"/>
+                                      </p:to>
+                                    </p:set>
+                                    <p:anim calcmode="lin" valueType="num">
+                                      <p:cBhvr additive="base">
+                                        <p:cTn id="13" dur="500" fill="hold"/>
+                                        <p:tgtEl>
+                                          <p:spTgt spid="5"/>
+                                        </p:tgtEl>
+                                        <p:attrNameLst>
+                                          <p:attrName>ppt_x</p:attrName>
+                                        </p:attrNameLst>
+                                      </p:cBhvr>
+                                      <p:tavLst>
+                                        <p:tav tm="0">
+                                          <p:val>
+                                            <p:strVal val="#ppt_x"/>
+                                          </p:val>
+                                        </p:tav>
+                                        <p:tav tm="100000">
+                                          <p:val>
+                                            <p:strVal val="#ppt_x"/>
+                                          </p:val>
+                                        </p:tav>
+                                      </p:tavLst>
+                                    </p:anim>
+                                    <p:anim calcmode="lin" valueType="num">
+                                      <p:cBhvr additive="base">
+                                        <p:cTn id="14" dur="500" fill="hold"/>
+                                        <p:tgtEl>
+                                          <p:spTgt spid="5"/>
+                                        </p:tgtEl>
+                                        <p:attrNameLst>
+                                          <p:attrName>ppt_y</p:attrName>
+                                        </p:attrNameLst>
+                                      </p:cBhvr>
+                                      <p:tavLst>
+                                        <p:tav tm="0">
+                                          <p:val>
+                                            <p:strVal val="1+#ppt_h/2"/>
+                                          </p:val>
+                                        </p:tav>
+                                        <p:tav tm="100000">
+                                          <p:val>
+                                            <p:strVal val="#ppt_y"/>
+                                          </p:val>
+                                        </p:tav>
+                                      </p:tavLst>
+                                    </p:anim>
+                                  </p:childTnLst>
+                                </p:cTn>
+                              </p:par>
+                            </p:childTnLst>
+                          </p:cTn>
+                        </p:par>
+                      </p:childTnLst>
+                    </p:cTn>
+                  </p:par>
+                  <p:par>
+                    <p:cTn id="15" fill="hold">
+                      <p:stCondLst>
+                        <p:cond delay="indefinite"/>
+                      </p:stCondLst>
+                      <p:childTnLst>
+                        <p:par>
+                          <p:cTn id="16" fill="hold">
+                            <p:stCondLst>
+                              <p:cond delay="0"/>
+                            </p:stCondLst>
+                            <p:childTnLst>
+                              <p:par>
+                                <p:cTn id="17" presetID="2" presetClass="entr" presetSubtype="4" fill="hold" grpId="0" nodeType="clickEffect">
+                                  <p:stCondLst>
+                                    <p:cond delay="0"/>
+                                  </p:stCondLst>
+                                  <p:childTnLst>
+                                    <p:set>
+                                      <p:cBhvr>
+                                        <p:cTn id="18" dur="1" fill="hold">
+                                          <p:stCondLst>
+                                            <p:cond delay="0"/>
+                                          </p:stCondLst>
+                                        </p:cTn>
+                                        <p:tgtEl>
+                                          <p:spTgt spid="7"/>
+                                        </p:tgtEl>
+                                        <p:attrNameLst>
+                                          <p:attrName>style.visibility</p:attrName>
+                                        </p:attrNameLst>
+                                      </p:cBhvr>
+                                      <p:to>
+                                        <p:strVal val="visible"/>
+                                      </p:to>
+                                    </p:set>
+                                    <p:anim calcmode="lin" valueType="num">
+                                      <p:cBhvr additive="base">
+                                        <p:cTn id="19" dur="500" fill="hold"/>
+                                        <p:tgtEl>
+                                          <p:spTgt spid="7"/>
+                                        </p:tgtEl>
+                                        <p:attrNameLst>
+                                          <p:attrName>ppt_x</p:attrName>
+                                        </p:attrNameLst>
+                                      </p:cBhvr>
+                                      <p:tavLst>
+                                        <p:tav tm="0">
+                                          <p:val>
+                                            <p:strVal val="#ppt_x"/>
+                                          </p:val>
+                                        </p:tav>
+                                        <p:tav tm="100000">
+                                          <p:val>
+                                            <p:strVal val="#ppt_x"/>
+                                          </p:val>
+                                        </p:tav>
+                                      </p:tavLst>
+                                    </p:anim>
+                                    <p:anim calcmode="lin" valueType="num">
+                                      <p:cBhvr additive="base">
+                                        <p:cTn id="20" dur="500" fill="hold"/>
+                                        <p:tgtEl>
+                                          <p:spTgt spid="7"/>
+                                        </p:tgtEl>
+                                        <p:attrNameLst>
+                                          <p:attrName>ppt_y</p:attrName>
+                                        </p:attrNameLst>
+                                      </p:cBhvr>
+                                      <p:tavLst>
+                                        <p:tav tm="0">
+                                          <p:val>
+                                            <p:strVal val="1+#ppt_h/2"/>
+                                          </p:val>
+                                        </p:tav>
+                                        <p:tav tm="100000">
+                                          <p:val>
+                                            <p:strVal val="#ppt_y"/>
+                                          </p:val>
+                                        </p:tav>
+                                      </p:tavLst>
+                                    </p:anim>
+                                  </p:childTnLst>
+                                </p:cTn>
+                              </p:par>
+                            </p:childTnLst>
+                          </p:cTn>
+                        </p:par>
+                        <p:par>
+                          <p:cTn id="21" fill="hold">
+                            <p:stCondLst>
+                              <p:cond delay="500"/>
+                            </p:stCondLst>
+                            <p:childTnLst>
+                              <p:par>
+                                <p:cTn id="22" presetID="10" presetClass="entr" presetSubtype="0" fill="hold" nodeType="afterEffect">
+                                  <p:stCondLst>
+                                    <p:cond delay="0"/>
+                                  </p:stCondLst>
+                                  <p:childTnLst>
+                                    <p:set>
+                                      <p:cBhvr>
+                                        <p:cTn id="23" dur="1" fill="hold">
+                                          <p:stCondLst>
+                                            <p:cond delay="0"/>
+                                          </p:stCondLst>
+                                        </p:cTn>
+                                        <p:tgtEl>
+                                          <p:spTgt spid="1026"/>
+                                        </p:tgtEl>
+                                        <p:attrNameLst>
+                                          <p:attrName>style.visibility</p:attrName>
+                                        </p:attrNameLst>
+                                      </p:cBhvr>
+                                      <p:to>
+                                        <p:strVal val="visible"/>
+                                      </p:to>
+                                    </p:set>
+                                    <p:animEffect transition="in" filter="fade">
+                                      <p:cBhvr>
+                                        <p:cTn id="24" dur="1000"/>
+                                        <p:tgtEl>
+                                          <p:spTgt spid="1026"/>
+                                        </p:tgtEl>
+                                      </p:cBhvr>
+                                    </p:animEffect>
+                                  </p:childTnLst>
+                                </p:cTn>
+                              </p:par>
+                            </p:childTnLst>
+                          </p:cTn>
+                        </p:par>
+                      </p:childTnLst>
+                    </p:cTn>
+                  </p:par>
+                  <p:par>
+                    <p:cTn id="25" fill="hold">
+                      <p:stCondLst>
+                        <p:cond delay="indefinite"/>
+                      </p:stCondLst>
+                      <p:childTnLst>
+                        <p:par>
+                          <p:cTn id="26" fill="hold">
+                            <p:stCondLst>
+                              <p:cond delay="0"/>
+                            </p:stCondLst>
+                            <p:childTnLst>
+                              <p:par>
+                                <p:cTn id="27" presetID="2" presetClass="entr" presetSubtype="8" fill="hold" nodeType="clickEffect">
+                                  <p:stCondLst>
+                                    <p:cond delay="0"/>
+                                  </p:stCondLst>
+                                  <p:childTnLst>
+                                    <p:set>
+                                      <p:cBhvr>
+                                        <p:cTn id="28" dur="1" fill="hold">
+                                          <p:stCondLst>
+                                            <p:cond delay="0"/>
+                                          </p:stCondLst>
+                                        </p:cTn>
+                                        <p:tgtEl>
+                                          <p:spTgt spid="10"/>
+                                        </p:tgtEl>
+                                        <p:attrNameLst>
+                                          <p:attrName>style.visibility</p:attrName>
+                                        </p:attrNameLst>
+                                      </p:cBhvr>
+                                      <p:to>
+                                        <p:strVal val="visible"/>
+                                      </p:to>
+                                    </p:set>
+                                    <p:anim calcmode="lin" valueType="num">
+                                      <p:cBhvr additive="base">
+                                        <p:cTn id="29" dur="500" fill="hold"/>
+                                        <p:tgtEl>
+                                          <p:spTgt spid="10"/>
+                                        </p:tgtEl>
+                                        <p:attrNameLst>
+                                          <p:attrName>ppt_x</p:attrName>
+                                        </p:attrNameLst>
+                                      </p:cBhvr>
+                                      <p:tavLst>
+                                        <p:tav tm="0">
+                                          <p:val>
+                                            <p:strVal val="0-#ppt_w/2"/>
+                                          </p:val>
+                                        </p:tav>
+                                        <p:tav tm="100000">
+                                          <p:val>
+                                            <p:strVal val="#ppt_x"/>
+                                          </p:val>
+                                        </p:tav>
+                                      </p:tavLst>
+                                    </p:anim>
+                                    <p:anim calcmode="lin" valueType="num">
+                                      <p:cBhvr additive="base">
+                                        <p:cTn id="30" dur="500" fill="hold"/>
+                                        <p:tgtEl>
+                                          <p:spTgt spid="10"/>
+                                        </p:tgtEl>
+                                        <p:attrNameLst>
+                                          <p:attrName>ppt_y</p:attrName>
+                                        </p:attrNameLst>
+                                      </p:cBhvr>
+                                      <p:tavLst>
+                                        <p:tav tm="0">
+                                          <p:val>
+                                            <p:strVal val="#ppt_y"/>
+                                          </p:val>
+                                        </p:tav>
+                                        <p:tav tm="100000">
+                                          <p:val>
+                                            <p:strVal val="#ppt_y"/>
+                                          </p:val>
+                                        </p:tav>
+                                      </p:tavLst>
+                                    </p:anim>
+                                  </p:childTnLst>
+                                </p:cTn>
+                              </p:par>
+                              <p:par>
+                                <p:cTn id="31" presetID="2" presetClass="entr" presetSubtype="8" fill="hold" grpId="0" nodeType="withEffect">
+                                  <p:stCondLst>
+                                    <p:cond delay="0"/>
+                                  </p:stCondLst>
+                                  <p:childTnLst>
+                                    <p:set>
+                                      <p:cBhvr>
+                                        <p:cTn id="32" dur="1" fill="hold">
+                                          <p:stCondLst>
+                                            <p:cond delay="0"/>
+                                          </p:stCondLst>
+                                        </p:cTn>
+                                        <p:tgtEl>
+                                          <p:spTgt spid="15"/>
+                                        </p:tgtEl>
+                                        <p:attrNameLst>
+                                          <p:attrName>style.visibility</p:attrName>
+                                        </p:attrNameLst>
+                                      </p:cBhvr>
+                                      <p:to>
+                                        <p:strVal val="visible"/>
+                                      </p:to>
+                                    </p:set>
+                                    <p:anim calcmode="lin" valueType="num">
+                                      <p:cBhvr additive="base">
+                                        <p:cTn id="33" dur="500" fill="hold"/>
+                                        <p:tgtEl>
+                                          <p:spTgt spid="15"/>
+                                        </p:tgtEl>
+                                        <p:attrNameLst>
+                                          <p:attrName>ppt_x</p:attrName>
+                                        </p:attrNameLst>
+                                      </p:cBhvr>
+                                      <p:tavLst>
+                                        <p:tav tm="0">
+                                          <p:val>
+                                            <p:strVal val="0-#ppt_w/2"/>
+                                          </p:val>
+                                        </p:tav>
+                                        <p:tav tm="100000">
+                                          <p:val>
+                                            <p:strVal val="#ppt_x"/>
+                                          </p:val>
+                                        </p:tav>
+                                      </p:tavLst>
+                                    </p:anim>
+                                    <p:anim calcmode="lin" valueType="num">
+                                      <p:cBhvr additive="base">
+                                        <p:cTn id="34" dur="500" fill="hold"/>
+                                        <p:tgtEl>
+                                          <p:spTgt spid="15"/>
+                                        </p:tgtEl>
+                                        <p:attrNameLst>
+                                          <p:attrName>ppt_y</p:attrName>
+                                        </p:attrNameLst>
+                                      </p:cBhvr>
+                                      <p:tavLst>
+                                        <p:tav tm="0">
+                                          <p:val>
+                                            <p:strVal val="#ppt_y"/>
+                                          </p:val>
+                                        </p:tav>
+                                        <p:tav tm="100000">
+                                          <p:val>
+                                            <p:strVal val="#ppt_y"/>
+                                          </p:val>
+                                        </p:tav>
+                                      </p:tavLst>
+                                    </p:anim>
+                                  </p:childTnLst>
+                                </p:cTn>
+                              </p:par>
+                            </p:childTnLst>
+                          </p:cTn>
+                        </p:par>
+                      </p:childTnLst>
+                    </p:cTn>
+                  </p:par>
+                  <p:par>
+                    <p:cTn id="35" fill="hold">
+                      <p:stCondLst>
+                        <p:cond delay="indefinite"/>
+                      </p:stCondLst>
+                      <p:childTnLst>
+                        <p:par>
+                          <p:cTn id="36" fill="hold">
+                            <p:stCondLst>
+                              <p:cond delay="0"/>
+                            </p:stCondLst>
+                            <p:childTnLst>
+                              <p:par>
+                                <p:cTn id="37" presetID="2" presetClass="entr" presetSubtype="2" fill="hold" grpId="0" nodeType="clickEffect">
+                                  <p:stCondLst>
+                                    <p:cond delay="0"/>
+                                  </p:stCondLst>
+                                  <p:childTnLst>
+                                    <p:set>
+                                      <p:cBhvr>
+                                        <p:cTn id="38" dur="1" fill="hold">
+                                          <p:stCondLst>
+                                            <p:cond delay="0"/>
+                                          </p:stCondLst>
+                                        </p:cTn>
+                                        <p:tgtEl>
+                                          <p:spTgt spid="16"/>
+                                        </p:tgtEl>
+                                        <p:attrNameLst>
+                                          <p:attrName>style.visibility</p:attrName>
+                                        </p:attrNameLst>
+                                      </p:cBhvr>
+                                      <p:to>
+                                        <p:strVal val="visible"/>
+                                      </p:to>
+                                    </p:set>
+                                    <p:anim calcmode="lin" valueType="num">
+                                      <p:cBhvr additive="base">
+                                        <p:cTn id="39" dur="500" fill="hold"/>
+                                        <p:tgtEl>
+                                          <p:spTgt spid="16"/>
+                                        </p:tgtEl>
+                                        <p:attrNameLst>
+                                          <p:attrName>ppt_x</p:attrName>
+                                        </p:attrNameLst>
+                                      </p:cBhvr>
+                                      <p:tavLst>
+                                        <p:tav tm="0">
+                                          <p:val>
+                                            <p:strVal val="1+#ppt_w/2"/>
+                                          </p:val>
+                                        </p:tav>
+                                        <p:tav tm="100000">
+                                          <p:val>
+                                            <p:strVal val="#ppt_x"/>
+                                          </p:val>
+                                        </p:tav>
+                                      </p:tavLst>
+                                    </p:anim>
+                                    <p:anim calcmode="lin" valueType="num">
+                                      <p:cBhvr additive="base">
+                                        <p:cTn id="40" dur="500" fill="hold"/>
+                                        <p:tgtEl>
+                                          <p:spTgt spid="16"/>
+                                        </p:tgtEl>
+                                        <p:attrNameLst>
+                                          <p:attrName>ppt_y</p:attrName>
+                                        </p:attrNameLst>
+                                      </p:cBhvr>
+                                      <p:tavLst>
+                                        <p:tav tm="0">
+                                          <p:val>
+                                            <p:strVal val="#ppt_y"/>
+                                          </p:val>
+                                        </p:tav>
+                                        <p:tav tm="100000">
+                                          <p:val>
+                                            <p:strVal val="#ppt_y"/>
+                                          </p:val>
+                                        </p:tav>
+                                      </p:tavLst>
+                                    </p:anim>
+                                  </p:childTnLst>
+                                </p:cTn>
+                              </p:par>
+                              <p:par>
+                                <p:cTn id="41" presetID="2" presetClass="entr" presetSubtype="2" fill="hold" nodeType="withEffect">
+                                  <p:stCondLst>
+                                    <p:cond delay="0"/>
+                                  </p:stCondLst>
+                                  <p:childTnLst>
+                                    <p:set>
+                                      <p:cBhvr>
+                                        <p:cTn id="42" dur="1" fill="hold">
+                                          <p:stCondLst>
+                                            <p:cond delay="0"/>
+                                          </p:stCondLst>
+                                        </p:cTn>
+                                        <p:tgtEl>
+                                          <p:spTgt spid="14"/>
+                                        </p:tgtEl>
+                                        <p:attrNameLst>
+                                          <p:attrName>style.visibility</p:attrName>
+                                        </p:attrNameLst>
+                                      </p:cBhvr>
+                                      <p:to>
+                                        <p:strVal val="visible"/>
+                                      </p:to>
+                                    </p:set>
+                                    <p:anim calcmode="lin" valueType="num">
+                                      <p:cBhvr additive="base">
+                                        <p:cTn id="43" dur="500" fill="hold"/>
+                                        <p:tgtEl>
+                                          <p:spTgt spid="14"/>
+                                        </p:tgtEl>
+                                        <p:attrNameLst>
+                                          <p:attrName>ppt_x</p:attrName>
+                                        </p:attrNameLst>
+                                      </p:cBhvr>
+                                      <p:tavLst>
+                                        <p:tav tm="0">
+                                          <p:val>
+                                            <p:strVal val="1+#ppt_w/2"/>
+                                          </p:val>
+                                        </p:tav>
+                                        <p:tav tm="100000">
+                                          <p:val>
+                                            <p:strVal val="#ppt_x"/>
+                                          </p:val>
+                                        </p:tav>
+                                      </p:tavLst>
+                                    </p:anim>
+                                    <p:anim calcmode="lin" valueType="num">
+                                      <p:cBhvr additive="base">
+                                        <p:cTn id="44" dur="500" fill="hold"/>
+                                        <p:tgtEl>
+                                          <p:spTgt spid="14"/>
+                                        </p:tgtEl>
+                                        <p:attrNameLst>
+                                          <p:attrName>ppt_y</p:attrName>
+                                        </p:attrNameLst>
+                                      </p:cBhvr>
+                                      <p:tavLst>
+                                        <p:tav tm="0">
+                                          <p:val>
+                                            <p:strVal val="#ppt_y"/>
+                                          </p:val>
+                                        </p:tav>
+                                        <p:tav tm="100000">
+                                          <p:val>
+                                            <p:strVal val="#ppt_y"/>
+                                          </p:val>
+                                        </p:tav>
+                                      </p:tavLst>
+                                    </p:anim>
+                                  </p:childTnLst>
+                                </p:cTn>
+                              </p:par>
+                            </p:childTnLst>
+                          </p:cTn>
+                        </p:par>
+                      </p:childTnLst>
+                    </p:cTn>
+                  </p:par>
+                  <p:par>
+                    <p:cTn id="45" fill="hold">
+                      <p:stCondLst>
+                        <p:cond delay="indefinite"/>
+                      </p:stCondLst>
+                      <p:childTnLst>
+                        <p:par>
+                          <p:cTn id="46" fill="hold">
+                            <p:stCondLst>
+                              <p:cond delay="0"/>
+                            </p:stCondLst>
+                            <p:childTnLst>
+                              <p:par>
+                                <p:cTn id="47" presetID="2" presetClass="entr" presetSubtype="8" fill="hold" grpId="0" nodeType="clickEffect">
+                                  <p:stCondLst>
+                                    <p:cond delay="0"/>
+                                  </p:stCondLst>
+                                  <p:childTnLst>
+                                    <p:set>
+                                      <p:cBhvr>
+                                        <p:cTn id="48" dur="1" fill="hold">
+                                          <p:stCondLst>
+                                            <p:cond delay="0"/>
+                                          </p:stCondLst>
+                                        </p:cTn>
+                                        <p:tgtEl>
+                                          <p:spTgt spid="17"/>
+                                        </p:tgtEl>
+                                        <p:attrNameLst>
+                                          <p:attrName>style.visibility</p:attrName>
+                                        </p:attrNameLst>
+                                      </p:cBhvr>
+                                      <p:to>
+                                        <p:strVal val="visible"/>
+                                      </p:to>
+                                    </p:set>
+                                    <p:anim calcmode="lin" valueType="num">
+                                      <p:cBhvr additive="base">
+                                        <p:cTn id="49" dur="500" fill="hold"/>
+                                        <p:tgtEl>
+                                          <p:spTgt spid="17"/>
+                                        </p:tgtEl>
+                                        <p:attrNameLst>
+                                          <p:attrName>ppt_x</p:attrName>
+                                        </p:attrNameLst>
+                                      </p:cBhvr>
+                                      <p:tavLst>
+                                        <p:tav tm="0">
+                                          <p:val>
+                                            <p:strVal val="0-#ppt_w/2"/>
+                                          </p:val>
+                                        </p:tav>
+                                        <p:tav tm="100000">
+                                          <p:val>
+                                            <p:strVal val="#ppt_x"/>
+                                          </p:val>
+                                        </p:tav>
+                                      </p:tavLst>
+                                    </p:anim>
+                                    <p:anim calcmode="lin" valueType="num">
+                                      <p:cBhvr additive="base">
+                                        <p:cTn id="50" dur="500" fill="hold"/>
+                                        <p:tgtEl>
+                                          <p:spTgt spid="17"/>
+                                        </p:tgtEl>
+                                        <p:attrNameLst>
+                                          <p:attrName>ppt_y</p:attrName>
+                                        </p:attrNameLst>
+                                      </p:cBhvr>
+                                      <p:tavLst>
+                                        <p:tav tm="0">
+                                          <p:val>
+                                            <p:strVal val="#ppt_y"/>
+                                          </p:val>
+                                        </p:tav>
+                                        <p:tav tm="100000">
+                                          <p:val>
+                                            <p:strVal val="#ppt_y"/>
+                                          </p:val>
+                                        </p:tav>
+                                      </p:tavLst>
+                                    </p:anim>
+                                  </p:childTnLst>
+                                </p:cTn>
+                              </p:par>
+                              <p:par>
+                                <p:cTn id="51" presetID="2" presetClass="entr" presetSubtype="8" fill="hold" nodeType="withEffect">
+                                  <p:stCondLst>
+                                    <p:cond delay="0"/>
+                                  </p:stCondLst>
+                                  <p:childTnLst>
+                                    <p:set>
+                                      <p:cBhvr>
+                                        <p:cTn id="52" dur="1" fill="hold">
+                                          <p:stCondLst>
+                                            <p:cond delay="0"/>
+                                          </p:stCondLst>
+                                        </p:cTn>
+                                        <p:tgtEl>
+                                          <p:spTgt spid="12"/>
+                                        </p:tgtEl>
+                                        <p:attrNameLst>
+                                          <p:attrName>style.visibility</p:attrName>
+                                        </p:attrNameLst>
+                                      </p:cBhvr>
+                                      <p:to>
+                                        <p:strVal val="visible"/>
+                                      </p:to>
+                                    </p:set>
+                                    <p:anim calcmode="lin" valueType="num">
+                                      <p:cBhvr additive="base">
+                                        <p:cTn id="53" dur="500" fill="hold"/>
+                                        <p:tgtEl>
+                                          <p:spTgt spid="12"/>
+                                        </p:tgtEl>
+                                        <p:attrNameLst>
+                                          <p:attrName>ppt_x</p:attrName>
+                                        </p:attrNameLst>
+                                      </p:cBhvr>
+                                      <p:tavLst>
+                                        <p:tav tm="0">
+                                          <p:val>
+                                            <p:strVal val="0-#ppt_w/2"/>
+                                          </p:val>
+                                        </p:tav>
+                                        <p:tav tm="100000">
+                                          <p:val>
+                                            <p:strVal val="#ppt_x"/>
+                                          </p:val>
+                                        </p:tav>
+                                      </p:tavLst>
+                                    </p:anim>
+                                    <p:anim calcmode="lin" valueType="num">
+                                      <p:cBhvr additive="base">
+                                        <p:cTn id="54" dur="500" fill="hold"/>
+                                        <p:tgtEl>
+                                          <p:spTgt spid="12"/>
+                                        </p:tgtEl>
+                                        <p:attrNameLst>
+                                          <p:attrName>ppt_y</p:attrName>
+                                        </p:attrNameLst>
+                                      </p:cBhvr>
+                                      <p:tavLst>
+                                        <p:tav tm="0">
+                                          <p:val>
+                                            <p:strVal val="#ppt_y"/>
+                                          </p:val>
+                                        </p:tav>
+                                        <p:tav tm="100000">
+                                          <p:val>
+                                            <p:strVal val="#ppt_y"/>
+                                          </p:val>
+                                        </p:tav>
+                                      </p:tavLst>
+                                    </p:anim>
+                                  </p:childTnLst>
+                                </p:cTn>
+                              </p:par>
+                            </p:childTnLst>
+                          </p:cTn>
+                        </p:par>
+                      </p:childTnLst>
+                    </p:cTn>
+                  </p:par>
+                </p:childTnLst>
+              </p:cTn>
+              <p:prevCondLst>
+                <p:cond evt="onPrev" delay="0">
+                  <p:tgtEl>
+                    <p:sldTgt/>
+                  </p:tgtEl>
+                </p:cond>
+              </p:prevCondLst>
+              <p:nextCondLst>
+                <p:cond evt="onNext" delay="0">
+                  <p:tgtEl>
+                    <p:sldTgt/>
+                  </p:tgtEl>
+                </p:cond>
+              </p:nextCondLst>
+            </p:seq>
+          </p:childTnLst>
+        </p:cTn>
       </p:par>
     </p:tnLst>
+    <p:bldLst>
+      <p:bldP spid="2" grpId="0"/>
+      <p:bldP spid="5" grpId="0"/>
+      <p:bldP spid="7" grpId="0"/>
+      <p:bldP spid="15" grpId="0"/>
+      <p:bldP spid="16" grpId="0"/>
+      <p:bldP spid="17" grpId="0"/>
+    </p:bldLst>
   </p:timing>
 </p:sld>
 </file>
@@ -13751,17 +15777,6 @@
 <file path=ppt/slides/slide9.xml><?xml version="1.0" encoding="utf-8"?>
 <p:sld xmlns:a="http://schemas.openxmlformats.org/drawingml/2006/main" xmlns:r="http://schemas.openxmlformats.org/officeDocument/2006/relationships" xmlns:p="http://schemas.openxmlformats.org/presentationml/2006/main">
   <p:cSld>
-    <p:bg>
-      <p:bgPr>
-        <a:solidFill>
-          <a:schemeClr val="accent4">
-            <a:lumMod val="40000"/>
-            <a:lumOff val="60000"/>
-          </a:schemeClr>
-        </a:solidFill>
-        <a:effectLst/>
-      </p:bgPr>
-    </p:bg>
     <p:spTree>
       <p:nvGrpSpPr>
         <p:cNvPr id="1" name=""/>
@@ -13788,7 +15803,7 @@
           <a:blip r:embed="rId2" cstate="print">
             <a:extLst>
               <a:ext uri="{28A0092B-C50C-407E-A947-70E740481C1C}">
-                <a14:useLocalDpi xmlns:a14="http://schemas.microsoft.com/office/drawing/2010/main" val="0"/>
+                <a14:useLocalDpi xmlns:a14="http://schemas.microsoft.com/office/drawing/2010/main" xmlns="" val="0"/>
               </a:ext>
             </a:extLst>
           </a:blip>
@@ -13836,10 +15851,149 @@
           </a:p>
         </p:txBody>
       </p:sp>
+      <p:sp>
+        <p:nvSpPr>
+          <p:cNvPr id="5" name="TextBox 4"/>
+          <p:cNvSpPr txBox="1"/>
+          <p:nvPr/>
+        </p:nvSpPr>
+        <p:spPr>
+          <a:xfrm>
+            <a:off x="2676088" y="2206305"/>
+            <a:ext cx="6233020" cy="1015663"/>
+          </a:xfrm>
+          <a:prstGeom prst="rect">
+            <a:avLst/>
+          </a:prstGeom>
+          <a:noFill/>
+        </p:spPr>
+        <p:txBody>
+          <a:bodyPr wrap="square" rtlCol="0">
+            <a:spAutoFit/>
+          </a:bodyPr>
+          <a:lstStyle/>
+          <a:p>
+            <a:r>
+              <a:rPr lang="zh-CN" altLang="en-US" sz="2000" b="1" dirty="0" smtClean="0">
+                <a:latin typeface="+mj-ea"/>
+                <a:ea typeface="+mj-ea"/>
+              </a:rPr>
+              <a:t>打字游戏的代码实现，加强了我查找</a:t>
+            </a:r>
+            <a:r>
+              <a:rPr lang="en-US" altLang="zh-CN" sz="2000" b="1" dirty="0" smtClean="0">
+                <a:latin typeface="+mj-ea"/>
+                <a:ea typeface="+mj-ea"/>
+              </a:rPr>
+              <a:t>API</a:t>
+            </a:r>
+            <a:r>
+              <a:rPr lang="zh-CN" altLang="en-US" sz="2000" b="1" dirty="0" smtClean="0">
+                <a:latin typeface="+mj-ea"/>
+                <a:ea typeface="+mj-ea"/>
+              </a:rPr>
+              <a:t>文档的能力，增加了我对</a:t>
+            </a:r>
+            <a:r>
+              <a:rPr lang="en-US" altLang="zh-CN" sz="2000" b="1" dirty="0" err="1" smtClean="0">
+                <a:latin typeface="+mj-ea"/>
+                <a:ea typeface="+mj-ea"/>
+              </a:rPr>
+              <a:t>c++</a:t>
+            </a:r>
+            <a:r>
+              <a:rPr lang="zh-CN" altLang="en-US" sz="2000" b="1" dirty="0" smtClean="0">
+                <a:latin typeface="+mj-ea"/>
+                <a:ea typeface="+mj-ea"/>
+              </a:rPr>
+              <a:t>面向对象思想的认识，提高了我使用</a:t>
+            </a:r>
+            <a:r>
+              <a:rPr lang="en-US" altLang="zh-CN" sz="2000" b="1" dirty="0" smtClean="0">
+                <a:latin typeface="+mj-ea"/>
+                <a:ea typeface="+mj-ea"/>
+              </a:rPr>
+              <a:t>IDE</a:t>
+            </a:r>
+            <a:r>
+              <a:rPr lang="zh-CN" altLang="en-US" sz="2000" b="1" dirty="0" smtClean="0">
+                <a:latin typeface="+mj-ea"/>
+                <a:ea typeface="+mj-ea"/>
+              </a:rPr>
+              <a:t>的熟练度，为后续</a:t>
+            </a:r>
+            <a:r>
+              <a:rPr lang="en-US" altLang="zh-CN" sz="2000" b="1" dirty="0" smtClean="0">
+                <a:latin typeface="+mj-ea"/>
+                <a:ea typeface="+mj-ea"/>
+              </a:rPr>
+              <a:t>win32</a:t>
+            </a:r>
+            <a:r>
+              <a:rPr lang="zh-CN" altLang="en-US" sz="2000" b="1" dirty="0" smtClean="0">
+                <a:latin typeface="+mj-ea"/>
+                <a:ea typeface="+mj-ea"/>
+              </a:rPr>
+              <a:t>编程打下了坚实的基础</a:t>
+            </a:r>
+            <a:r>
+              <a:rPr lang="zh-CN" altLang="en-US" sz="2000" b="1" dirty="0" smtClean="0">
+                <a:latin typeface="+mj-ea"/>
+                <a:ea typeface="+mj-ea"/>
+              </a:rPr>
+              <a:t>。</a:t>
+            </a:r>
+            <a:endParaRPr lang="zh-CN" altLang="en-US" sz="2000" b="1" dirty="0" smtClean="0">
+              <a:latin typeface="+mj-ea"/>
+              <a:ea typeface="+mj-ea"/>
+            </a:endParaRPr>
+          </a:p>
+        </p:txBody>
+      </p:sp>
+      <p:sp>
+        <p:nvSpPr>
+          <p:cNvPr id="6" name="TextBox 5"/>
+          <p:cNvSpPr txBox="1"/>
+          <p:nvPr/>
+        </p:nvSpPr>
+        <p:spPr>
+          <a:xfrm>
+            <a:off x="2709644" y="3565321"/>
+            <a:ext cx="6031684" cy="646331"/>
+          </a:xfrm>
+          <a:prstGeom prst="rect">
+            <a:avLst/>
+          </a:prstGeom>
+          <a:noFill/>
+        </p:spPr>
+        <p:txBody>
+          <a:bodyPr wrap="square" rtlCol="0">
+            <a:spAutoFit/>
+          </a:bodyPr>
+          <a:lstStyle/>
+          <a:p>
+            <a:r>
+              <a:rPr lang="zh-CN" altLang="en-US" b="1" dirty="0" smtClean="0">
+                <a:latin typeface="+mj-ea"/>
+              </a:rPr>
+              <a:t>同时感谢就业老师对我的引导，班主任对我学习的督促和教学老师对我的细心</a:t>
+            </a:r>
+            <a:r>
+              <a:rPr lang="zh-CN" altLang="en-US" b="1" dirty="0" smtClean="0">
+                <a:latin typeface="+mj-ea"/>
+              </a:rPr>
+              <a:t>教导。</a:t>
+            </a:r>
+            <a:endParaRPr lang="zh-CN" altLang="en-US" b="1" dirty="0" smtClean="0">
+              <a:latin typeface="+mj-ea"/>
+            </a:endParaRPr>
+          </a:p>
+        </p:txBody>
+      </p:sp>
     </p:spTree>
     <p:extLst>
       <p:ext uri="{BB962C8B-B14F-4D97-AF65-F5344CB8AC3E}">
-        <p14:creationId xmlns:p14="http://schemas.microsoft.com/office/powerpoint/2010/main" val="3765624363"/>
+        <p14:creationId xmlns:p14="http://schemas.microsoft.com/office/powerpoint/2010/main" xmlns="" val="3765624363"/>
       </p:ext>
     </p:extLst>
   </p:cSld>
@@ -13849,9 +16003,218 @@
   <p:timing>
     <p:tnLst>
       <p:par>
-        <p:cTn id="1" dur="indefinite" restart="never" nodeType="tmRoot"/>
+        <p:cTn id="1" dur="indefinite" restart="never" nodeType="tmRoot">
+          <p:childTnLst>
+            <p:seq concurrent="1" nextAc="seek">
+              <p:cTn id="2" dur="indefinite" nodeType="mainSeq">
+                <p:childTnLst>
+                  <p:par>
+                    <p:cTn id="3" fill="hold">
+                      <p:stCondLst>
+                        <p:cond delay="indefinite"/>
+                      </p:stCondLst>
+                      <p:childTnLst>
+                        <p:par>
+                          <p:cTn id="4" fill="hold">
+                            <p:stCondLst>
+                              <p:cond delay="0"/>
+                            </p:stCondLst>
+                            <p:childTnLst>
+                              <p:par>
+                                <p:cTn id="5" presetID="2" presetClass="entr" presetSubtype="2" fill="hold" grpId="0" nodeType="clickEffect">
+                                  <p:stCondLst>
+                                    <p:cond delay="0"/>
+                                  </p:stCondLst>
+                                  <p:childTnLst>
+                                    <p:set>
+                                      <p:cBhvr>
+                                        <p:cTn id="6" dur="1" fill="hold">
+                                          <p:stCondLst>
+                                            <p:cond delay="0"/>
+                                          </p:stCondLst>
+                                        </p:cTn>
+                                        <p:tgtEl>
+                                          <p:spTgt spid="5"/>
+                                        </p:tgtEl>
+                                        <p:attrNameLst>
+                                          <p:attrName>style.visibility</p:attrName>
+                                        </p:attrNameLst>
+                                      </p:cBhvr>
+                                      <p:to>
+                                        <p:strVal val="visible"/>
+                                      </p:to>
+                                    </p:set>
+                                    <p:anim calcmode="lin" valueType="num">
+                                      <p:cBhvr additive="base">
+                                        <p:cTn id="7" dur="500" fill="hold"/>
+                                        <p:tgtEl>
+                                          <p:spTgt spid="5"/>
+                                        </p:tgtEl>
+                                        <p:attrNameLst>
+                                          <p:attrName>ppt_x</p:attrName>
+                                        </p:attrNameLst>
+                                      </p:cBhvr>
+                                      <p:tavLst>
+                                        <p:tav tm="0">
+                                          <p:val>
+                                            <p:strVal val="1+#ppt_w/2"/>
+                                          </p:val>
+                                        </p:tav>
+                                        <p:tav tm="100000">
+                                          <p:val>
+                                            <p:strVal val="#ppt_x"/>
+                                          </p:val>
+                                        </p:tav>
+                                      </p:tavLst>
+                                    </p:anim>
+                                    <p:anim calcmode="lin" valueType="num">
+                                      <p:cBhvr additive="base">
+                                        <p:cTn id="8" dur="500" fill="hold"/>
+                                        <p:tgtEl>
+                                          <p:spTgt spid="5"/>
+                                        </p:tgtEl>
+                                        <p:attrNameLst>
+                                          <p:attrName>ppt_y</p:attrName>
+                                        </p:attrNameLst>
+                                      </p:cBhvr>
+                                      <p:tavLst>
+                                        <p:tav tm="0">
+                                          <p:val>
+                                            <p:strVal val="#ppt_y"/>
+                                          </p:val>
+                                        </p:tav>
+                                        <p:tav tm="100000">
+                                          <p:val>
+                                            <p:strVal val="#ppt_y"/>
+                                          </p:val>
+                                        </p:tav>
+                                      </p:tavLst>
+                                    </p:anim>
+                                  </p:childTnLst>
+                                </p:cTn>
+                              </p:par>
+                            </p:childTnLst>
+                          </p:cTn>
+                        </p:par>
+                      </p:childTnLst>
+                    </p:cTn>
+                  </p:par>
+                  <p:par>
+                    <p:cTn id="9" fill="hold">
+                      <p:stCondLst>
+                        <p:cond delay="indefinite"/>
+                      </p:stCondLst>
+                      <p:childTnLst>
+                        <p:par>
+                          <p:cTn id="10" fill="hold">
+                            <p:stCondLst>
+                              <p:cond delay="0"/>
+                            </p:stCondLst>
+                            <p:childTnLst>
+                              <p:par>
+                                <p:cTn id="11" presetID="2" presetClass="entr" presetSubtype="2" fill="hold" grpId="0" nodeType="clickEffect">
+                                  <p:stCondLst>
+                                    <p:cond delay="0"/>
+                                  </p:stCondLst>
+                                  <p:childTnLst>
+                                    <p:set>
+                                      <p:cBhvr>
+                                        <p:cTn id="12" dur="1" fill="hold">
+                                          <p:stCondLst>
+                                            <p:cond delay="0"/>
+                                          </p:stCondLst>
+                                        </p:cTn>
+                                        <p:tgtEl>
+                                          <p:spTgt spid="6"/>
+                                        </p:tgtEl>
+                                        <p:attrNameLst>
+                                          <p:attrName>style.visibility</p:attrName>
+                                        </p:attrNameLst>
+                                      </p:cBhvr>
+                                      <p:to>
+                                        <p:strVal val="visible"/>
+                                      </p:to>
+                                    </p:set>
+                                    <p:anim calcmode="lin" valueType="num">
+                                      <p:cBhvr additive="base">
+                                        <p:cTn id="13" dur="500" fill="hold"/>
+                                        <p:tgtEl>
+                                          <p:spTgt spid="6"/>
+                                        </p:tgtEl>
+                                        <p:attrNameLst>
+                                          <p:attrName>ppt_x</p:attrName>
+                                        </p:attrNameLst>
+                                      </p:cBhvr>
+                                      <p:tavLst>
+                                        <p:tav tm="0">
+                                          <p:val>
+                                            <p:strVal val="1+#ppt_w/2"/>
+                                          </p:val>
+                                        </p:tav>
+                                        <p:tav tm="100000">
+                                          <p:val>
+                                            <p:strVal val="#ppt_x"/>
+                                          </p:val>
+                                        </p:tav>
+                                      </p:tavLst>
+                                    </p:anim>
+                                    <p:anim calcmode="lin" valueType="num">
+                                      <p:cBhvr additive="base">
+                                        <p:cTn id="14" dur="500" fill="hold"/>
+                                        <p:tgtEl>
+                                          <p:spTgt spid="6"/>
+                                        </p:tgtEl>
+                                        <p:attrNameLst>
+                                          <p:attrName>ppt_y</p:attrName>
+                                        </p:attrNameLst>
+                                      </p:cBhvr>
+                                      <p:tavLst>
+                                        <p:tav tm="0">
+                                          <p:val>
+                                            <p:strVal val="#ppt_y"/>
+                                          </p:val>
+                                        </p:tav>
+                                        <p:tav tm="100000">
+                                          <p:val>
+                                            <p:strVal val="#ppt_y"/>
+                                          </p:val>
+                                        </p:tav>
+                                      </p:tavLst>
+                                    </p:anim>
+                                  </p:childTnLst>
+                                </p:cTn>
+                              </p:par>
+                            </p:childTnLst>
+                          </p:cTn>
+                        </p:par>
+                      </p:childTnLst>
+                    </p:cTn>
+                  </p:par>
+                </p:childTnLst>
+              </p:cTn>
+              <p:prevCondLst>
+                <p:cond evt="onPrev" delay="0">
+                  <p:tgtEl>
+                    <p:sldTgt/>
+                  </p:tgtEl>
+                </p:cond>
+              </p:prevCondLst>
+              <p:nextCondLst>
+                <p:cond evt="onNext" delay="0">
+                  <p:tgtEl>
+                    <p:sldTgt/>
+                  </p:tgtEl>
+                </p:cond>
+              </p:nextCondLst>
+            </p:seq>
+          </p:childTnLst>
+        </p:cTn>
       </p:par>
     </p:tnLst>
+    <p:bldLst>
+      <p:bldP spid="5" grpId="0"/>
+      <p:bldP spid="6" grpId="0"/>
+    </p:bldLst>
   </p:timing>
 </p:sld>
 </file>
@@ -14111,7 +16474,7 @@
   <a:extraClrSchemeLst/>
   <a:extLst>
     <a:ext uri="{05A4C25C-085E-4340-85A3-A5531E510DB2}">
-      <thm15:themeFamily xmlns:thm15="http://schemas.microsoft.com/office/thememl/2012/main" name="Office Theme" id="{62F939B6-93AF-4DB8-9C6B-D6C7DFDC589F}" vid="{4A3C46E8-61CC-4603-A589-7422A47A8E4A}"/>
+      <thm15:themeFamily xmlns:thm15="http://schemas.microsoft.com/office/thememl/2012/main" xmlns="" name="Office Theme" id="{62F939B6-93AF-4DB8-9C6B-D6C7DFDC589F}" vid="{4A3C46E8-61CC-4603-A589-7422A47A8E4A}"/>
     </a:ext>
   </a:extLst>
 </a:theme>
